--- a/全能上主.pptx
+++ b/全能上主.pptx
@@ -2,15 +2,20 @@
 <file path=ppt/presentation.xml><?xml version="1.0" encoding="utf-8"?>
 <p:presentation xmlns:a="http://schemas.openxmlformats.org/drawingml/2006/main" xmlns:r="http://schemas.openxmlformats.org/officeDocument/2006/relationships" xmlns:p="http://schemas.openxmlformats.org/presentationml/2006/main" saveSubsetFonts="1">
   <p:sldMasterIdLst>
-    <p:sldMasterId id="2147483660" r:id="rId1"/>
+    <p:sldMasterId id="2147483672" r:id="rId1"/>
   </p:sldMasterIdLst>
   <p:sldIdLst>
-    <p:sldId id="256" r:id="rId2"/>
-    <p:sldId id="257" r:id="rId3"/>
-    <p:sldId id="258" r:id="rId4"/>
-    <p:sldId id="259" r:id="rId5"/>
+    <p:sldId id="260" r:id="rId2"/>
+    <p:sldId id="261" r:id="rId3"/>
+    <p:sldId id="262" r:id="rId4"/>
+    <p:sldId id="263" r:id="rId5"/>
+    <p:sldId id="264" r:id="rId6"/>
+    <p:sldId id="265" r:id="rId7"/>
+    <p:sldId id="266" r:id="rId8"/>
+    <p:sldId id="267" r:id="rId9"/>
+    <p:sldId id="268" r:id="rId10"/>
   </p:sldIdLst>
-  <p:sldSz cx="9144000" cy="6858000" type="screen4x3"/>
+  <p:sldSz cx="12192000" cy="6858000"/>
   <p:notesSz cx="6858000" cy="9144000"/>
   <p:defaultTextStyle>
     <a:defPPr>
@@ -107,6 +112,22 @@
       </a:defRPr>
     </a:lvl9pPr>
   </p:defaultTextStyle>
+  <p:extLst>
+    <p:ext uri="{EFAFB233-063F-42B5-8137-9DF3F51BA10A}">
+      <p15:sldGuideLst xmlns:p15="http://schemas.microsoft.com/office/powerpoint/2012/main">
+        <p15:guide id="1" orient="horz" pos="2160" userDrawn="1">
+          <p15:clr>
+            <a:srgbClr val="A4A3A4"/>
+          </p15:clr>
+        </p15:guide>
+        <p15:guide id="2" pos="3840" userDrawn="1">
+          <p15:clr>
+            <a:srgbClr val="A4A3A4"/>
+          </p15:clr>
+        </p15:guide>
+      </p15:sldGuideLst>
+    </p:ext>
+  </p:extLst>
 </p:presentation>
 </file>
 
@@ -129,7 +150,7 @@
       </p:grpSpPr>
       <p:sp>
         <p:nvSpPr>
-          <p:cNvPr id="2" name="Title 1"/>
+          <p:cNvPr id="2" name="標題 1"/>
           <p:cNvSpPr>
             <a:spLocks noGrp="1"/>
           </p:cNvSpPr>
@@ -139,31 +160,25 @@
         </p:nvSpPr>
         <p:spPr>
           <a:xfrm>
-            <a:off x="685800" y="2130425"/>
-            <a:ext cx="7772400" cy="1470025"/>
+            <a:off x="914400" y="2130428"/>
+            <a:ext cx="10363200" cy="1470025"/>
           </a:xfrm>
         </p:spPr>
         <p:txBody>
-          <a:bodyPr>
-            <a:noAutofit/>
-          </a:bodyPr>
-          <a:lstStyle>
-            <a:lvl1pPr algn="ctr">
-              <a:defRPr sz="5400"/>
-            </a:lvl1pPr>
-          </a:lstStyle>
-          <a:p>
-            <a:r>
-              <a:rPr lang="zh-TW" altLang="en-US" smtClean="0"/>
-              <a:t>按一下以編輯母片標題樣式</a:t>
-            </a:r>
-            <a:endParaRPr lang="en-US"/>
-          </a:p>
-        </p:txBody>
-      </p:sp>
-      <p:sp>
-        <p:nvSpPr>
-          <p:cNvPr id="3" name="Subtitle 2"/>
+          <a:bodyPr/>
+          <a:lstStyle/>
+          <a:p>
+            <a:r>
+              <a:rPr lang="en-US" altLang="zh-TW" smtClean="0"/>
+              <a:t>Click to edit Master title style</a:t>
+            </a:r>
+            <a:endParaRPr lang="zh-TW" altLang="en-US"/>
+          </a:p>
+        </p:txBody>
+      </p:sp>
+      <p:sp>
+        <p:nvSpPr>
+          <p:cNvPr id="3" name="副標題 2"/>
           <p:cNvSpPr>
             <a:spLocks noGrp="1"/>
           </p:cNvSpPr>
@@ -173,24 +188,14 @@
         </p:nvSpPr>
         <p:spPr>
           <a:xfrm>
-            <a:off x="1371600" y="3886200"/>
-            <a:ext cx="6400800" cy="1752600"/>
+            <a:off x="1828800" y="3886200"/>
+            <a:ext cx="8534400" cy="1752600"/>
           </a:xfrm>
         </p:spPr>
         <p:txBody>
-          <a:bodyPr>
-            <a:normAutofit/>
-          </a:bodyPr>
+          <a:bodyPr/>
           <a:lstStyle>
             <a:lvl1pPr marL="0" indent="0" algn="ctr">
-              <a:buNone/>
-              <a:defRPr sz="2400">
-                <a:solidFill>
-                  <a:schemeClr val="tx1"/>
-                </a:solidFill>
-              </a:defRPr>
-            </a:lvl1pPr>
-            <a:lvl2pPr marL="457200" indent="0" algn="ctr">
               <a:buNone/>
               <a:defRPr>
                 <a:solidFill>
@@ -199,8 +204,8 @@
                   </a:schemeClr>
                 </a:solidFill>
               </a:defRPr>
-            </a:lvl2pPr>
-            <a:lvl3pPr marL="914400" indent="0" algn="ctr">
+            </a:lvl1pPr>
+            <a:lvl2pPr marL="609585" indent="0" algn="ctr">
               <a:buNone/>
               <a:defRPr>
                 <a:solidFill>
@@ -209,8 +214,8 @@
                   </a:schemeClr>
                 </a:solidFill>
               </a:defRPr>
-            </a:lvl3pPr>
-            <a:lvl4pPr marL="1371600" indent="0" algn="ctr">
+            </a:lvl2pPr>
+            <a:lvl3pPr marL="1219170" indent="0" algn="ctr">
               <a:buNone/>
               <a:defRPr>
                 <a:solidFill>
@@ -219,8 +224,8 @@
                   </a:schemeClr>
                 </a:solidFill>
               </a:defRPr>
-            </a:lvl4pPr>
-            <a:lvl5pPr marL="1828800" indent="0" algn="ctr">
+            </a:lvl3pPr>
+            <a:lvl4pPr marL="1828754" indent="0" algn="ctr">
               <a:buNone/>
               <a:defRPr>
                 <a:solidFill>
@@ -229,8 +234,8 @@
                   </a:schemeClr>
                 </a:solidFill>
               </a:defRPr>
-            </a:lvl5pPr>
-            <a:lvl6pPr marL="2286000" indent="0" algn="ctr">
+            </a:lvl4pPr>
+            <a:lvl5pPr marL="2438339" indent="0" algn="ctr">
               <a:buNone/>
               <a:defRPr>
                 <a:solidFill>
@@ -239,8 +244,8 @@
                   </a:schemeClr>
                 </a:solidFill>
               </a:defRPr>
-            </a:lvl6pPr>
-            <a:lvl7pPr marL="2743200" indent="0" algn="ctr">
+            </a:lvl5pPr>
+            <a:lvl6pPr marL="3047924" indent="0" algn="ctr">
               <a:buNone/>
               <a:defRPr>
                 <a:solidFill>
@@ -249,8 +254,8 @@
                   </a:schemeClr>
                 </a:solidFill>
               </a:defRPr>
-            </a:lvl7pPr>
-            <a:lvl8pPr marL="3200400" indent="0" algn="ctr">
+            </a:lvl6pPr>
+            <a:lvl7pPr marL="3657509" indent="0" algn="ctr">
               <a:buNone/>
               <a:defRPr>
                 <a:solidFill>
@@ -259,8 +264,8 @@
                   </a:schemeClr>
                 </a:solidFill>
               </a:defRPr>
-            </a:lvl8pPr>
-            <a:lvl9pPr marL="3657600" indent="0" algn="ctr">
+            </a:lvl7pPr>
+            <a:lvl8pPr marL="4267093" indent="0" algn="ctr">
               <a:buNone/>
               <a:defRPr>
                 <a:solidFill>
@@ -269,20 +274,30 @@
                   </a:schemeClr>
                 </a:solidFill>
               </a:defRPr>
+            </a:lvl8pPr>
+            <a:lvl9pPr marL="4876678" indent="0" algn="ctr">
+              <a:buNone/>
+              <a:defRPr>
+                <a:solidFill>
+                  <a:schemeClr val="tx1">
+                    <a:tint val="75000"/>
+                  </a:schemeClr>
+                </a:solidFill>
+              </a:defRPr>
             </a:lvl9pPr>
           </a:lstStyle>
           <a:p>
             <a:r>
-              <a:rPr lang="zh-TW" altLang="en-US" smtClean="0"/>
-              <a:t>按一下以編輯母片副標題樣式</a:t>
-            </a:r>
-            <a:endParaRPr lang="en-US"/>
-          </a:p>
-        </p:txBody>
-      </p:sp>
-      <p:sp>
-        <p:nvSpPr>
-          <p:cNvPr id="4" name="Date Placeholder 3"/>
+              <a:rPr lang="en-US" altLang="zh-TW" smtClean="0"/>
+              <a:t>Click to edit Master subtitle style</a:t>
+            </a:r>
+            <a:endParaRPr lang="zh-TW" altLang="en-US"/>
+          </a:p>
+        </p:txBody>
+      </p:sp>
+      <p:sp>
+        <p:nvSpPr>
+          <p:cNvPr id="4" name="日期版面配置區 3"/>
           <p:cNvSpPr>
             <a:spLocks noGrp="1"/>
           </p:cNvSpPr>
@@ -297,7 +312,7 @@
           <a:p>
             <a:fld id="{01B7243B-29DA-438A-93BD-15DD6CA54119}" type="datetimeFigureOut">
               <a:rPr lang="zh-TW" altLang="en-US" smtClean="0"/>
-              <a:t>2013/7/30</a:t>
+              <a:t>2022/7/8</a:t>
             </a:fld>
             <a:endParaRPr lang="zh-TW" altLang="en-US"/>
           </a:p>
@@ -305,7 +320,7 @@
       </p:sp>
       <p:sp>
         <p:nvSpPr>
-          <p:cNvPr id="5" name="Footer Placeholder 4"/>
+          <p:cNvPr id="5" name="頁尾版面配置區 4"/>
           <p:cNvSpPr>
             <a:spLocks noGrp="1"/>
           </p:cNvSpPr>
@@ -324,7 +339,7 @@
       </p:sp>
       <p:sp>
         <p:nvSpPr>
-          <p:cNvPr id="6" name="Slide Number Placeholder 5"/>
+          <p:cNvPr id="6" name="投影片編號版面配置區 5"/>
           <p:cNvSpPr>
             <a:spLocks noGrp="1"/>
           </p:cNvSpPr>
@@ -346,6 +361,11 @@
         </p:txBody>
       </p:sp>
     </p:spTree>
+    <p:extLst>
+      <p:ext uri="{BB962C8B-B14F-4D97-AF65-F5344CB8AC3E}">
+        <p14:creationId xmlns:p14="http://schemas.microsoft.com/office/powerpoint/2010/main" val="2799943507"/>
+      </p:ext>
+    </p:extLst>
   </p:cSld>
   <p:clrMapOvr>
     <a:masterClrMapping/>
@@ -372,7 +392,7 @@
       </p:grpSpPr>
       <p:sp>
         <p:nvSpPr>
-          <p:cNvPr id="2" name="Title 1"/>
+          <p:cNvPr id="2" name="標題 1"/>
           <p:cNvSpPr>
             <a:spLocks noGrp="1"/>
           </p:cNvSpPr>
@@ -386,16 +406,16 @@
           <a:lstStyle/>
           <a:p>
             <a:r>
-              <a:rPr lang="zh-TW" altLang="en-US" smtClean="0"/>
-              <a:t>按一下以編輯母片標題樣式</a:t>
-            </a:r>
-            <a:endParaRPr lang="en-US"/>
-          </a:p>
-        </p:txBody>
-      </p:sp>
-      <p:sp>
-        <p:nvSpPr>
-          <p:cNvPr id="3" name="Vertical Text Placeholder 2"/>
+              <a:rPr lang="en-US" altLang="zh-TW" smtClean="0"/>
+              <a:t>Click to edit Master title style</a:t>
+            </a:r>
+            <a:endParaRPr lang="zh-TW" altLang="en-US"/>
+          </a:p>
+        </p:txBody>
+      </p:sp>
+      <p:sp>
+        <p:nvSpPr>
+          <p:cNvPr id="3" name="直排文字版面配置區 2"/>
           <p:cNvSpPr>
             <a:spLocks noGrp="1"/>
           </p:cNvSpPr>
@@ -410,44 +430,44 @@
           <a:p>
             <a:pPr lvl="0"/>
             <a:r>
-              <a:rPr lang="zh-TW" altLang="en-US" smtClean="0"/>
-              <a:t>按一下以編輯母片文字樣式</a:t>
+              <a:rPr lang="en-US" altLang="zh-TW" smtClean="0"/>
+              <a:t>Edit Master text styles</a:t>
             </a:r>
           </a:p>
           <a:p>
             <a:pPr lvl="1"/>
             <a:r>
-              <a:rPr lang="zh-TW" altLang="en-US" smtClean="0"/>
-              <a:t>第二層</a:t>
+              <a:rPr lang="en-US" altLang="zh-TW" smtClean="0"/>
+              <a:t>Second level</a:t>
             </a:r>
           </a:p>
           <a:p>
             <a:pPr lvl="2"/>
             <a:r>
-              <a:rPr lang="zh-TW" altLang="en-US" smtClean="0"/>
-              <a:t>第三層</a:t>
+              <a:rPr lang="en-US" altLang="zh-TW" smtClean="0"/>
+              <a:t>Third level</a:t>
             </a:r>
           </a:p>
           <a:p>
             <a:pPr lvl="3"/>
             <a:r>
-              <a:rPr lang="zh-TW" altLang="en-US" smtClean="0"/>
-              <a:t>第四層</a:t>
+              <a:rPr lang="en-US" altLang="zh-TW" smtClean="0"/>
+              <a:t>Fourth level</a:t>
             </a:r>
           </a:p>
           <a:p>
             <a:pPr lvl="4"/>
             <a:r>
-              <a:rPr lang="zh-TW" altLang="en-US" smtClean="0"/>
-              <a:t>第五層</a:t>
-            </a:r>
-            <a:endParaRPr lang="en-US"/>
-          </a:p>
-        </p:txBody>
-      </p:sp>
-      <p:sp>
-        <p:nvSpPr>
-          <p:cNvPr id="4" name="Date Placeholder 3"/>
+              <a:rPr lang="en-US" altLang="zh-TW" smtClean="0"/>
+              <a:t>Fifth level</a:t>
+            </a:r>
+            <a:endParaRPr lang="zh-TW" altLang="en-US"/>
+          </a:p>
+        </p:txBody>
+      </p:sp>
+      <p:sp>
+        <p:nvSpPr>
+          <p:cNvPr id="4" name="日期版面配置區 3"/>
           <p:cNvSpPr>
             <a:spLocks noGrp="1"/>
           </p:cNvSpPr>
@@ -462,7 +482,7 @@
           <a:p>
             <a:fld id="{01B7243B-29DA-438A-93BD-15DD6CA54119}" type="datetimeFigureOut">
               <a:rPr lang="zh-TW" altLang="en-US" smtClean="0"/>
-              <a:t>2013/7/30</a:t>
+              <a:t>2022/7/8</a:t>
             </a:fld>
             <a:endParaRPr lang="zh-TW" altLang="en-US"/>
           </a:p>
@@ -470,7 +490,7 @@
       </p:sp>
       <p:sp>
         <p:nvSpPr>
-          <p:cNvPr id="5" name="Footer Placeholder 4"/>
+          <p:cNvPr id="5" name="頁尾版面配置區 4"/>
           <p:cNvSpPr>
             <a:spLocks noGrp="1"/>
           </p:cNvSpPr>
@@ -489,7 +509,7 @@
       </p:sp>
       <p:sp>
         <p:nvSpPr>
-          <p:cNvPr id="6" name="Slide Number Placeholder 5"/>
+          <p:cNvPr id="6" name="投影片編號版面配置區 5"/>
           <p:cNvSpPr>
             <a:spLocks noGrp="1"/>
           </p:cNvSpPr>
@@ -511,6 +531,11 @@
         </p:txBody>
       </p:sp>
     </p:spTree>
+    <p:extLst>
+      <p:ext uri="{BB962C8B-B14F-4D97-AF65-F5344CB8AC3E}">
+        <p14:creationId xmlns:p14="http://schemas.microsoft.com/office/powerpoint/2010/main" val="4190358317"/>
+      </p:ext>
+    </p:extLst>
   </p:cSld>
   <p:clrMapOvr>
     <a:masterClrMapping/>
@@ -537,7 +562,7 @@
       </p:grpSpPr>
       <p:sp>
         <p:nvSpPr>
-          <p:cNvPr id="2" name="Vertical Title 1"/>
+          <p:cNvPr id="2" name="直排標題 1"/>
           <p:cNvSpPr>
             <a:spLocks noGrp="1"/>
           </p:cNvSpPr>
@@ -547,8 +572,8 @@
         </p:nvSpPr>
         <p:spPr>
           <a:xfrm>
-            <a:off x="6629400" y="274638"/>
-            <a:ext cx="2057400" cy="5851525"/>
+            <a:off x="8839200" y="274639"/>
+            <a:ext cx="2743200" cy="5851525"/>
           </a:xfrm>
         </p:spPr>
         <p:txBody>
@@ -556,16 +581,16 @@
           <a:lstStyle/>
           <a:p>
             <a:r>
-              <a:rPr lang="zh-TW" altLang="en-US" smtClean="0"/>
-              <a:t>按一下以編輯母片標題樣式</a:t>
-            </a:r>
-            <a:endParaRPr lang="en-US"/>
-          </a:p>
-        </p:txBody>
-      </p:sp>
-      <p:sp>
-        <p:nvSpPr>
-          <p:cNvPr id="3" name="Vertical Text Placeholder 2"/>
+              <a:rPr lang="en-US" altLang="zh-TW" smtClean="0"/>
+              <a:t>Click to edit Master title style</a:t>
+            </a:r>
+            <a:endParaRPr lang="zh-TW" altLang="en-US"/>
+          </a:p>
+        </p:txBody>
+      </p:sp>
+      <p:sp>
+        <p:nvSpPr>
+          <p:cNvPr id="3" name="直排文字版面配置區 2"/>
           <p:cNvSpPr>
             <a:spLocks noGrp="1"/>
           </p:cNvSpPr>
@@ -575,8 +600,8 @@
         </p:nvSpPr>
         <p:spPr>
           <a:xfrm>
-            <a:off x="457200" y="274638"/>
-            <a:ext cx="6019800" cy="5851525"/>
+            <a:off x="609600" y="274639"/>
+            <a:ext cx="8026400" cy="5851525"/>
           </a:xfrm>
         </p:spPr>
         <p:txBody>
@@ -585,44 +610,44 @@
           <a:p>
             <a:pPr lvl="0"/>
             <a:r>
-              <a:rPr lang="zh-TW" altLang="en-US" smtClean="0"/>
-              <a:t>按一下以編輯母片文字樣式</a:t>
+              <a:rPr lang="en-US" altLang="zh-TW" smtClean="0"/>
+              <a:t>Edit Master text styles</a:t>
             </a:r>
           </a:p>
           <a:p>
             <a:pPr lvl="1"/>
             <a:r>
-              <a:rPr lang="zh-TW" altLang="en-US" smtClean="0"/>
-              <a:t>第二層</a:t>
+              <a:rPr lang="en-US" altLang="zh-TW" smtClean="0"/>
+              <a:t>Second level</a:t>
             </a:r>
           </a:p>
           <a:p>
             <a:pPr lvl="2"/>
             <a:r>
-              <a:rPr lang="zh-TW" altLang="en-US" smtClean="0"/>
-              <a:t>第三層</a:t>
+              <a:rPr lang="en-US" altLang="zh-TW" smtClean="0"/>
+              <a:t>Third level</a:t>
             </a:r>
           </a:p>
           <a:p>
             <a:pPr lvl="3"/>
             <a:r>
-              <a:rPr lang="zh-TW" altLang="en-US" smtClean="0"/>
-              <a:t>第四層</a:t>
+              <a:rPr lang="en-US" altLang="zh-TW" smtClean="0"/>
+              <a:t>Fourth level</a:t>
             </a:r>
           </a:p>
           <a:p>
             <a:pPr lvl="4"/>
             <a:r>
-              <a:rPr lang="zh-TW" altLang="en-US" smtClean="0"/>
-              <a:t>第五層</a:t>
-            </a:r>
-            <a:endParaRPr lang="en-US"/>
-          </a:p>
-        </p:txBody>
-      </p:sp>
-      <p:sp>
-        <p:nvSpPr>
-          <p:cNvPr id="4" name="Date Placeholder 3"/>
+              <a:rPr lang="en-US" altLang="zh-TW" smtClean="0"/>
+              <a:t>Fifth level</a:t>
+            </a:r>
+            <a:endParaRPr lang="zh-TW" altLang="en-US"/>
+          </a:p>
+        </p:txBody>
+      </p:sp>
+      <p:sp>
+        <p:nvSpPr>
+          <p:cNvPr id="4" name="日期版面配置區 3"/>
           <p:cNvSpPr>
             <a:spLocks noGrp="1"/>
           </p:cNvSpPr>
@@ -637,7 +662,7 @@
           <a:p>
             <a:fld id="{01B7243B-29DA-438A-93BD-15DD6CA54119}" type="datetimeFigureOut">
               <a:rPr lang="zh-TW" altLang="en-US" smtClean="0"/>
-              <a:t>2013/7/30</a:t>
+              <a:t>2022/7/8</a:t>
             </a:fld>
             <a:endParaRPr lang="zh-TW" altLang="en-US"/>
           </a:p>
@@ -645,7 +670,7 @@
       </p:sp>
       <p:sp>
         <p:nvSpPr>
-          <p:cNvPr id="5" name="Footer Placeholder 4"/>
+          <p:cNvPr id="5" name="頁尾版面配置區 4"/>
           <p:cNvSpPr>
             <a:spLocks noGrp="1"/>
           </p:cNvSpPr>
@@ -664,7 +689,7 @@
       </p:sp>
       <p:sp>
         <p:nvSpPr>
-          <p:cNvPr id="6" name="Slide Number Placeholder 5"/>
+          <p:cNvPr id="6" name="投影片編號版面配置區 5"/>
           <p:cNvSpPr>
             <a:spLocks noGrp="1"/>
           </p:cNvSpPr>
@@ -686,6 +711,11 @@
         </p:txBody>
       </p:sp>
     </p:spTree>
+    <p:extLst>
+      <p:ext uri="{BB962C8B-B14F-4D97-AF65-F5344CB8AC3E}">
+        <p14:creationId xmlns:p14="http://schemas.microsoft.com/office/powerpoint/2010/main" val="2490721056"/>
+      </p:ext>
+    </p:extLst>
   </p:cSld>
   <p:clrMapOvr>
     <a:masterClrMapping/>
@@ -712,7 +742,7 @@
       </p:grpSpPr>
       <p:sp>
         <p:nvSpPr>
-          <p:cNvPr id="2" name="Title 1"/>
+          <p:cNvPr id="2" name="標題 1"/>
           <p:cNvSpPr>
             <a:spLocks noGrp="1"/>
           </p:cNvSpPr>
@@ -726,16 +756,16 @@
           <a:lstStyle/>
           <a:p>
             <a:r>
-              <a:rPr lang="zh-TW" altLang="en-US" smtClean="0"/>
-              <a:t>按一下以編輯母片標題樣式</a:t>
-            </a:r>
-            <a:endParaRPr lang="en-US"/>
-          </a:p>
-        </p:txBody>
-      </p:sp>
-      <p:sp>
-        <p:nvSpPr>
-          <p:cNvPr id="3" name="Content Placeholder 2"/>
+              <a:rPr lang="en-US" altLang="zh-TW" smtClean="0"/>
+              <a:t>Click to edit Master title style</a:t>
+            </a:r>
+            <a:endParaRPr lang="zh-TW" altLang="en-US"/>
+          </a:p>
+        </p:txBody>
+      </p:sp>
+      <p:sp>
+        <p:nvSpPr>
+          <p:cNvPr id="3" name="內容版面配置區 2"/>
           <p:cNvSpPr>
             <a:spLocks noGrp="1"/>
           </p:cNvSpPr>
@@ -750,44 +780,44 @@
           <a:p>
             <a:pPr lvl="0"/>
             <a:r>
-              <a:rPr lang="zh-TW" altLang="en-US" smtClean="0"/>
-              <a:t>按一下以編輯母片文字樣式</a:t>
+              <a:rPr lang="en-US" altLang="zh-TW" smtClean="0"/>
+              <a:t>Edit Master text styles</a:t>
             </a:r>
           </a:p>
           <a:p>
             <a:pPr lvl="1"/>
             <a:r>
-              <a:rPr lang="zh-TW" altLang="en-US" smtClean="0"/>
-              <a:t>第二層</a:t>
+              <a:rPr lang="en-US" altLang="zh-TW" smtClean="0"/>
+              <a:t>Second level</a:t>
             </a:r>
           </a:p>
           <a:p>
             <a:pPr lvl="2"/>
             <a:r>
-              <a:rPr lang="zh-TW" altLang="en-US" smtClean="0"/>
-              <a:t>第三層</a:t>
+              <a:rPr lang="en-US" altLang="zh-TW" smtClean="0"/>
+              <a:t>Third level</a:t>
             </a:r>
           </a:p>
           <a:p>
             <a:pPr lvl="3"/>
             <a:r>
-              <a:rPr lang="zh-TW" altLang="en-US" smtClean="0"/>
-              <a:t>第四層</a:t>
+              <a:rPr lang="en-US" altLang="zh-TW" smtClean="0"/>
+              <a:t>Fourth level</a:t>
             </a:r>
           </a:p>
           <a:p>
             <a:pPr lvl="4"/>
             <a:r>
-              <a:rPr lang="zh-TW" altLang="en-US" smtClean="0"/>
-              <a:t>第五層</a:t>
-            </a:r>
-            <a:endParaRPr lang="en-US"/>
-          </a:p>
-        </p:txBody>
-      </p:sp>
-      <p:sp>
-        <p:nvSpPr>
-          <p:cNvPr id="4" name="Date Placeholder 3"/>
+              <a:rPr lang="en-US" altLang="zh-TW" smtClean="0"/>
+              <a:t>Fifth level</a:t>
+            </a:r>
+            <a:endParaRPr lang="zh-TW" altLang="en-US"/>
+          </a:p>
+        </p:txBody>
+      </p:sp>
+      <p:sp>
+        <p:nvSpPr>
+          <p:cNvPr id="4" name="日期版面配置區 3"/>
           <p:cNvSpPr>
             <a:spLocks noGrp="1"/>
           </p:cNvSpPr>
@@ -802,7 +832,7 @@
           <a:p>
             <a:fld id="{01B7243B-29DA-438A-93BD-15DD6CA54119}" type="datetimeFigureOut">
               <a:rPr lang="zh-TW" altLang="en-US" smtClean="0"/>
-              <a:t>2013/7/30</a:t>
+              <a:t>2022/7/8</a:t>
             </a:fld>
             <a:endParaRPr lang="zh-TW" altLang="en-US"/>
           </a:p>
@@ -810,7 +840,7 @@
       </p:sp>
       <p:sp>
         <p:nvSpPr>
-          <p:cNvPr id="5" name="Footer Placeholder 4"/>
+          <p:cNvPr id="5" name="頁尾版面配置區 4"/>
           <p:cNvSpPr>
             <a:spLocks noGrp="1"/>
           </p:cNvSpPr>
@@ -829,7 +859,7 @@
       </p:sp>
       <p:sp>
         <p:nvSpPr>
-          <p:cNvPr id="6" name="Slide Number Placeholder 5"/>
+          <p:cNvPr id="6" name="投影片編號版面配置區 5"/>
           <p:cNvSpPr>
             <a:spLocks noGrp="1"/>
           </p:cNvSpPr>
@@ -851,6 +881,11 @@
         </p:txBody>
       </p:sp>
     </p:spTree>
+    <p:extLst>
+      <p:ext uri="{BB962C8B-B14F-4D97-AF65-F5344CB8AC3E}">
+        <p14:creationId xmlns:p14="http://schemas.microsoft.com/office/powerpoint/2010/main" val="782843034"/>
+      </p:ext>
+    </p:extLst>
   </p:cSld>
   <p:clrMapOvr>
     <a:masterClrMapping/>
@@ -877,41 +912,39 @@
       </p:grpSpPr>
       <p:sp>
         <p:nvSpPr>
-          <p:cNvPr id="2" name="Title 1"/>
-          <p:cNvSpPr>
-            <a:spLocks noGrp="1"/>
-          </p:cNvSpPr>
-          <p:nvPr>
-            <p:ph type="title" hasCustomPrompt="1"/>
+          <p:cNvPr id="2" name="標題 1"/>
+          <p:cNvSpPr>
+            <a:spLocks noGrp="1"/>
+          </p:cNvSpPr>
+          <p:nvPr>
+            <p:ph type="title"/>
           </p:nvPr>
         </p:nvSpPr>
         <p:spPr>
           <a:xfrm>
-            <a:off x="722313" y="2871787"/>
-            <a:ext cx="7772400" cy="1362075"/>
+            <a:off x="963084" y="4406901"/>
+            <a:ext cx="10363200" cy="1362075"/>
           </a:xfrm>
         </p:spPr>
         <p:txBody>
-          <a:bodyPr anchor="t">
-            <a:noAutofit/>
-          </a:bodyPr>
+          <a:bodyPr anchor="t"/>
           <a:lstStyle>
             <a:lvl1pPr algn="l">
-              <a:defRPr sz="4400" b="1" cap="none"/>
+              <a:defRPr sz="5333" b="1" cap="all"/>
             </a:lvl1pPr>
           </a:lstStyle>
           <a:p>
             <a:r>
-              <a:rPr lang="en-US" smtClean="0"/>
-              <a:t>Click to edit master title style</a:t>
-            </a:r>
-            <a:endParaRPr lang="en-US"/>
-          </a:p>
-        </p:txBody>
-      </p:sp>
-      <p:sp>
-        <p:nvSpPr>
-          <p:cNvPr id="3" name="Text Placeholder 2"/>
+              <a:rPr lang="en-US" altLang="zh-TW" smtClean="0"/>
+              <a:t>Click to edit Master title style</a:t>
+            </a:r>
+            <a:endParaRPr lang="zh-TW" altLang="en-US"/>
+          </a:p>
+        </p:txBody>
+      </p:sp>
+      <p:sp>
+        <p:nvSpPr>
+          <p:cNvPr id="3" name="文字版面配置區 2"/>
           <p:cNvSpPr>
             <a:spLocks noGrp="1"/>
           </p:cNvSpPr>
@@ -921,8 +954,8 @@
         </p:nvSpPr>
         <p:spPr>
           <a:xfrm>
-            <a:off x="722313" y="1371600"/>
-            <a:ext cx="7772400" cy="1500187"/>
+            <a:off x="963084" y="2906713"/>
+            <a:ext cx="10363200" cy="1500187"/>
           </a:xfrm>
         </p:spPr>
         <p:txBody>
@@ -930,105 +963,107 @@
           <a:lstStyle>
             <a:lvl1pPr marL="0" indent="0">
               <a:buNone/>
-              <a:defRPr sz="2000">
-                <a:solidFill>
-                  <a:schemeClr val="tx1"/>
-                </a:solidFill>
-              </a:defRPr>
-            </a:lvl1pPr>
-            <a:lvl2pPr marL="457200" indent="0">
-              <a:buNone/>
-              <a:defRPr sz="1800">
+              <a:defRPr sz="2667">
                 <a:solidFill>
                   <a:schemeClr val="tx1">
                     <a:tint val="75000"/>
                   </a:schemeClr>
                 </a:solidFill>
               </a:defRPr>
-            </a:lvl2pPr>
-            <a:lvl3pPr marL="914400" indent="0">
-              <a:buNone/>
-              <a:defRPr sz="1600">
+            </a:lvl1pPr>
+            <a:lvl2pPr marL="609585" indent="0">
+              <a:buNone/>
+              <a:defRPr sz="2400">
                 <a:solidFill>
                   <a:schemeClr val="tx1">
                     <a:tint val="75000"/>
                   </a:schemeClr>
                 </a:solidFill>
               </a:defRPr>
-            </a:lvl3pPr>
-            <a:lvl4pPr marL="1371600" indent="0">
-              <a:buNone/>
-              <a:defRPr sz="1400">
+            </a:lvl2pPr>
+            <a:lvl3pPr marL="1219170" indent="0">
+              <a:buNone/>
+              <a:defRPr sz="2133">
                 <a:solidFill>
                   <a:schemeClr val="tx1">
                     <a:tint val="75000"/>
                   </a:schemeClr>
                 </a:solidFill>
               </a:defRPr>
-            </a:lvl4pPr>
-            <a:lvl5pPr marL="1828800" indent="0">
-              <a:buNone/>
-              <a:defRPr sz="1400">
+            </a:lvl3pPr>
+            <a:lvl4pPr marL="1828754" indent="0">
+              <a:buNone/>
+              <a:defRPr sz="1867">
                 <a:solidFill>
                   <a:schemeClr val="tx1">
                     <a:tint val="75000"/>
                   </a:schemeClr>
                 </a:solidFill>
               </a:defRPr>
-            </a:lvl5pPr>
-            <a:lvl6pPr marL="2286000" indent="0">
-              <a:buNone/>
-              <a:defRPr sz="1400">
+            </a:lvl4pPr>
+            <a:lvl5pPr marL="2438339" indent="0">
+              <a:buNone/>
+              <a:defRPr sz="1867">
                 <a:solidFill>
                   <a:schemeClr val="tx1">
                     <a:tint val="75000"/>
                   </a:schemeClr>
                 </a:solidFill>
               </a:defRPr>
-            </a:lvl6pPr>
-            <a:lvl7pPr marL="2743200" indent="0">
-              <a:buNone/>
-              <a:defRPr sz="1400">
+            </a:lvl5pPr>
+            <a:lvl6pPr marL="3047924" indent="0">
+              <a:buNone/>
+              <a:defRPr sz="1867">
                 <a:solidFill>
                   <a:schemeClr val="tx1">
                     <a:tint val="75000"/>
                   </a:schemeClr>
                 </a:solidFill>
               </a:defRPr>
-            </a:lvl7pPr>
-            <a:lvl8pPr marL="3200400" indent="0">
-              <a:buNone/>
-              <a:defRPr sz="1400">
+            </a:lvl6pPr>
+            <a:lvl7pPr marL="3657509" indent="0">
+              <a:buNone/>
+              <a:defRPr sz="1867">
                 <a:solidFill>
                   <a:schemeClr val="tx1">
                     <a:tint val="75000"/>
                   </a:schemeClr>
                 </a:solidFill>
               </a:defRPr>
-            </a:lvl8pPr>
-            <a:lvl9pPr marL="3657600" indent="0">
-              <a:buNone/>
-              <a:defRPr sz="1400">
+            </a:lvl7pPr>
+            <a:lvl8pPr marL="4267093" indent="0">
+              <a:buNone/>
+              <a:defRPr sz="1867">
                 <a:solidFill>
                   <a:schemeClr val="tx1">
                     <a:tint val="75000"/>
                   </a:schemeClr>
                 </a:solidFill>
               </a:defRPr>
+            </a:lvl8pPr>
+            <a:lvl9pPr marL="4876678" indent="0">
+              <a:buNone/>
+              <a:defRPr sz="1867">
+                <a:solidFill>
+                  <a:schemeClr val="tx1">
+                    <a:tint val="75000"/>
+                  </a:schemeClr>
+                </a:solidFill>
+              </a:defRPr>
             </a:lvl9pPr>
           </a:lstStyle>
           <a:p>
             <a:pPr lvl="0"/>
             <a:r>
-              <a:rPr lang="zh-TW" altLang="en-US" smtClean="0"/>
-              <a:t>按一下以編輯母片文字樣式</a:t>
-            </a:r>
-          </a:p>
-        </p:txBody>
-      </p:sp>
-      <p:sp>
-        <p:nvSpPr>
-          <p:cNvPr id="4" name="Date Placeholder 3"/>
+              <a:rPr lang="en-US" altLang="zh-TW" smtClean="0"/>
+              <a:t>Edit Master text styles</a:t>
+            </a:r>
+          </a:p>
+        </p:txBody>
+      </p:sp>
+      <p:sp>
+        <p:nvSpPr>
+          <p:cNvPr id="4" name="日期版面配置區 3"/>
           <p:cNvSpPr>
             <a:spLocks noGrp="1"/>
           </p:cNvSpPr>
@@ -1043,7 +1078,7 @@
           <a:p>
             <a:fld id="{01B7243B-29DA-438A-93BD-15DD6CA54119}" type="datetimeFigureOut">
               <a:rPr lang="zh-TW" altLang="en-US" smtClean="0"/>
-              <a:t>2013/7/30</a:t>
+              <a:t>2022/7/8</a:t>
             </a:fld>
             <a:endParaRPr lang="zh-TW" altLang="en-US"/>
           </a:p>
@@ -1051,7 +1086,7 @@
       </p:sp>
       <p:sp>
         <p:nvSpPr>
-          <p:cNvPr id="5" name="Footer Placeholder 4"/>
+          <p:cNvPr id="5" name="頁尾版面配置區 4"/>
           <p:cNvSpPr>
             <a:spLocks noGrp="1"/>
           </p:cNvSpPr>
@@ -1070,7 +1105,7 @@
       </p:sp>
       <p:sp>
         <p:nvSpPr>
-          <p:cNvPr id="6" name="Slide Number Placeholder 5"/>
+          <p:cNvPr id="6" name="投影片編號版面配置區 5"/>
           <p:cNvSpPr>
             <a:spLocks noGrp="1"/>
           </p:cNvSpPr>
@@ -1092,6 +1127,11 @@
         </p:txBody>
       </p:sp>
     </p:spTree>
+    <p:extLst>
+      <p:ext uri="{BB962C8B-B14F-4D97-AF65-F5344CB8AC3E}">
+        <p14:creationId xmlns:p14="http://schemas.microsoft.com/office/powerpoint/2010/main" val="211458109"/>
+      </p:ext>
+    </p:extLst>
   </p:cSld>
   <p:clrMapOvr>
     <a:masterClrMapping/>
@@ -1118,7 +1158,7 @@
       </p:grpSpPr>
       <p:sp>
         <p:nvSpPr>
-          <p:cNvPr id="2" name="Title 1"/>
+          <p:cNvPr id="2" name="標題 1"/>
           <p:cNvSpPr>
             <a:spLocks noGrp="1"/>
           </p:cNvSpPr>
@@ -1132,16 +1172,16 @@
           <a:lstStyle/>
           <a:p>
             <a:r>
-              <a:rPr lang="zh-TW" altLang="en-US" smtClean="0"/>
-              <a:t>按一下以編輯母片標題樣式</a:t>
-            </a:r>
-            <a:endParaRPr lang="en-US"/>
-          </a:p>
-        </p:txBody>
-      </p:sp>
-      <p:sp>
-        <p:nvSpPr>
-          <p:cNvPr id="3" name="Content Placeholder 2"/>
+              <a:rPr lang="en-US" altLang="zh-TW" smtClean="0"/>
+              <a:t>Click to edit Master title style</a:t>
+            </a:r>
+            <a:endParaRPr lang="zh-TW" altLang="en-US"/>
+          </a:p>
+        </p:txBody>
+      </p:sp>
+      <p:sp>
+        <p:nvSpPr>
+          <p:cNvPr id="3" name="內容版面配置區 2"/>
           <p:cNvSpPr>
             <a:spLocks noGrp="1"/>
           </p:cNvSpPr>
@@ -1151,82 +1191,82 @@
         </p:nvSpPr>
         <p:spPr>
           <a:xfrm>
-            <a:off x="457200" y="1600200"/>
-            <a:ext cx="4038600" cy="4525963"/>
+            <a:off x="609600" y="1600201"/>
+            <a:ext cx="5384800" cy="4525963"/>
           </a:xfrm>
         </p:spPr>
         <p:txBody>
           <a:bodyPr/>
           <a:lstStyle>
             <a:lvl1pPr>
-              <a:defRPr sz="2800"/>
+              <a:defRPr sz="3733"/>
             </a:lvl1pPr>
             <a:lvl2pPr>
-              <a:defRPr sz="2400"/>
+              <a:defRPr sz="3200"/>
             </a:lvl2pPr>
             <a:lvl3pPr>
-              <a:defRPr sz="2000"/>
+              <a:defRPr sz="2667"/>
             </a:lvl3pPr>
             <a:lvl4pPr>
-              <a:defRPr sz="1800"/>
+              <a:defRPr sz="2400"/>
             </a:lvl4pPr>
             <a:lvl5pPr>
-              <a:defRPr sz="1800"/>
+              <a:defRPr sz="2400"/>
             </a:lvl5pPr>
             <a:lvl6pPr>
-              <a:defRPr sz="1800"/>
+              <a:defRPr sz="2400"/>
             </a:lvl6pPr>
             <a:lvl7pPr>
-              <a:defRPr sz="1800"/>
+              <a:defRPr sz="2400"/>
             </a:lvl7pPr>
             <a:lvl8pPr>
-              <a:defRPr sz="1800"/>
+              <a:defRPr sz="2400"/>
             </a:lvl8pPr>
             <a:lvl9pPr>
-              <a:defRPr sz="1800"/>
+              <a:defRPr sz="2400"/>
             </a:lvl9pPr>
           </a:lstStyle>
           <a:p>
             <a:pPr lvl="0"/>
             <a:r>
-              <a:rPr lang="zh-TW" altLang="en-US" smtClean="0"/>
-              <a:t>按一下以編輯母片文字樣式</a:t>
+              <a:rPr lang="en-US" altLang="zh-TW" smtClean="0"/>
+              <a:t>Edit Master text styles</a:t>
             </a:r>
           </a:p>
           <a:p>
             <a:pPr lvl="1"/>
             <a:r>
-              <a:rPr lang="zh-TW" altLang="en-US" smtClean="0"/>
-              <a:t>第二層</a:t>
+              <a:rPr lang="en-US" altLang="zh-TW" smtClean="0"/>
+              <a:t>Second level</a:t>
             </a:r>
           </a:p>
           <a:p>
             <a:pPr lvl="2"/>
             <a:r>
-              <a:rPr lang="zh-TW" altLang="en-US" smtClean="0"/>
-              <a:t>第三層</a:t>
+              <a:rPr lang="en-US" altLang="zh-TW" smtClean="0"/>
+              <a:t>Third level</a:t>
             </a:r>
           </a:p>
           <a:p>
             <a:pPr lvl="3"/>
             <a:r>
-              <a:rPr lang="zh-TW" altLang="en-US" smtClean="0"/>
-              <a:t>第四層</a:t>
+              <a:rPr lang="en-US" altLang="zh-TW" smtClean="0"/>
+              <a:t>Fourth level</a:t>
             </a:r>
           </a:p>
           <a:p>
             <a:pPr lvl="4"/>
             <a:r>
-              <a:rPr lang="zh-TW" altLang="en-US" smtClean="0"/>
-              <a:t>第五層</a:t>
-            </a:r>
-            <a:endParaRPr lang="en-US"/>
-          </a:p>
-        </p:txBody>
-      </p:sp>
-      <p:sp>
-        <p:nvSpPr>
-          <p:cNvPr id="4" name="Content Placeholder 3"/>
+              <a:rPr lang="en-US" altLang="zh-TW" smtClean="0"/>
+              <a:t>Fifth level</a:t>
+            </a:r>
+            <a:endParaRPr lang="zh-TW" altLang="en-US"/>
+          </a:p>
+        </p:txBody>
+      </p:sp>
+      <p:sp>
+        <p:nvSpPr>
+          <p:cNvPr id="4" name="內容版面配置區 3"/>
           <p:cNvSpPr>
             <a:spLocks noGrp="1"/>
           </p:cNvSpPr>
@@ -1236,82 +1276,82 @@
         </p:nvSpPr>
         <p:spPr>
           <a:xfrm>
-            <a:off x="4648200" y="1600200"/>
-            <a:ext cx="4038600" cy="4525963"/>
+            <a:off x="6197600" y="1600201"/>
+            <a:ext cx="5384800" cy="4525963"/>
           </a:xfrm>
         </p:spPr>
         <p:txBody>
           <a:bodyPr/>
           <a:lstStyle>
             <a:lvl1pPr>
-              <a:defRPr sz="2800"/>
+              <a:defRPr sz="3733"/>
             </a:lvl1pPr>
             <a:lvl2pPr>
-              <a:defRPr sz="2400"/>
+              <a:defRPr sz="3200"/>
             </a:lvl2pPr>
             <a:lvl3pPr>
-              <a:defRPr sz="2000"/>
+              <a:defRPr sz="2667"/>
             </a:lvl3pPr>
             <a:lvl4pPr>
-              <a:defRPr sz="1800"/>
+              <a:defRPr sz="2400"/>
             </a:lvl4pPr>
             <a:lvl5pPr>
-              <a:defRPr sz="1800"/>
+              <a:defRPr sz="2400"/>
             </a:lvl5pPr>
             <a:lvl6pPr>
-              <a:defRPr sz="1800"/>
+              <a:defRPr sz="2400"/>
             </a:lvl6pPr>
             <a:lvl7pPr>
-              <a:defRPr sz="1800"/>
+              <a:defRPr sz="2400"/>
             </a:lvl7pPr>
             <a:lvl8pPr>
-              <a:defRPr sz="1800"/>
+              <a:defRPr sz="2400"/>
             </a:lvl8pPr>
             <a:lvl9pPr>
-              <a:defRPr sz="1800"/>
+              <a:defRPr sz="2400"/>
             </a:lvl9pPr>
           </a:lstStyle>
           <a:p>
             <a:pPr lvl="0"/>
             <a:r>
-              <a:rPr lang="zh-TW" altLang="en-US" smtClean="0"/>
-              <a:t>按一下以編輯母片文字樣式</a:t>
+              <a:rPr lang="en-US" altLang="zh-TW" smtClean="0"/>
+              <a:t>Edit Master text styles</a:t>
             </a:r>
           </a:p>
           <a:p>
             <a:pPr lvl="1"/>
             <a:r>
-              <a:rPr lang="zh-TW" altLang="en-US" smtClean="0"/>
-              <a:t>第二層</a:t>
+              <a:rPr lang="en-US" altLang="zh-TW" smtClean="0"/>
+              <a:t>Second level</a:t>
             </a:r>
           </a:p>
           <a:p>
             <a:pPr lvl="2"/>
             <a:r>
-              <a:rPr lang="zh-TW" altLang="en-US" smtClean="0"/>
-              <a:t>第三層</a:t>
+              <a:rPr lang="en-US" altLang="zh-TW" smtClean="0"/>
+              <a:t>Third level</a:t>
             </a:r>
           </a:p>
           <a:p>
             <a:pPr lvl="3"/>
             <a:r>
-              <a:rPr lang="zh-TW" altLang="en-US" smtClean="0"/>
-              <a:t>第四層</a:t>
+              <a:rPr lang="en-US" altLang="zh-TW" smtClean="0"/>
+              <a:t>Fourth level</a:t>
             </a:r>
           </a:p>
           <a:p>
             <a:pPr lvl="4"/>
             <a:r>
-              <a:rPr lang="zh-TW" altLang="en-US" smtClean="0"/>
-              <a:t>第五層</a:t>
-            </a:r>
-            <a:endParaRPr lang="en-US"/>
-          </a:p>
-        </p:txBody>
-      </p:sp>
-      <p:sp>
-        <p:nvSpPr>
-          <p:cNvPr id="5" name="Date Placeholder 4"/>
+              <a:rPr lang="en-US" altLang="zh-TW" smtClean="0"/>
+              <a:t>Fifth level</a:t>
+            </a:r>
+            <a:endParaRPr lang="zh-TW" altLang="en-US"/>
+          </a:p>
+        </p:txBody>
+      </p:sp>
+      <p:sp>
+        <p:nvSpPr>
+          <p:cNvPr id="5" name="日期版面配置區 4"/>
           <p:cNvSpPr>
             <a:spLocks noGrp="1"/>
           </p:cNvSpPr>
@@ -1326,7 +1366,7 @@
           <a:p>
             <a:fld id="{01B7243B-29DA-438A-93BD-15DD6CA54119}" type="datetimeFigureOut">
               <a:rPr lang="zh-TW" altLang="en-US" smtClean="0"/>
-              <a:t>2013/7/30</a:t>
+              <a:t>2022/7/8</a:t>
             </a:fld>
             <a:endParaRPr lang="zh-TW" altLang="en-US"/>
           </a:p>
@@ -1334,7 +1374,7 @@
       </p:sp>
       <p:sp>
         <p:nvSpPr>
-          <p:cNvPr id="6" name="Footer Placeholder 5"/>
+          <p:cNvPr id="6" name="頁尾版面配置區 5"/>
           <p:cNvSpPr>
             <a:spLocks noGrp="1"/>
           </p:cNvSpPr>
@@ -1353,7 +1393,7 @@
       </p:sp>
       <p:sp>
         <p:nvSpPr>
-          <p:cNvPr id="7" name="Slide Number Placeholder 6"/>
+          <p:cNvPr id="7" name="投影片編號版面配置區 6"/>
           <p:cNvSpPr>
             <a:spLocks noGrp="1"/>
           </p:cNvSpPr>
@@ -1375,6 +1415,11 @@
         </p:txBody>
       </p:sp>
     </p:spTree>
+    <p:extLst>
+      <p:ext uri="{BB962C8B-B14F-4D97-AF65-F5344CB8AC3E}">
+        <p14:creationId xmlns:p14="http://schemas.microsoft.com/office/powerpoint/2010/main" val="1431002882"/>
+      </p:ext>
+    </p:extLst>
   </p:cSld>
   <p:clrMapOvr>
     <a:masterClrMapping/>
@@ -1401,7 +1446,7 @@
       </p:grpSpPr>
       <p:sp>
         <p:nvSpPr>
-          <p:cNvPr id="2" name="Title 1"/>
+          <p:cNvPr id="2" name="標題 1"/>
           <p:cNvSpPr>
             <a:spLocks noGrp="1"/>
           </p:cNvSpPr>
@@ -1419,81 +1464,81 @@
           </a:lstStyle>
           <a:p>
             <a:r>
-              <a:rPr lang="zh-TW" altLang="en-US" smtClean="0"/>
-              <a:t>按一下以編輯母片標題樣式</a:t>
-            </a:r>
-            <a:endParaRPr lang="en-US"/>
-          </a:p>
-        </p:txBody>
-      </p:sp>
-      <p:sp>
-        <p:nvSpPr>
-          <p:cNvPr id="3" name="Text Placeholder 2"/>
-          <p:cNvSpPr>
-            <a:spLocks noGrp="1"/>
-          </p:cNvSpPr>
-          <p:nvPr>
-            <p:ph type="body" idx="1" hasCustomPrompt="1"/>
+              <a:rPr lang="en-US" altLang="zh-TW" smtClean="0"/>
+              <a:t>Click to edit Master title style</a:t>
+            </a:r>
+            <a:endParaRPr lang="zh-TW" altLang="en-US"/>
+          </a:p>
+        </p:txBody>
+      </p:sp>
+      <p:sp>
+        <p:nvSpPr>
+          <p:cNvPr id="3" name="文字版面配置區 2"/>
+          <p:cNvSpPr>
+            <a:spLocks noGrp="1"/>
+          </p:cNvSpPr>
+          <p:nvPr>
+            <p:ph type="body" idx="1"/>
           </p:nvPr>
         </p:nvSpPr>
         <p:spPr>
           <a:xfrm>
-            <a:off x="457200" y="1535113"/>
-            <a:ext cx="4040188" cy="639762"/>
+            <a:off x="609600" y="1535113"/>
+            <a:ext cx="5386917" cy="639763"/>
           </a:xfrm>
         </p:spPr>
         <p:txBody>
-          <a:bodyPr anchor="ctr"/>
+          <a:bodyPr anchor="b"/>
           <a:lstStyle>
             <a:lvl1pPr marL="0" indent="0">
               <a:buNone/>
+              <a:defRPr sz="3200" b="1"/>
+            </a:lvl1pPr>
+            <a:lvl2pPr marL="609585" indent="0">
+              <a:buNone/>
+              <a:defRPr sz="2667" b="1"/>
+            </a:lvl2pPr>
+            <a:lvl3pPr marL="1219170" indent="0">
+              <a:buNone/>
               <a:defRPr sz="2400" b="1"/>
-            </a:lvl1pPr>
-            <a:lvl2pPr marL="457200" indent="0">
-              <a:buNone/>
-              <a:defRPr sz="2000" b="1"/>
-            </a:lvl2pPr>
-            <a:lvl3pPr marL="914400" indent="0">
-              <a:buNone/>
-              <a:defRPr sz="1800" b="1"/>
             </a:lvl3pPr>
-            <a:lvl4pPr marL="1371600" indent="0">
-              <a:buNone/>
-              <a:defRPr sz="1600" b="1"/>
+            <a:lvl4pPr marL="1828754" indent="0">
+              <a:buNone/>
+              <a:defRPr sz="2133" b="1"/>
             </a:lvl4pPr>
-            <a:lvl5pPr marL="1828800" indent="0">
-              <a:buNone/>
-              <a:defRPr sz="1600" b="1"/>
+            <a:lvl5pPr marL="2438339" indent="0">
+              <a:buNone/>
+              <a:defRPr sz="2133" b="1"/>
             </a:lvl5pPr>
-            <a:lvl6pPr marL="2286000" indent="0">
-              <a:buNone/>
-              <a:defRPr sz="1600" b="1"/>
+            <a:lvl6pPr marL="3047924" indent="0">
+              <a:buNone/>
+              <a:defRPr sz="2133" b="1"/>
             </a:lvl6pPr>
-            <a:lvl7pPr marL="2743200" indent="0">
-              <a:buNone/>
-              <a:defRPr sz="1600" b="1"/>
+            <a:lvl7pPr marL="3657509" indent="0">
+              <a:buNone/>
+              <a:defRPr sz="2133" b="1"/>
             </a:lvl7pPr>
-            <a:lvl8pPr marL="3200400" indent="0">
-              <a:buNone/>
-              <a:defRPr sz="1600" b="1"/>
+            <a:lvl8pPr marL="4267093" indent="0">
+              <a:buNone/>
+              <a:defRPr sz="2133" b="1"/>
             </a:lvl8pPr>
-            <a:lvl9pPr marL="3657600" indent="0">
-              <a:buNone/>
-              <a:defRPr sz="1600" b="1"/>
+            <a:lvl9pPr marL="4876678" indent="0">
+              <a:buNone/>
+              <a:defRPr sz="2133" b="1"/>
             </a:lvl9pPr>
           </a:lstStyle>
           <a:p>
             <a:pPr lvl="0"/>
             <a:r>
-              <a:rPr lang="en-US" smtClean="0"/>
-              <a:t>CLICK TO EDIT MASTER TEXT STYLES</a:t>
-            </a:r>
-          </a:p>
-        </p:txBody>
-      </p:sp>
-      <p:sp>
-        <p:nvSpPr>
-          <p:cNvPr id="4" name="Content Placeholder 3"/>
+              <a:rPr lang="en-US" altLang="zh-TW" smtClean="0"/>
+              <a:t>Edit Master text styles</a:t>
+            </a:r>
+          </a:p>
+        </p:txBody>
+      </p:sp>
+      <p:sp>
+        <p:nvSpPr>
+          <p:cNvPr id="4" name="內容版面配置區 3"/>
           <p:cNvSpPr>
             <a:spLocks noGrp="1"/>
           </p:cNvSpPr>
@@ -1503,147 +1548,147 @@
         </p:nvSpPr>
         <p:spPr>
           <a:xfrm>
-            <a:off x="457200" y="2174875"/>
-            <a:ext cx="4040188" cy="3951288"/>
+            <a:off x="609600" y="2174875"/>
+            <a:ext cx="5386917" cy="3951288"/>
           </a:xfrm>
         </p:spPr>
         <p:txBody>
           <a:bodyPr/>
           <a:lstStyle>
             <a:lvl1pPr>
-              <a:defRPr sz="2400"/>
+              <a:defRPr sz="3200"/>
             </a:lvl1pPr>
             <a:lvl2pPr>
-              <a:defRPr sz="2000"/>
+              <a:defRPr sz="2667"/>
             </a:lvl2pPr>
             <a:lvl3pPr>
-              <a:defRPr sz="1800"/>
+              <a:defRPr sz="2400"/>
             </a:lvl3pPr>
             <a:lvl4pPr>
-              <a:defRPr sz="1600"/>
+              <a:defRPr sz="2133"/>
             </a:lvl4pPr>
             <a:lvl5pPr>
-              <a:defRPr sz="1600"/>
+              <a:defRPr sz="2133"/>
             </a:lvl5pPr>
             <a:lvl6pPr>
-              <a:defRPr sz="1600"/>
+              <a:defRPr sz="2133"/>
             </a:lvl6pPr>
             <a:lvl7pPr>
-              <a:defRPr sz="1600"/>
+              <a:defRPr sz="2133"/>
             </a:lvl7pPr>
             <a:lvl8pPr>
-              <a:defRPr sz="1600"/>
+              <a:defRPr sz="2133"/>
             </a:lvl8pPr>
             <a:lvl9pPr>
-              <a:defRPr sz="1600"/>
+              <a:defRPr sz="2133"/>
             </a:lvl9pPr>
           </a:lstStyle>
           <a:p>
             <a:pPr lvl="0"/>
             <a:r>
-              <a:rPr lang="zh-TW" altLang="en-US" smtClean="0"/>
-              <a:t>按一下以編輯母片文字樣式</a:t>
+              <a:rPr lang="en-US" altLang="zh-TW" smtClean="0"/>
+              <a:t>Edit Master text styles</a:t>
             </a:r>
           </a:p>
           <a:p>
             <a:pPr lvl="1"/>
             <a:r>
-              <a:rPr lang="zh-TW" altLang="en-US" smtClean="0"/>
-              <a:t>第二層</a:t>
+              <a:rPr lang="en-US" altLang="zh-TW" smtClean="0"/>
+              <a:t>Second level</a:t>
             </a:r>
           </a:p>
           <a:p>
             <a:pPr lvl="2"/>
             <a:r>
-              <a:rPr lang="zh-TW" altLang="en-US" smtClean="0"/>
-              <a:t>第三層</a:t>
+              <a:rPr lang="en-US" altLang="zh-TW" smtClean="0"/>
+              <a:t>Third level</a:t>
             </a:r>
           </a:p>
           <a:p>
             <a:pPr lvl="3"/>
             <a:r>
-              <a:rPr lang="zh-TW" altLang="en-US" smtClean="0"/>
-              <a:t>第四層</a:t>
+              <a:rPr lang="en-US" altLang="zh-TW" smtClean="0"/>
+              <a:t>Fourth level</a:t>
             </a:r>
           </a:p>
           <a:p>
             <a:pPr lvl="4"/>
             <a:r>
-              <a:rPr lang="zh-TW" altLang="en-US" smtClean="0"/>
-              <a:t>第五層</a:t>
-            </a:r>
-            <a:endParaRPr lang="en-US"/>
-          </a:p>
-        </p:txBody>
-      </p:sp>
-      <p:sp>
-        <p:nvSpPr>
-          <p:cNvPr id="5" name="Text Placeholder 4"/>
-          <p:cNvSpPr>
-            <a:spLocks noGrp="1"/>
-          </p:cNvSpPr>
-          <p:nvPr>
-            <p:ph type="body" sz="quarter" idx="3" hasCustomPrompt="1"/>
+              <a:rPr lang="en-US" altLang="zh-TW" smtClean="0"/>
+              <a:t>Fifth level</a:t>
+            </a:r>
+            <a:endParaRPr lang="zh-TW" altLang="en-US"/>
+          </a:p>
+        </p:txBody>
+      </p:sp>
+      <p:sp>
+        <p:nvSpPr>
+          <p:cNvPr id="5" name="文字版面配置區 4"/>
+          <p:cNvSpPr>
+            <a:spLocks noGrp="1"/>
+          </p:cNvSpPr>
+          <p:nvPr>
+            <p:ph type="body" sz="quarter" idx="3"/>
           </p:nvPr>
         </p:nvSpPr>
         <p:spPr>
           <a:xfrm>
-            <a:off x="4645025" y="1535113"/>
-            <a:ext cx="4041775" cy="639762"/>
+            <a:off x="6193372" y="1535113"/>
+            <a:ext cx="5389033" cy="639763"/>
           </a:xfrm>
         </p:spPr>
         <p:txBody>
-          <a:bodyPr anchor="ctr"/>
+          <a:bodyPr anchor="b"/>
           <a:lstStyle>
             <a:lvl1pPr marL="0" indent="0">
               <a:buNone/>
+              <a:defRPr sz="3200" b="1"/>
+            </a:lvl1pPr>
+            <a:lvl2pPr marL="609585" indent="0">
+              <a:buNone/>
+              <a:defRPr sz="2667" b="1"/>
+            </a:lvl2pPr>
+            <a:lvl3pPr marL="1219170" indent="0">
+              <a:buNone/>
               <a:defRPr sz="2400" b="1"/>
-            </a:lvl1pPr>
-            <a:lvl2pPr marL="457200" indent="0">
-              <a:buNone/>
-              <a:defRPr sz="2000" b="1"/>
-            </a:lvl2pPr>
-            <a:lvl3pPr marL="914400" indent="0">
-              <a:buNone/>
-              <a:defRPr sz="1800" b="1"/>
             </a:lvl3pPr>
-            <a:lvl4pPr marL="1371600" indent="0">
-              <a:buNone/>
-              <a:defRPr sz="1600" b="1"/>
+            <a:lvl4pPr marL="1828754" indent="0">
+              <a:buNone/>
+              <a:defRPr sz="2133" b="1"/>
             </a:lvl4pPr>
-            <a:lvl5pPr marL="1828800" indent="0">
-              <a:buNone/>
-              <a:defRPr sz="1600" b="1"/>
+            <a:lvl5pPr marL="2438339" indent="0">
+              <a:buNone/>
+              <a:defRPr sz="2133" b="1"/>
             </a:lvl5pPr>
-            <a:lvl6pPr marL="2286000" indent="0">
-              <a:buNone/>
-              <a:defRPr sz="1600" b="1"/>
+            <a:lvl6pPr marL="3047924" indent="0">
+              <a:buNone/>
+              <a:defRPr sz="2133" b="1"/>
             </a:lvl6pPr>
-            <a:lvl7pPr marL="2743200" indent="0">
-              <a:buNone/>
-              <a:defRPr sz="1600" b="1"/>
+            <a:lvl7pPr marL="3657509" indent="0">
+              <a:buNone/>
+              <a:defRPr sz="2133" b="1"/>
             </a:lvl7pPr>
-            <a:lvl8pPr marL="3200400" indent="0">
-              <a:buNone/>
-              <a:defRPr sz="1600" b="1"/>
+            <a:lvl8pPr marL="4267093" indent="0">
+              <a:buNone/>
+              <a:defRPr sz="2133" b="1"/>
             </a:lvl8pPr>
-            <a:lvl9pPr marL="3657600" indent="0">
-              <a:buNone/>
-              <a:defRPr sz="1600" b="1"/>
+            <a:lvl9pPr marL="4876678" indent="0">
+              <a:buNone/>
+              <a:defRPr sz="2133" b="1"/>
             </a:lvl9pPr>
           </a:lstStyle>
           <a:p>
             <a:pPr lvl="0"/>
             <a:r>
-              <a:rPr lang="en-US" smtClean="0"/>
-              <a:t>CLICK TO EDIT MASTER TEXT STYLES</a:t>
-            </a:r>
-          </a:p>
-        </p:txBody>
-      </p:sp>
-      <p:sp>
-        <p:nvSpPr>
-          <p:cNvPr id="6" name="Content Placeholder 5"/>
+              <a:rPr lang="en-US" altLang="zh-TW" smtClean="0"/>
+              <a:t>Edit Master text styles</a:t>
+            </a:r>
+          </a:p>
+        </p:txBody>
+      </p:sp>
+      <p:sp>
+        <p:nvSpPr>
+          <p:cNvPr id="6" name="內容版面配置區 5"/>
           <p:cNvSpPr>
             <a:spLocks noGrp="1"/>
           </p:cNvSpPr>
@@ -1653,82 +1698,82 @@
         </p:nvSpPr>
         <p:spPr>
           <a:xfrm>
-            <a:off x="4645025" y="2174875"/>
-            <a:ext cx="4041775" cy="3951288"/>
+            <a:off x="6193372" y="2174875"/>
+            <a:ext cx="5389033" cy="3951288"/>
           </a:xfrm>
         </p:spPr>
         <p:txBody>
           <a:bodyPr/>
           <a:lstStyle>
             <a:lvl1pPr>
-              <a:defRPr sz="2400"/>
+              <a:defRPr sz="3200"/>
             </a:lvl1pPr>
             <a:lvl2pPr>
-              <a:defRPr sz="2000"/>
+              <a:defRPr sz="2667"/>
             </a:lvl2pPr>
             <a:lvl3pPr>
-              <a:defRPr sz="1800"/>
+              <a:defRPr sz="2400"/>
             </a:lvl3pPr>
             <a:lvl4pPr>
-              <a:defRPr sz="1600"/>
+              <a:defRPr sz="2133"/>
             </a:lvl4pPr>
             <a:lvl5pPr>
-              <a:defRPr sz="1600"/>
+              <a:defRPr sz="2133"/>
             </a:lvl5pPr>
             <a:lvl6pPr>
-              <a:defRPr sz="1600"/>
+              <a:defRPr sz="2133"/>
             </a:lvl6pPr>
             <a:lvl7pPr>
-              <a:defRPr sz="1600"/>
+              <a:defRPr sz="2133"/>
             </a:lvl7pPr>
             <a:lvl8pPr>
-              <a:defRPr sz="1600"/>
+              <a:defRPr sz="2133"/>
             </a:lvl8pPr>
             <a:lvl9pPr>
-              <a:defRPr sz="1600"/>
+              <a:defRPr sz="2133"/>
             </a:lvl9pPr>
           </a:lstStyle>
           <a:p>
             <a:pPr lvl="0"/>
             <a:r>
-              <a:rPr lang="zh-TW" altLang="en-US" smtClean="0"/>
-              <a:t>按一下以編輯母片文字樣式</a:t>
+              <a:rPr lang="en-US" altLang="zh-TW" smtClean="0"/>
+              <a:t>Edit Master text styles</a:t>
             </a:r>
           </a:p>
           <a:p>
             <a:pPr lvl="1"/>
             <a:r>
-              <a:rPr lang="zh-TW" altLang="en-US" smtClean="0"/>
-              <a:t>第二層</a:t>
+              <a:rPr lang="en-US" altLang="zh-TW" smtClean="0"/>
+              <a:t>Second level</a:t>
             </a:r>
           </a:p>
           <a:p>
             <a:pPr lvl="2"/>
             <a:r>
-              <a:rPr lang="zh-TW" altLang="en-US" smtClean="0"/>
-              <a:t>第三層</a:t>
+              <a:rPr lang="en-US" altLang="zh-TW" smtClean="0"/>
+              <a:t>Third level</a:t>
             </a:r>
           </a:p>
           <a:p>
             <a:pPr lvl="3"/>
             <a:r>
-              <a:rPr lang="zh-TW" altLang="en-US" smtClean="0"/>
-              <a:t>第四層</a:t>
+              <a:rPr lang="en-US" altLang="zh-TW" smtClean="0"/>
+              <a:t>Fourth level</a:t>
             </a:r>
           </a:p>
           <a:p>
             <a:pPr lvl="4"/>
             <a:r>
-              <a:rPr lang="zh-TW" altLang="en-US" smtClean="0"/>
-              <a:t>第五層</a:t>
-            </a:r>
-            <a:endParaRPr lang="en-US"/>
-          </a:p>
-        </p:txBody>
-      </p:sp>
-      <p:sp>
-        <p:nvSpPr>
-          <p:cNvPr id="7" name="Date Placeholder 6"/>
+              <a:rPr lang="en-US" altLang="zh-TW" smtClean="0"/>
+              <a:t>Fifth level</a:t>
+            </a:r>
+            <a:endParaRPr lang="zh-TW" altLang="en-US"/>
+          </a:p>
+        </p:txBody>
+      </p:sp>
+      <p:sp>
+        <p:nvSpPr>
+          <p:cNvPr id="7" name="日期版面配置區 6"/>
           <p:cNvSpPr>
             <a:spLocks noGrp="1"/>
           </p:cNvSpPr>
@@ -1743,7 +1788,7 @@
           <a:p>
             <a:fld id="{01B7243B-29DA-438A-93BD-15DD6CA54119}" type="datetimeFigureOut">
               <a:rPr lang="zh-TW" altLang="en-US" smtClean="0"/>
-              <a:t>2013/7/30</a:t>
+              <a:t>2022/7/8</a:t>
             </a:fld>
             <a:endParaRPr lang="zh-TW" altLang="en-US"/>
           </a:p>
@@ -1751,7 +1796,7 @@
       </p:sp>
       <p:sp>
         <p:nvSpPr>
-          <p:cNvPr id="8" name="Footer Placeholder 7"/>
+          <p:cNvPr id="8" name="頁尾版面配置區 7"/>
           <p:cNvSpPr>
             <a:spLocks noGrp="1"/>
           </p:cNvSpPr>
@@ -1770,7 +1815,7 @@
       </p:sp>
       <p:sp>
         <p:nvSpPr>
-          <p:cNvPr id="9" name="Slide Number Placeholder 8"/>
+          <p:cNvPr id="9" name="投影片編號版面配置區 8"/>
           <p:cNvSpPr>
             <a:spLocks noGrp="1"/>
           </p:cNvSpPr>
@@ -1792,6 +1837,11 @@
         </p:txBody>
       </p:sp>
     </p:spTree>
+    <p:extLst>
+      <p:ext uri="{BB962C8B-B14F-4D97-AF65-F5344CB8AC3E}">
+        <p14:creationId xmlns:p14="http://schemas.microsoft.com/office/powerpoint/2010/main" val="2703436697"/>
+      </p:ext>
+    </p:extLst>
   </p:cSld>
   <p:clrMapOvr>
     <a:masterClrMapping/>
@@ -1818,7 +1868,7 @@
       </p:grpSpPr>
       <p:sp>
         <p:nvSpPr>
-          <p:cNvPr id="2" name="Title 1"/>
+          <p:cNvPr id="2" name="標題 1"/>
           <p:cNvSpPr>
             <a:spLocks noGrp="1"/>
           </p:cNvSpPr>
@@ -1832,16 +1882,16 @@
           <a:lstStyle/>
           <a:p>
             <a:r>
-              <a:rPr lang="zh-TW" altLang="en-US" smtClean="0"/>
-              <a:t>按一下以編輯母片標題樣式</a:t>
-            </a:r>
-            <a:endParaRPr lang="en-US"/>
-          </a:p>
-        </p:txBody>
-      </p:sp>
-      <p:sp>
-        <p:nvSpPr>
-          <p:cNvPr id="3" name="Date Placeholder 2"/>
+              <a:rPr lang="en-US" altLang="zh-TW" smtClean="0"/>
+              <a:t>Click to edit Master title style</a:t>
+            </a:r>
+            <a:endParaRPr lang="zh-TW" altLang="en-US"/>
+          </a:p>
+        </p:txBody>
+      </p:sp>
+      <p:sp>
+        <p:nvSpPr>
+          <p:cNvPr id="3" name="日期版面配置區 2"/>
           <p:cNvSpPr>
             <a:spLocks noGrp="1"/>
           </p:cNvSpPr>
@@ -1856,7 +1906,7 @@
           <a:p>
             <a:fld id="{01B7243B-29DA-438A-93BD-15DD6CA54119}" type="datetimeFigureOut">
               <a:rPr lang="zh-TW" altLang="en-US" smtClean="0"/>
-              <a:t>2013/7/30</a:t>
+              <a:t>2022/7/8</a:t>
             </a:fld>
             <a:endParaRPr lang="zh-TW" altLang="en-US"/>
           </a:p>
@@ -1864,7 +1914,7 @@
       </p:sp>
       <p:sp>
         <p:nvSpPr>
-          <p:cNvPr id="4" name="Footer Placeholder 3"/>
+          <p:cNvPr id="4" name="頁尾版面配置區 3"/>
           <p:cNvSpPr>
             <a:spLocks noGrp="1"/>
           </p:cNvSpPr>
@@ -1883,7 +1933,7 @@
       </p:sp>
       <p:sp>
         <p:nvSpPr>
-          <p:cNvPr id="5" name="Slide Number Placeholder 4"/>
+          <p:cNvPr id="5" name="投影片編號版面配置區 4"/>
           <p:cNvSpPr>
             <a:spLocks noGrp="1"/>
           </p:cNvSpPr>
@@ -1905,6 +1955,11 @@
         </p:txBody>
       </p:sp>
     </p:spTree>
+    <p:extLst>
+      <p:ext uri="{BB962C8B-B14F-4D97-AF65-F5344CB8AC3E}">
+        <p14:creationId xmlns:p14="http://schemas.microsoft.com/office/powerpoint/2010/main" val="158559521"/>
+      </p:ext>
+    </p:extLst>
   </p:cSld>
   <p:clrMapOvr>
     <a:masterClrMapping/>
@@ -1931,7 +1986,7 @@
       </p:grpSpPr>
       <p:sp>
         <p:nvSpPr>
-          <p:cNvPr id="2" name="Date Placeholder 1"/>
+          <p:cNvPr id="2" name="日期版面配置區 1"/>
           <p:cNvSpPr>
             <a:spLocks noGrp="1"/>
           </p:cNvSpPr>
@@ -1946,7 +2001,7 @@
           <a:p>
             <a:fld id="{01B7243B-29DA-438A-93BD-15DD6CA54119}" type="datetimeFigureOut">
               <a:rPr lang="zh-TW" altLang="en-US" smtClean="0"/>
-              <a:t>2013/7/30</a:t>
+              <a:t>2022/7/8</a:t>
             </a:fld>
             <a:endParaRPr lang="zh-TW" altLang="en-US"/>
           </a:p>
@@ -1954,7 +2009,7 @@
       </p:sp>
       <p:sp>
         <p:nvSpPr>
-          <p:cNvPr id="3" name="Footer Placeholder 2"/>
+          <p:cNvPr id="3" name="頁尾版面配置區 2"/>
           <p:cNvSpPr>
             <a:spLocks noGrp="1"/>
           </p:cNvSpPr>
@@ -1973,7 +2028,7 @@
       </p:sp>
       <p:sp>
         <p:nvSpPr>
-          <p:cNvPr id="4" name="Slide Number Placeholder 3"/>
+          <p:cNvPr id="4" name="投影片編號版面配置區 3"/>
           <p:cNvSpPr>
             <a:spLocks noGrp="1"/>
           </p:cNvSpPr>
@@ -1995,6 +2050,11 @@
         </p:txBody>
       </p:sp>
     </p:spTree>
+    <p:extLst>
+      <p:ext uri="{BB962C8B-B14F-4D97-AF65-F5344CB8AC3E}">
+        <p14:creationId xmlns:p14="http://schemas.microsoft.com/office/powerpoint/2010/main" val="2393144143"/>
+      </p:ext>
+    </p:extLst>
   </p:cSld>
   <p:clrMapOvr>
     <a:masterClrMapping/>
@@ -2021,57 +2081,39 @@
       </p:grpSpPr>
       <p:sp>
         <p:nvSpPr>
-          <p:cNvPr id="2" name="Title 1"/>
-          <p:cNvSpPr>
-            <a:spLocks noGrp="1"/>
-          </p:cNvSpPr>
-          <p:nvPr>
-            <p:ph type="title" hasCustomPrompt="1"/>
+          <p:cNvPr id="2" name="標題 1"/>
+          <p:cNvSpPr>
+            <a:spLocks noGrp="1"/>
+          </p:cNvSpPr>
+          <p:nvPr>
+            <p:ph type="title"/>
           </p:nvPr>
         </p:nvSpPr>
         <p:spPr>
           <a:xfrm>
-            <a:off x="457200" y="273050"/>
-            <a:ext cx="3008313" cy="1162050"/>
+            <a:off x="609603" y="273049"/>
+            <a:ext cx="4011084" cy="1162051"/>
           </a:xfrm>
         </p:spPr>
         <p:txBody>
-          <a:bodyPr anchor="b">
-            <a:scene3d>
-              <a:camera prst="orthographicFront"/>
-              <a:lightRig rig="soft" dir="t"/>
-            </a:scene3d>
-            <a:sp3d prstMaterial="powder">
-              <a:contourClr>
-                <a:schemeClr val="bg2"/>
-              </a:contourClr>
-            </a:sp3d>
-          </a:bodyPr>
+          <a:bodyPr anchor="b"/>
           <a:lstStyle>
             <a:lvl1pPr algn="l">
-              <a:defRPr sz="2000" b="1" cap="none" spc="0">
-                <a:ln>
-                  <a:noFill/>
-                </a:ln>
-                <a:solidFill>
-                  <a:schemeClr val="tx2"/>
-                </a:solidFill>
-                <a:effectLst/>
-              </a:defRPr>
+              <a:defRPr sz="2667" b="1"/>
             </a:lvl1pPr>
           </a:lstStyle>
           <a:p>
             <a:r>
-              <a:rPr lang="en-US" smtClean="0"/>
-              <a:t>CLICK TO EDIT MASTER TITLE STYLE</a:t>
-            </a:r>
-            <a:endParaRPr lang="en-US"/>
-          </a:p>
-        </p:txBody>
-      </p:sp>
-      <p:sp>
-        <p:nvSpPr>
-          <p:cNvPr id="3" name="Content Placeholder 2"/>
+              <a:rPr lang="en-US" altLang="zh-TW" smtClean="0"/>
+              <a:t>Click to edit Master title style</a:t>
+            </a:r>
+            <a:endParaRPr lang="zh-TW" altLang="en-US"/>
+          </a:p>
+        </p:txBody>
+      </p:sp>
+      <p:sp>
+        <p:nvSpPr>
+          <p:cNvPr id="3" name="內容版面配置區 2"/>
           <p:cNvSpPr>
             <a:spLocks noGrp="1"/>
           </p:cNvSpPr>
@@ -2081,82 +2123,82 @@
         </p:nvSpPr>
         <p:spPr>
           <a:xfrm>
-            <a:off x="3575050" y="273050"/>
-            <a:ext cx="5111750" cy="5853113"/>
+            <a:off x="4766733" y="273053"/>
+            <a:ext cx="6815667" cy="5853113"/>
           </a:xfrm>
         </p:spPr>
         <p:txBody>
           <a:bodyPr/>
           <a:lstStyle>
             <a:lvl1pPr>
-              <a:defRPr sz="3200"/>
+              <a:defRPr sz="4267"/>
             </a:lvl1pPr>
             <a:lvl2pPr>
-              <a:defRPr sz="2800"/>
+              <a:defRPr sz="3733"/>
             </a:lvl2pPr>
             <a:lvl3pPr>
-              <a:defRPr sz="2400"/>
+              <a:defRPr sz="3200"/>
             </a:lvl3pPr>
             <a:lvl4pPr>
-              <a:defRPr sz="2000"/>
+              <a:defRPr sz="2667"/>
             </a:lvl4pPr>
             <a:lvl5pPr>
-              <a:defRPr sz="2000"/>
+              <a:defRPr sz="2667"/>
             </a:lvl5pPr>
             <a:lvl6pPr>
-              <a:defRPr sz="2000"/>
+              <a:defRPr sz="2667"/>
             </a:lvl6pPr>
             <a:lvl7pPr>
-              <a:defRPr sz="2000"/>
+              <a:defRPr sz="2667"/>
             </a:lvl7pPr>
             <a:lvl8pPr>
-              <a:defRPr sz="2000"/>
+              <a:defRPr sz="2667"/>
             </a:lvl8pPr>
             <a:lvl9pPr>
-              <a:defRPr sz="2000"/>
+              <a:defRPr sz="2667"/>
             </a:lvl9pPr>
           </a:lstStyle>
           <a:p>
             <a:pPr lvl="0"/>
             <a:r>
-              <a:rPr lang="zh-TW" altLang="en-US" smtClean="0"/>
-              <a:t>按一下以編輯母片文字樣式</a:t>
+              <a:rPr lang="en-US" altLang="zh-TW" smtClean="0"/>
+              <a:t>Edit Master text styles</a:t>
             </a:r>
           </a:p>
           <a:p>
             <a:pPr lvl="1"/>
             <a:r>
-              <a:rPr lang="zh-TW" altLang="en-US" smtClean="0"/>
-              <a:t>第二層</a:t>
+              <a:rPr lang="en-US" altLang="zh-TW" smtClean="0"/>
+              <a:t>Second level</a:t>
             </a:r>
           </a:p>
           <a:p>
             <a:pPr lvl="2"/>
             <a:r>
-              <a:rPr lang="zh-TW" altLang="en-US" smtClean="0"/>
-              <a:t>第三層</a:t>
+              <a:rPr lang="en-US" altLang="zh-TW" smtClean="0"/>
+              <a:t>Third level</a:t>
             </a:r>
           </a:p>
           <a:p>
             <a:pPr lvl="3"/>
             <a:r>
-              <a:rPr lang="zh-TW" altLang="en-US" smtClean="0"/>
-              <a:t>第四層</a:t>
+              <a:rPr lang="en-US" altLang="zh-TW" smtClean="0"/>
+              <a:t>Fourth level</a:t>
             </a:r>
           </a:p>
           <a:p>
             <a:pPr lvl="4"/>
             <a:r>
-              <a:rPr lang="zh-TW" altLang="en-US" smtClean="0"/>
-              <a:t>第五層</a:t>
-            </a:r>
-            <a:endParaRPr lang="en-US"/>
-          </a:p>
-        </p:txBody>
-      </p:sp>
-      <p:sp>
-        <p:nvSpPr>
-          <p:cNvPr id="4" name="Text Placeholder 3"/>
+              <a:rPr lang="en-US" altLang="zh-TW" smtClean="0"/>
+              <a:t>Fifth level</a:t>
+            </a:r>
+            <a:endParaRPr lang="zh-TW" altLang="en-US"/>
+          </a:p>
+        </p:txBody>
+      </p:sp>
+      <p:sp>
+        <p:nvSpPr>
+          <p:cNvPr id="4" name="文字版面配置區 3"/>
           <p:cNvSpPr>
             <a:spLocks noGrp="1"/>
           </p:cNvSpPr>
@@ -2166,8 +2208,8 @@
         </p:nvSpPr>
         <p:spPr>
           <a:xfrm>
-            <a:off x="457200" y="1435100"/>
-            <a:ext cx="3008313" cy="4691063"/>
+            <a:off x="609603" y="1435103"/>
+            <a:ext cx="4011084" cy="4691063"/>
           </a:xfrm>
         </p:spPr>
         <p:txBody>
@@ -2175,53 +2217,53 @@
           <a:lstStyle>
             <a:lvl1pPr marL="0" indent="0">
               <a:buNone/>
-              <a:defRPr sz="1400"/>
+              <a:defRPr sz="1867"/>
             </a:lvl1pPr>
-            <a:lvl2pPr marL="457200" indent="0">
+            <a:lvl2pPr marL="609585" indent="0">
+              <a:buNone/>
+              <a:defRPr sz="1600"/>
+            </a:lvl2pPr>
+            <a:lvl3pPr marL="1219170" indent="0">
+              <a:buNone/>
+              <a:defRPr sz="1333"/>
+            </a:lvl3pPr>
+            <a:lvl4pPr marL="1828754" indent="0">
               <a:buNone/>
               <a:defRPr sz="1200"/>
-            </a:lvl2pPr>
-            <a:lvl3pPr marL="914400" indent="0">
-              <a:buNone/>
-              <a:defRPr sz="1000"/>
-            </a:lvl3pPr>
-            <a:lvl4pPr marL="1371600" indent="0">
-              <a:buNone/>
-              <a:defRPr sz="900"/>
             </a:lvl4pPr>
-            <a:lvl5pPr marL="1828800" indent="0">
-              <a:buNone/>
-              <a:defRPr sz="900"/>
+            <a:lvl5pPr marL="2438339" indent="0">
+              <a:buNone/>
+              <a:defRPr sz="1200"/>
             </a:lvl5pPr>
-            <a:lvl6pPr marL="2286000" indent="0">
-              <a:buNone/>
-              <a:defRPr sz="900"/>
+            <a:lvl6pPr marL="3047924" indent="0">
+              <a:buNone/>
+              <a:defRPr sz="1200"/>
             </a:lvl6pPr>
-            <a:lvl7pPr marL="2743200" indent="0">
-              <a:buNone/>
-              <a:defRPr sz="900"/>
+            <a:lvl7pPr marL="3657509" indent="0">
+              <a:buNone/>
+              <a:defRPr sz="1200"/>
             </a:lvl7pPr>
-            <a:lvl8pPr marL="3200400" indent="0">
-              <a:buNone/>
-              <a:defRPr sz="900"/>
+            <a:lvl8pPr marL="4267093" indent="0">
+              <a:buNone/>
+              <a:defRPr sz="1200"/>
             </a:lvl8pPr>
-            <a:lvl9pPr marL="3657600" indent="0">
-              <a:buNone/>
-              <a:defRPr sz="900"/>
+            <a:lvl9pPr marL="4876678" indent="0">
+              <a:buNone/>
+              <a:defRPr sz="1200"/>
             </a:lvl9pPr>
           </a:lstStyle>
           <a:p>
             <a:pPr lvl="0"/>
             <a:r>
-              <a:rPr lang="zh-TW" altLang="en-US" smtClean="0"/>
-              <a:t>按一下以編輯母片文字樣式</a:t>
-            </a:r>
-          </a:p>
-        </p:txBody>
-      </p:sp>
-      <p:sp>
-        <p:nvSpPr>
-          <p:cNvPr id="5" name="Date Placeholder 4"/>
+              <a:rPr lang="en-US" altLang="zh-TW" smtClean="0"/>
+              <a:t>Edit Master text styles</a:t>
+            </a:r>
+          </a:p>
+        </p:txBody>
+      </p:sp>
+      <p:sp>
+        <p:nvSpPr>
+          <p:cNvPr id="5" name="日期版面配置區 4"/>
           <p:cNvSpPr>
             <a:spLocks noGrp="1"/>
           </p:cNvSpPr>
@@ -2236,7 +2278,7 @@
           <a:p>
             <a:fld id="{01B7243B-29DA-438A-93BD-15DD6CA54119}" type="datetimeFigureOut">
               <a:rPr lang="zh-TW" altLang="en-US" smtClean="0"/>
-              <a:t>2013/7/30</a:t>
+              <a:t>2022/7/8</a:t>
             </a:fld>
             <a:endParaRPr lang="zh-TW" altLang="en-US"/>
           </a:p>
@@ -2244,7 +2286,7 @@
       </p:sp>
       <p:sp>
         <p:nvSpPr>
-          <p:cNvPr id="6" name="Footer Placeholder 5"/>
+          <p:cNvPr id="6" name="頁尾版面配置區 5"/>
           <p:cNvSpPr>
             <a:spLocks noGrp="1"/>
           </p:cNvSpPr>
@@ -2263,7 +2305,7 @@
       </p:sp>
       <p:sp>
         <p:nvSpPr>
-          <p:cNvPr id="7" name="Slide Number Placeholder 6"/>
+          <p:cNvPr id="7" name="投影片編號版面配置區 6"/>
           <p:cNvSpPr>
             <a:spLocks noGrp="1"/>
           </p:cNvSpPr>
@@ -2285,6 +2327,11 @@
         </p:txBody>
       </p:sp>
     </p:spTree>
+    <p:extLst>
+      <p:ext uri="{BB962C8B-B14F-4D97-AF65-F5344CB8AC3E}">
+        <p14:creationId xmlns:p14="http://schemas.microsoft.com/office/powerpoint/2010/main" val="1179904427"/>
+      </p:ext>
+    </p:extLst>
   </p:cSld>
   <p:clrMapOvr>
     <a:masterClrMapping/>
@@ -2311,68 +2358,50 @@
       </p:grpSpPr>
       <p:sp>
         <p:nvSpPr>
-          <p:cNvPr id="2" name="Title 1"/>
-          <p:cNvSpPr>
-            <a:spLocks noGrp="1"/>
-          </p:cNvSpPr>
-          <p:nvPr>
-            <p:ph type="title" hasCustomPrompt="1"/>
+          <p:cNvPr id="2" name="標題 1"/>
+          <p:cNvSpPr>
+            <a:spLocks noGrp="1"/>
+          </p:cNvSpPr>
+          <p:nvPr>
+            <p:ph type="title"/>
           </p:nvPr>
         </p:nvSpPr>
         <p:spPr>
           <a:xfrm>
-            <a:off x="381000" y="1447800"/>
-            <a:ext cx="2971800" cy="1328738"/>
+            <a:off x="2389717" y="4800601"/>
+            <a:ext cx="7315200" cy="566739"/>
           </a:xfrm>
         </p:spPr>
         <p:txBody>
-          <a:bodyPr anchor="b">
-            <a:scene3d>
-              <a:camera prst="orthographicFront"/>
-              <a:lightRig rig="soft" dir="t"/>
-            </a:scene3d>
-            <a:sp3d prstMaterial="powder">
-              <a:contourClr>
-                <a:schemeClr val="bg2"/>
-              </a:contourClr>
-            </a:sp3d>
-          </a:bodyPr>
+          <a:bodyPr anchor="b"/>
           <a:lstStyle>
             <a:lvl1pPr algn="l">
-              <a:defRPr sz="2000" b="1" cap="none" spc="0">
-                <a:ln>
-                  <a:noFill/>
-                </a:ln>
-                <a:solidFill>
-                  <a:schemeClr val="tx2"/>
-                </a:solidFill>
-                <a:effectLst/>
-              </a:defRPr>
+              <a:defRPr sz="2667" b="1"/>
             </a:lvl1pPr>
           </a:lstStyle>
           <a:p>
             <a:r>
-              <a:rPr lang="en-US" smtClean="0"/>
-              <a:t>CLICK TO EDIT MASTER TITLE STYLE</a:t>
-            </a:r>
-            <a:endParaRPr lang="en-US"/>
-          </a:p>
-        </p:txBody>
-      </p:sp>
-      <p:sp>
-        <p:nvSpPr>
-          <p:cNvPr id="4" name="Text Placeholder 3"/>
-          <p:cNvSpPr>
-            <a:spLocks noGrp="1"/>
-          </p:cNvSpPr>
-          <p:nvPr>
-            <p:ph type="body" sz="half" idx="2"/>
+              <a:rPr lang="en-US" altLang="zh-TW" smtClean="0"/>
+              <a:t>Click to edit Master title style</a:t>
+            </a:r>
+            <a:endParaRPr lang="zh-TW" altLang="en-US"/>
+          </a:p>
+        </p:txBody>
+      </p:sp>
+      <p:sp>
+        <p:nvSpPr>
+          <p:cNvPr id="3" name="圖片版面配置區 2"/>
+          <p:cNvSpPr>
+            <a:spLocks noGrp="1"/>
+          </p:cNvSpPr>
+          <p:nvPr>
+            <p:ph type="pic" idx="1"/>
           </p:nvPr>
         </p:nvSpPr>
         <p:spPr>
           <a:xfrm>
-            <a:off x="381000" y="2776538"/>
-            <a:ext cx="2971800" cy="804862"/>
+            <a:off x="2389717" y="612775"/>
+            <a:ext cx="7315200" cy="4114800"/>
           </a:xfrm>
         </p:spPr>
         <p:txBody>
@@ -2380,53 +2409,118 @@
           <a:lstStyle>
             <a:lvl1pPr marL="0" indent="0">
               <a:buNone/>
-              <a:defRPr sz="1400"/>
+              <a:defRPr sz="4267"/>
             </a:lvl1pPr>
-            <a:lvl2pPr marL="457200" indent="0">
-              <a:buNone/>
-              <a:defRPr sz="1200"/>
+            <a:lvl2pPr marL="609585" indent="0">
+              <a:buNone/>
+              <a:defRPr sz="3733"/>
             </a:lvl2pPr>
-            <a:lvl3pPr marL="914400" indent="0">
-              <a:buNone/>
-              <a:defRPr sz="1000"/>
+            <a:lvl3pPr marL="1219170" indent="0">
+              <a:buNone/>
+              <a:defRPr sz="3200"/>
             </a:lvl3pPr>
-            <a:lvl4pPr marL="1371600" indent="0">
-              <a:buNone/>
-              <a:defRPr sz="900"/>
+            <a:lvl4pPr marL="1828754" indent="0">
+              <a:buNone/>
+              <a:defRPr sz="2667"/>
             </a:lvl4pPr>
-            <a:lvl5pPr marL="1828800" indent="0">
-              <a:buNone/>
-              <a:defRPr sz="900"/>
+            <a:lvl5pPr marL="2438339" indent="0">
+              <a:buNone/>
+              <a:defRPr sz="2667"/>
             </a:lvl5pPr>
-            <a:lvl6pPr marL="2286000" indent="0">
-              <a:buNone/>
-              <a:defRPr sz="900"/>
+            <a:lvl6pPr marL="3047924" indent="0">
+              <a:buNone/>
+              <a:defRPr sz="2667"/>
             </a:lvl6pPr>
-            <a:lvl7pPr marL="2743200" indent="0">
-              <a:buNone/>
-              <a:defRPr sz="900"/>
+            <a:lvl7pPr marL="3657509" indent="0">
+              <a:buNone/>
+              <a:defRPr sz="2667"/>
             </a:lvl7pPr>
-            <a:lvl8pPr marL="3200400" indent="0">
-              <a:buNone/>
-              <a:defRPr sz="900"/>
+            <a:lvl8pPr marL="4267093" indent="0">
+              <a:buNone/>
+              <a:defRPr sz="2667"/>
             </a:lvl8pPr>
-            <a:lvl9pPr marL="3657600" indent="0">
-              <a:buNone/>
-              <a:defRPr sz="900"/>
+            <a:lvl9pPr marL="4876678" indent="0">
+              <a:buNone/>
+              <a:defRPr sz="2667"/>
             </a:lvl9pPr>
           </a:lstStyle>
           <a:p>
+            <a:r>
+              <a:rPr lang="en-US" altLang="zh-TW" smtClean="0"/>
+              <a:t>Click icon to add picture</a:t>
+            </a:r>
+            <a:endParaRPr lang="zh-TW" altLang="en-US"/>
+          </a:p>
+        </p:txBody>
+      </p:sp>
+      <p:sp>
+        <p:nvSpPr>
+          <p:cNvPr id="4" name="文字版面配置區 3"/>
+          <p:cNvSpPr>
+            <a:spLocks noGrp="1"/>
+          </p:cNvSpPr>
+          <p:nvPr>
+            <p:ph type="body" sz="half" idx="2"/>
+          </p:nvPr>
+        </p:nvSpPr>
+        <p:spPr>
+          <a:xfrm>
+            <a:off x="2389717" y="5367339"/>
+            <a:ext cx="7315200" cy="804863"/>
+          </a:xfrm>
+        </p:spPr>
+        <p:txBody>
+          <a:bodyPr/>
+          <a:lstStyle>
+            <a:lvl1pPr marL="0" indent="0">
+              <a:buNone/>
+              <a:defRPr sz="1867"/>
+            </a:lvl1pPr>
+            <a:lvl2pPr marL="609585" indent="0">
+              <a:buNone/>
+              <a:defRPr sz="1600"/>
+            </a:lvl2pPr>
+            <a:lvl3pPr marL="1219170" indent="0">
+              <a:buNone/>
+              <a:defRPr sz="1333"/>
+            </a:lvl3pPr>
+            <a:lvl4pPr marL="1828754" indent="0">
+              <a:buNone/>
+              <a:defRPr sz="1200"/>
+            </a:lvl4pPr>
+            <a:lvl5pPr marL="2438339" indent="0">
+              <a:buNone/>
+              <a:defRPr sz="1200"/>
+            </a:lvl5pPr>
+            <a:lvl6pPr marL="3047924" indent="0">
+              <a:buNone/>
+              <a:defRPr sz="1200"/>
+            </a:lvl6pPr>
+            <a:lvl7pPr marL="3657509" indent="0">
+              <a:buNone/>
+              <a:defRPr sz="1200"/>
+            </a:lvl7pPr>
+            <a:lvl8pPr marL="4267093" indent="0">
+              <a:buNone/>
+              <a:defRPr sz="1200"/>
+            </a:lvl8pPr>
+            <a:lvl9pPr marL="4876678" indent="0">
+              <a:buNone/>
+              <a:defRPr sz="1200"/>
+            </a:lvl9pPr>
+          </a:lstStyle>
+          <a:p>
             <a:pPr lvl="0"/>
             <a:r>
-              <a:rPr lang="zh-TW" altLang="en-US" smtClean="0"/>
-              <a:t>按一下以編輯母片文字樣式</a:t>
-            </a:r>
-          </a:p>
-        </p:txBody>
-      </p:sp>
-      <p:sp>
-        <p:nvSpPr>
-          <p:cNvPr id="5" name="Date Placeholder 4"/>
+              <a:rPr lang="en-US" altLang="zh-TW" smtClean="0"/>
+              <a:t>Edit Master text styles</a:t>
+            </a:r>
+          </a:p>
+        </p:txBody>
+      </p:sp>
+      <p:sp>
+        <p:nvSpPr>
+          <p:cNvPr id="5" name="日期版面配置區 4"/>
           <p:cNvSpPr>
             <a:spLocks noGrp="1"/>
           </p:cNvSpPr>
@@ -2441,7 +2535,7 @@
           <a:p>
             <a:fld id="{01B7243B-29DA-438A-93BD-15DD6CA54119}" type="datetimeFigureOut">
               <a:rPr lang="zh-TW" altLang="en-US" smtClean="0"/>
-              <a:t>2013/7/30</a:t>
+              <a:t>2022/7/8</a:t>
             </a:fld>
             <a:endParaRPr lang="zh-TW" altLang="en-US"/>
           </a:p>
@@ -2449,7 +2543,7 @@
       </p:sp>
       <p:sp>
         <p:nvSpPr>
-          <p:cNvPr id="6" name="Footer Placeholder 5"/>
+          <p:cNvPr id="6" name="頁尾版面配置區 5"/>
           <p:cNvSpPr>
             <a:spLocks noGrp="1"/>
           </p:cNvSpPr>
@@ -2468,7 +2562,7 @@
       </p:sp>
       <p:sp>
         <p:nvSpPr>
-          <p:cNvPr id="7" name="Slide Number Placeholder 6"/>
+          <p:cNvPr id="7" name="投影片編號版面配置區 6"/>
           <p:cNvSpPr>
             <a:spLocks noGrp="1"/>
           </p:cNvSpPr>
@@ -2489,311 +2583,12 @@
           </a:p>
         </p:txBody>
       </p:sp>
-      <p:sp>
-        <p:nvSpPr>
-          <p:cNvPr id="9" name="Rectangle 8"/>
-          <p:cNvSpPr/>
-          <p:nvPr/>
-        </p:nvSpPr>
-        <p:spPr>
-          <a:xfrm rot="21172883" flipH="1">
-            <a:off x="4068648" y="1312793"/>
-            <a:ext cx="3673971" cy="3673971"/>
-          </a:xfrm>
-          <a:prstGeom prst="rect">
-            <a:avLst/>
-          </a:prstGeom>
-          <a:solidFill>
-            <a:srgbClr val="FFFFFF"/>
-          </a:solidFill>
-          <a:ln w="3175">
-            <a:solidFill>
-              <a:srgbClr val="777777"/>
-            </a:solidFill>
-          </a:ln>
-          <a:effectLst>
-            <a:outerShdw blurRad="63500" dist="6350" dir="5400000" algn="t" rotWithShape="0">
-              <a:prstClr val="black">
-                <a:alpha val="50000"/>
-              </a:prstClr>
-            </a:outerShdw>
-          </a:effectLst>
-        </p:spPr>
-        <p:style>
-          <a:lnRef idx="2">
-            <a:schemeClr val="accent1">
-              <a:shade val="50000"/>
-            </a:schemeClr>
-          </a:lnRef>
-          <a:fillRef idx="1">
-            <a:schemeClr val="accent1"/>
-          </a:fillRef>
-          <a:effectRef idx="0">
-            <a:schemeClr val="accent1"/>
-          </a:effectRef>
-          <a:fontRef idx="minor">
-            <a:schemeClr val="lt1"/>
-          </a:fontRef>
-        </p:style>
-        <p:txBody>
-          <a:bodyPr rtlCol="0" anchor="ctr"/>
-          <a:lstStyle/>
-          <a:p>
-            <a:pPr algn="ctr"/>
-            <a:r>
-              <a:rPr lang="en-US" dirty="0" smtClean="0"/>
-              <a:t>4</a:t>
-            </a:r>
-            <a:endParaRPr lang="en-US" dirty="0"/>
-          </a:p>
-        </p:txBody>
-      </p:sp>
-      <p:sp>
-        <p:nvSpPr>
-          <p:cNvPr id="10" name="Rectangle 9"/>
-          <p:cNvSpPr/>
-          <p:nvPr/>
-        </p:nvSpPr>
-        <p:spPr>
-          <a:xfrm rot="21435926" flipH="1">
-            <a:off x="4045012" y="1267664"/>
-            <a:ext cx="3673971" cy="3673971"/>
-          </a:xfrm>
-          <a:prstGeom prst="rect">
-            <a:avLst/>
-          </a:prstGeom>
-          <a:solidFill>
-            <a:srgbClr val="FFFFFF"/>
-          </a:solidFill>
-          <a:ln w="3175">
-            <a:solidFill>
-              <a:srgbClr val="777777"/>
-            </a:solidFill>
-          </a:ln>
-          <a:effectLst>
-            <a:outerShdw blurRad="63500" dist="6350" dir="5400000" algn="t" rotWithShape="0">
-              <a:prstClr val="black">
-                <a:alpha val="50000"/>
-              </a:prstClr>
-            </a:outerShdw>
-          </a:effectLst>
-        </p:spPr>
-        <p:style>
-          <a:lnRef idx="2">
-            <a:schemeClr val="accent1">
-              <a:shade val="50000"/>
-            </a:schemeClr>
-          </a:lnRef>
-          <a:fillRef idx="1">
-            <a:schemeClr val="accent1"/>
-          </a:fillRef>
-          <a:effectRef idx="0">
-            <a:schemeClr val="accent1"/>
-          </a:effectRef>
-          <a:fontRef idx="minor">
-            <a:schemeClr val="lt1"/>
-          </a:fontRef>
-        </p:style>
-        <p:txBody>
-          <a:bodyPr rtlCol="0" anchor="ctr"/>
-          <a:lstStyle/>
-          <a:p>
-            <a:pPr algn="ctr"/>
-            <a:r>
-              <a:rPr lang="en-US" dirty="0" smtClean="0"/>
-              <a:t>4</a:t>
-            </a:r>
-            <a:endParaRPr lang="en-US" dirty="0"/>
-          </a:p>
-        </p:txBody>
-      </p:sp>
-      <p:sp>
-        <p:nvSpPr>
-          <p:cNvPr id="11" name="Rectangle 10"/>
-          <p:cNvSpPr/>
-          <p:nvPr/>
-        </p:nvSpPr>
-        <p:spPr>
-          <a:xfrm>
-            <a:off x="4065563" y="1252028"/>
-            <a:ext cx="3840480" cy="3840480"/>
-          </a:xfrm>
-          <a:prstGeom prst="rect">
-            <a:avLst/>
-          </a:prstGeom>
-          <a:solidFill>
-            <a:srgbClr val="FFFFFF"/>
-          </a:solidFill>
-          <a:ln w="3175">
-            <a:solidFill>
-              <a:srgbClr val="777777"/>
-            </a:solidFill>
-          </a:ln>
-          <a:effectLst>
-            <a:outerShdw blurRad="76200" dist="6350" dir="5400000" algn="t" rotWithShape="0">
-              <a:prstClr val="black">
-                <a:alpha val="60000"/>
-              </a:prstClr>
-            </a:outerShdw>
-          </a:effectLst>
-        </p:spPr>
-        <p:style>
-          <a:lnRef idx="2">
-            <a:schemeClr val="accent1">
-              <a:shade val="50000"/>
-            </a:schemeClr>
-          </a:lnRef>
-          <a:fillRef idx="1">
-            <a:schemeClr val="accent1"/>
-          </a:fillRef>
-          <a:effectRef idx="0">
-            <a:schemeClr val="accent1"/>
-          </a:effectRef>
-          <a:fontRef idx="minor">
-            <a:schemeClr val="lt1"/>
-          </a:fontRef>
-        </p:style>
-        <p:txBody>
-          <a:bodyPr rtlCol="0" anchor="ctr"/>
-          <a:lstStyle/>
-          <a:p>
-            <a:pPr algn="ctr"/>
-            <a:r>
-              <a:rPr lang="en-US" dirty="0" smtClean="0"/>
-              <a:t>4</a:t>
-            </a:r>
-            <a:endParaRPr lang="en-US" dirty="0"/>
-          </a:p>
-        </p:txBody>
-      </p:sp>
-      <p:sp>
-        <p:nvSpPr>
-          <p:cNvPr id="12" name="Rectangle 11"/>
-          <p:cNvSpPr/>
-          <p:nvPr/>
-        </p:nvSpPr>
-        <p:spPr>
-          <a:xfrm rot="293056">
-            <a:off x="4124179" y="1181685"/>
-            <a:ext cx="3977640" cy="3977640"/>
-          </a:xfrm>
-          <a:prstGeom prst="rect">
-            <a:avLst/>
-          </a:prstGeom>
-          <a:solidFill>
-            <a:srgbClr val="FFFFFF"/>
-          </a:solidFill>
-          <a:ln w="3175">
-            <a:solidFill>
-              <a:srgbClr val="777777"/>
-            </a:solidFill>
-          </a:ln>
-          <a:effectLst>
-            <a:outerShdw blurRad="50000" dist="50800" dir="12900000" sy="99500" kx="90000" ky="150000" algn="tl" rotWithShape="0">
-              <a:srgbClr val="000000">
-                <a:alpha val="37000"/>
-              </a:srgbClr>
-            </a:outerShdw>
-          </a:effectLst>
-        </p:spPr>
-        <p:style>
-          <a:lnRef idx="2">
-            <a:schemeClr val="accent1">
-              <a:shade val="50000"/>
-            </a:schemeClr>
-          </a:lnRef>
-          <a:fillRef idx="1">
-            <a:schemeClr val="accent1"/>
-          </a:fillRef>
-          <a:effectRef idx="0">
-            <a:schemeClr val="accent1"/>
-          </a:effectRef>
-          <a:fontRef idx="minor">
-            <a:schemeClr val="lt1"/>
-          </a:fontRef>
-        </p:style>
-        <p:txBody>
-          <a:bodyPr rtlCol="0" anchor="ctr"/>
-          <a:lstStyle/>
-          <a:p>
-            <a:pPr algn="ctr"/>
-            <a:r>
-              <a:rPr lang="en-US" dirty="0" smtClean="0"/>
-              <a:t>4</a:t>
-            </a:r>
-            <a:endParaRPr lang="en-US" dirty="0"/>
-          </a:p>
-        </p:txBody>
-      </p:sp>
-      <p:sp>
-        <p:nvSpPr>
-          <p:cNvPr id="3" name="Picture Placeholder 2"/>
-          <p:cNvSpPr>
-            <a:spLocks noGrp="1"/>
-          </p:cNvSpPr>
-          <p:nvPr>
-            <p:ph type="pic" idx="1"/>
-          </p:nvPr>
-        </p:nvSpPr>
-        <p:spPr>
-          <a:xfrm rot="300000">
-            <a:off x="4275668" y="1323975"/>
-            <a:ext cx="3657600" cy="3657600"/>
-          </a:xfrm>
-          <a:solidFill>
-            <a:schemeClr val="bg2"/>
-          </a:solidFill>
-        </p:spPr>
-        <p:txBody>
-          <a:bodyPr/>
-          <a:lstStyle>
-            <a:lvl1pPr marL="0" indent="0">
-              <a:buNone/>
-              <a:defRPr sz="3200"/>
-            </a:lvl1pPr>
-            <a:lvl2pPr marL="457200" indent="0">
-              <a:buNone/>
-              <a:defRPr sz="2800"/>
-            </a:lvl2pPr>
-            <a:lvl3pPr marL="914400" indent="0">
-              <a:buNone/>
-              <a:defRPr sz="2400"/>
-            </a:lvl3pPr>
-            <a:lvl4pPr marL="1371600" indent="0">
-              <a:buNone/>
-              <a:defRPr sz="2000"/>
-            </a:lvl4pPr>
-            <a:lvl5pPr marL="1828800" indent="0">
-              <a:buNone/>
-              <a:defRPr sz="2000"/>
-            </a:lvl5pPr>
-            <a:lvl6pPr marL="2286000" indent="0">
-              <a:buNone/>
-              <a:defRPr sz="2000"/>
-            </a:lvl6pPr>
-            <a:lvl7pPr marL="2743200" indent="0">
-              <a:buNone/>
-              <a:defRPr sz="2000"/>
-            </a:lvl7pPr>
-            <a:lvl8pPr marL="3200400" indent="0">
-              <a:buNone/>
-              <a:defRPr sz="2000"/>
-            </a:lvl8pPr>
-            <a:lvl9pPr marL="3657600" indent="0">
-              <a:buNone/>
-              <a:defRPr sz="2000"/>
-            </a:lvl9pPr>
-          </a:lstStyle>
-          <a:p>
-            <a:r>
-              <a:rPr lang="zh-TW" altLang="en-US" smtClean="0"/>
-              <a:t>按一下圖示以新增圖片</a:t>
-            </a:r>
-            <a:endParaRPr lang="en-US"/>
-          </a:p>
-        </p:txBody>
-      </p:sp>
     </p:spTree>
+    <p:extLst>
+      <p:ext uri="{BB962C8B-B14F-4D97-AF65-F5344CB8AC3E}">
+        <p14:creationId xmlns:p14="http://schemas.microsoft.com/office/powerpoint/2010/main" val="3588266685"/>
+      </p:ext>
+    </p:extLst>
   </p:cSld>
   <p:clrMapOvr>
     <a:masterClrMapping/>
@@ -2805,9 +2600,14 @@
 <p:sldMaster xmlns:a="http://schemas.openxmlformats.org/drawingml/2006/main" xmlns:r="http://schemas.openxmlformats.org/officeDocument/2006/relationships" xmlns:p="http://schemas.openxmlformats.org/presentationml/2006/main">
   <p:cSld>
     <p:bg>
-      <p:bgRef idx="1003">
-        <a:schemeClr val="bg2"/>
-      </p:bgRef>
+      <p:bgPr>
+        <a:blipFill dpi="0" rotWithShape="1">
+          <a:blip r:embed="rId13"/>
+          <a:srcRect/>
+          <a:tile tx="0" ty="0" sx="100000" sy="100000" flip="none" algn="tl"/>
+        </a:blipFill>
+        <a:effectLst/>
+      </p:bgPr>
     </p:bg>
     <p:spTree>
       <p:nvGrpSpPr>
@@ -2825,7 +2625,7 @@
       </p:grpSpPr>
       <p:sp>
         <p:nvSpPr>
-          <p:cNvPr id="2" name="Title Placeholder 1"/>
+          <p:cNvPr id="2" name="標題版面配置區 1"/>
           <p:cNvSpPr>
             <a:spLocks noGrp="1"/>
           </p:cNvSpPr>
@@ -2835,8 +2635,8 @@
         </p:nvSpPr>
         <p:spPr>
           <a:xfrm>
-            <a:off x="457200" y="274638"/>
-            <a:ext cx="8229600" cy="1143000"/>
+            <a:off x="609600" y="274637"/>
+            <a:ext cx="10972800" cy="1143000"/>
           </a:xfrm>
           <a:prstGeom prst="rect">
             <a:avLst/>
@@ -2845,16 +2645,6 @@
         <p:txBody>
           <a:bodyPr vert="horz" lIns="91440" tIns="45720" rIns="91440" bIns="45720" rtlCol="0" anchor="ctr">
             <a:normAutofit/>
-            <a:scene3d>
-              <a:camera prst="orthographicFront"/>
-              <a:lightRig rig="soft" dir="t"/>
-            </a:scene3d>
-            <a:sp3d contourW="12700" prstMaterial="powder">
-              <a:bevelT w="29210" h="12700"/>
-              <a:contourClr>
-                <a:schemeClr val="bg2"/>
-              </a:contourClr>
-            </a:sp3d>
           </a:bodyPr>
           <a:lstStyle/>
           <a:p>
@@ -2862,13 +2652,13 @@
               <a:rPr lang="zh-TW" altLang="en-US" smtClean="0"/>
               <a:t>按一下以編輯母片標題樣式</a:t>
             </a:r>
-            <a:endParaRPr lang="en-US"/>
-          </a:p>
-        </p:txBody>
-      </p:sp>
-      <p:sp>
-        <p:nvSpPr>
-          <p:cNvPr id="3" name="Text Placeholder 2"/>
+            <a:endParaRPr lang="zh-TW" altLang="en-US"/>
+          </a:p>
+        </p:txBody>
+      </p:sp>
+      <p:sp>
+        <p:nvSpPr>
+          <p:cNvPr id="3" name="文字版面配置區 2"/>
           <p:cNvSpPr>
             <a:spLocks noGrp="1"/>
           </p:cNvSpPr>
@@ -2878,8 +2668,8 @@
         </p:nvSpPr>
         <p:spPr>
           <a:xfrm>
-            <a:off x="457200" y="1600200"/>
-            <a:ext cx="8229600" cy="4525963"/>
+            <a:off x="609600" y="1600201"/>
+            <a:ext cx="10972800" cy="4525963"/>
           </a:xfrm>
           <a:prstGeom prst="rect">
             <a:avLst/>
@@ -2924,13 +2714,13 @@
               <a:rPr lang="zh-TW" altLang="en-US" smtClean="0"/>
               <a:t>第五層</a:t>
             </a:r>
-            <a:endParaRPr lang="en-US"/>
-          </a:p>
-        </p:txBody>
-      </p:sp>
-      <p:sp>
-        <p:nvSpPr>
-          <p:cNvPr id="4" name="Date Placeholder 3"/>
+            <a:endParaRPr lang="zh-TW" altLang="en-US"/>
+          </a:p>
+        </p:txBody>
+      </p:sp>
+      <p:sp>
+        <p:nvSpPr>
+          <p:cNvPr id="4" name="日期版面配置區 3"/>
           <p:cNvSpPr>
             <a:spLocks noGrp="1"/>
           </p:cNvSpPr>
@@ -2940,8 +2730,8 @@
         </p:nvSpPr>
         <p:spPr>
           <a:xfrm>
-            <a:off x="457200" y="6356350"/>
-            <a:ext cx="2133600" cy="365125"/>
+            <a:off x="609600" y="6356352"/>
+            <a:ext cx="2844800" cy="365125"/>
           </a:xfrm>
           <a:prstGeom prst="rect">
             <a:avLst/>
@@ -2951,9 +2741,11 @@
           <a:bodyPr vert="horz" lIns="91440" tIns="45720" rIns="91440" bIns="45720" rtlCol="0" anchor="ctr"/>
           <a:lstStyle>
             <a:lvl1pPr algn="l">
-              <a:defRPr sz="1100">
-                <a:solidFill>
-                  <a:schemeClr val="tx1"/>
+              <a:defRPr sz="1600">
+                <a:solidFill>
+                  <a:schemeClr val="tx1">
+                    <a:tint val="75000"/>
+                  </a:schemeClr>
                 </a:solidFill>
               </a:defRPr>
             </a:lvl1pPr>
@@ -2961,7 +2753,7 @@
           <a:p>
             <a:fld id="{01B7243B-29DA-438A-93BD-15DD6CA54119}" type="datetimeFigureOut">
               <a:rPr lang="zh-TW" altLang="en-US" smtClean="0"/>
-              <a:t>2013/7/30</a:t>
+              <a:t>2022/7/8</a:t>
             </a:fld>
             <a:endParaRPr lang="zh-TW" altLang="en-US"/>
           </a:p>
@@ -2969,7 +2761,7 @@
       </p:sp>
       <p:sp>
         <p:nvSpPr>
-          <p:cNvPr id="5" name="Footer Placeholder 4"/>
+          <p:cNvPr id="5" name="頁尾版面配置區 4"/>
           <p:cNvSpPr>
             <a:spLocks noGrp="1"/>
           </p:cNvSpPr>
@@ -2979,8 +2771,8 @@
         </p:nvSpPr>
         <p:spPr>
           <a:xfrm>
-            <a:off x="3124200" y="6356350"/>
-            <a:ext cx="2895600" cy="365125"/>
+            <a:off x="4165600" y="6356352"/>
+            <a:ext cx="3860800" cy="365125"/>
           </a:xfrm>
           <a:prstGeom prst="rect">
             <a:avLst/>
@@ -2990,9 +2782,11 @@
           <a:bodyPr vert="horz" lIns="91440" tIns="45720" rIns="91440" bIns="45720" rtlCol="0" anchor="ctr"/>
           <a:lstStyle>
             <a:lvl1pPr algn="ctr">
-              <a:defRPr sz="1100">
-                <a:solidFill>
-                  <a:schemeClr val="tx1"/>
+              <a:defRPr sz="1600">
+                <a:solidFill>
+                  <a:schemeClr val="tx1">
+                    <a:tint val="75000"/>
+                  </a:schemeClr>
                 </a:solidFill>
               </a:defRPr>
             </a:lvl1pPr>
@@ -3004,7 +2798,7 @@
       </p:sp>
       <p:sp>
         <p:nvSpPr>
-          <p:cNvPr id="6" name="Slide Number Placeholder 5"/>
+          <p:cNvPr id="6" name="投影片編號版面配置區 5"/>
           <p:cNvSpPr>
             <a:spLocks noGrp="1"/>
           </p:cNvSpPr>
@@ -3014,8 +2808,8 @@
         </p:nvSpPr>
         <p:spPr>
           <a:xfrm>
-            <a:off x="6553200" y="6356350"/>
-            <a:ext cx="2133600" cy="365125"/>
+            <a:off x="8737600" y="6356352"/>
+            <a:ext cx="2844800" cy="365125"/>
           </a:xfrm>
           <a:prstGeom prst="rect">
             <a:avLst/>
@@ -3025,9 +2819,11 @@
           <a:bodyPr vert="horz" lIns="91440" tIns="45720" rIns="91440" bIns="45720" rtlCol="0" anchor="ctr"/>
           <a:lstStyle>
             <a:lvl1pPr algn="r">
-              <a:defRPr sz="1100">
-                <a:solidFill>
-                  <a:schemeClr val="tx1"/>
+              <a:defRPr sz="1600">
+                <a:solidFill>
+                  <a:schemeClr val="tx1">
+                    <a:tint val="75000"/>
+                  </a:schemeClr>
                 </a:solidFill>
               </a:defRPr>
             </a:lvl1pPr>
@@ -3042,115 +2838,51 @@
         </p:txBody>
       </p:sp>
     </p:spTree>
+    <p:extLst>
+      <p:ext uri="{BB962C8B-B14F-4D97-AF65-F5344CB8AC3E}">
+        <p14:creationId xmlns:p14="http://schemas.microsoft.com/office/powerpoint/2010/main" val="4037724694"/>
+      </p:ext>
+    </p:extLst>
   </p:cSld>
   <p:clrMap bg1="lt1" tx1="dk1" bg2="lt2" tx2="dk2" accent1="accent1" accent2="accent2" accent3="accent3" accent4="accent4" accent5="accent5" accent6="accent6" hlink="hlink" folHlink="folHlink"/>
   <p:sldLayoutIdLst>
-    <p:sldLayoutId id="2147483661" r:id="rId1"/>
-    <p:sldLayoutId id="2147483662" r:id="rId2"/>
-    <p:sldLayoutId id="2147483663" r:id="rId3"/>
-    <p:sldLayoutId id="2147483664" r:id="rId4"/>
-    <p:sldLayoutId id="2147483665" r:id="rId5"/>
-    <p:sldLayoutId id="2147483666" r:id="rId6"/>
-    <p:sldLayoutId id="2147483667" r:id="rId7"/>
-    <p:sldLayoutId id="2147483668" r:id="rId8"/>
-    <p:sldLayoutId id="2147483669" r:id="rId9"/>
-    <p:sldLayoutId id="2147483670" r:id="rId10"/>
-    <p:sldLayoutId id="2147483671" r:id="rId11"/>
+    <p:sldLayoutId id="2147483673" r:id="rId1"/>
+    <p:sldLayoutId id="2147483674" r:id="rId2"/>
+    <p:sldLayoutId id="2147483675" r:id="rId3"/>
+    <p:sldLayoutId id="2147483676" r:id="rId4"/>
+    <p:sldLayoutId id="2147483677" r:id="rId5"/>
+    <p:sldLayoutId id="2147483678" r:id="rId6"/>
+    <p:sldLayoutId id="2147483679" r:id="rId7"/>
+    <p:sldLayoutId id="2147483680" r:id="rId8"/>
+    <p:sldLayoutId id="2147483681" r:id="rId9"/>
+    <p:sldLayoutId id="2147483682" r:id="rId10"/>
+    <p:sldLayoutId id="2147483683" r:id="rId11"/>
   </p:sldLayoutIdLst>
   <p:txStyles>
     <p:titleStyle>
-      <a:lvl1pPr algn="l" defTabSz="914400" rtl="0" eaLnBrk="1" latinLnBrk="0" hangingPunct="1">
+      <a:lvl1pPr algn="ctr" defTabSz="1219170" rtl="0" eaLnBrk="1" latinLnBrk="0" hangingPunct="1">
         <a:spcBef>
           <a:spcPct val="0"/>
         </a:spcBef>
         <a:buNone/>
-        <a:defRPr sz="4400" b="1" kern="1200">
-          <a:ln>
-            <a:noFill/>
-          </a:ln>
+        <a:defRPr sz="5867" kern="1200">
           <a:solidFill>
-            <a:schemeClr val="tx2"/>
+            <a:schemeClr val="tx1"/>
           </a:solidFill>
-          <a:effectLst>
-            <a:outerShdw blurRad="50800" dist="25400" dir="5400000" algn="t" rotWithShape="0">
-              <a:prstClr val="black">
-                <a:alpha val="80000"/>
-              </a:prstClr>
-            </a:outerShdw>
-          </a:effectLst>
           <a:latin typeface="+mj-lt"/>
           <a:ea typeface="+mj-ea"/>
           <a:cs typeface="+mj-cs"/>
         </a:defRPr>
       </a:lvl1pPr>
-      <a:lvl2pPr eaLnBrk="1" hangingPunct="1">
-        <a:defRPr>
-          <a:solidFill>
-            <a:schemeClr val="tx2"/>
-          </a:solidFill>
-        </a:defRPr>
-      </a:lvl2pPr>
-      <a:lvl3pPr eaLnBrk="1" hangingPunct="1">
-        <a:defRPr>
-          <a:solidFill>
-            <a:schemeClr val="tx2"/>
-          </a:solidFill>
-        </a:defRPr>
-      </a:lvl3pPr>
-      <a:lvl4pPr eaLnBrk="1" hangingPunct="1">
-        <a:defRPr>
-          <a:solidFill>
-            <a:schemeClr val="tx2"/>
-          </a:solidFill>
-        </a:defRPr>
-      </a:lvl4pPr>
-      <a:lvl5pPr eaLnBrk="1" hangingPunct="1">
-        <a:defRPr>
-          <a:solidFill>
-            <a:schemeClr val="tx2"/>
-          </a:solidFill>
-        </a:defRPr>
-      </a:lvl5pPr>
-      <a:lvl6pPr eaLnBrk="1" hangingPunct="1">
-        <a:defRPr>
-          <a:solidFill>
-            <a:schemeClr val="tx2"/>
-          </a:solidFill>
-        </a:defRPr>
-      </a:lvl6pPr>
-      <a:lvl7pPr eaLnBrk="1" hangingPunct="1">
-        <a:defRPr>
-          <a:solidFill>
-            <a:schemeClr val="tx2"/>
-          </a:solidFill>
-        </a:defRPr>
-      </a:lvl7pPr>
-      <a:lvl8pPr eaLnBrk="1" hangingPunct="1">
-        <a:defRPr>
-          <a:solidFill>
-            <a:schemeClr val="tx2"/>
-          </a:solidFill>
-        </a:defRPr>
-      </a:lvl8pPr>
-      <a:lvl9pPr eaLnBrk="1" hangingPunct="1">
-        <a:defRPr>
-          <a:solidFill>
-            <a:schemeClr val="tx2"/>
-          </a:solidFill>
-        </a:defRPr>
-      </a:lvl9pPr>
     </p:titleStyle>
     <p:bodyStyle>
-      <a:lvl1pPr marL="342900" indent="-342900" algn="l" defTabSz="914400" rtl="0" eaLnBrk="1" latinLnBrk="0" hangingPunct="1">
+      <a:lvl1pPr marL="457189" indent="-457189" algn="l" defTabSz="1219170" rtl="0" eaLnBrk="1" latinLnBrk="0" hangingPunct="1">
         <a:spcBef>
           <a:spcPct val="20000"/>
         </a:spcBef>
-        <a:buClr>
-          <a:schemeClr val="tx2"/>
-        </a:buClr>
-        <a:buFont typeface="Wingdings" pitchFamily="2" charset="2"/>
-        <a:buChar char="§"/>
-        <a:defRPr sz="2800" kern="1200">
+        <a:buFont typeface="Arial" panose="02080604020202020204" pitchFamily="34" charset="0"/>
+        <a:buChar char="•"/>
+        <a:defRPr sz="4267" kern="1200">
           <a:solidFill>
             <a:schemeClr val="tx1"/>
           </a:solidFill>
@@ -3159,16 +2891,13 @@
           <a:cs typeface="+mn-cs"/>
         </a:defRPr>
       </a:lvl1pPr>
-      <a:lvl2pPr marL="742950" indent="-285750" algn="l" defTabSz="914400" rtl="0" eaLnBrk="1" latinLnBrk="0" hangingPunct="1">
+      <a:lvl2pPr marL="990575" indent="-380990" algn="l" defTabSz="1219170" rtl="0" eaLnBrk="1" latinLnBrk="0" hangingPunct="1">
         <a:spcBef>
           <a:spcPct val="20000"/>
         </a:spcBef>
-        <a:buClr>
-          <a:schemeClr val="tx2"/>
-        </a:buClr>
-        <a:buFont typeface="Wingdings" pitchFamily="2" charset="2"/>
-        <a:buChar char="§"/>
-        <a:defRPr sz="2400" kern="1200">
+        <a:buFont typeface="Arial" panose="02080604020202020204" pitchFamily="34" charset="0"/>
+        <a:buChar char="–"/>
+        <a:defRPr sz="3733" kern="1200">
           <a:solidFill>
             <a:schemeClr val="tx1"/>
           </a:solidFill>
@@ -3177,16 +2906,13 @@
           <a:cs typeface="+mn-cs"/>
         </a:defRPr>
       </a:lvl2pPr>
-      <a:lvl3pPr marL="1143000" indent="-228600" algn="l" defTabSz="914400" rtl="0" eaLnBrk="1" latinLnBrk="0" hangingPunct="1">
+      <a:lvl3pPr marL="1523962" indent="-304792" algn="l" defTabSz="1219170" rtl="0" eaLnBrk="1" latinLnBrk="0" hangingPunct="1">
         <a:spcBef>
           <a:spcPct val="20000"/>
         </a:spcBef>
-        <a:buClr>
-          <a:schemeClr val="tx2"/>
-        </a:buClr>
-        <a:buFont typeface="Wingdings" pitchFamily="2" charset="2"/>
-        <a:buChar char="§"/>
-        <a:defRPr sz="2000" kern="1200">
+        <a:buFont typeface="Arial" panose="02080604020202020204" pitchFamily="34" charset="0"/>
+        <a:buChar char="•"/>
+        <a:defRPr sz="3200" kern="1200">
           <a:solidFill>
             <a:schemeClr val="tx1"/>
           </a:solidFill>
@@ -3195,16 +2921,13 @@
           <a:cs typeface="+mn-cs"/>
         </a:defRPr>
       </a:lvl3pPr>
-      <a:lvl4pPr marL="1600200" indent="-228600" algn="l" defTabSz="914400" rtl="0" eaLnBrk="1" latinLnBrk="0" hangingPunct="1">
+      <a:lvl4pPr marL="2133547" indent="-304792" algn="l" defTabSz="1219170" rtl="0" eaLnBrk="1" latinLnBrk="0" hangingPunct="1">
         <a:spcBef>
           <a:spcPct val="20000"/>
         </a:spcBef>
-        <a:buClr>
-          <a:schemeClr val="tx2"/>
-        </a:buClr>
-        <a:buFont typeface="Wingdings" pitchFamily="2" charset="2"/>
-        <a:buChar char="§"/>
-        <a:defRPr sz="1800" kern="1200">
+        <a:buFont typeface="Arial" panose="02080604020202020204" pitchFamily="34" charset="0"/>
+        <a:buChar char="–"/>
+        <a:defRPr sz="2667" kern="1200">
           <a:solidFill>
             <a:schemeClr val="tx1"/>
           </a:solidFill>
@@ -3213,16 +2936,13 @@
           <a:cs typeface="+mn-cs"/>
         </a:defRPr>
       </a:lvl4pPr>
-      <a:lvl5pPr marL="2057400" indent="-228600" algn="l" defTabSz="914400" rtl="0" eaLnBrk="1" latinLnBrk="0" hangingPunct="1">
+      <a:lvl5pPr marL="2743131" indent="-304792" algn="l" defTabSz="1219170" rtl="0" eaLnBrk="1" latinLnBrk="0" hangingPunct="1">
         <a:spcBef>
           <a:spcPct val="20000"/>
         </a:spcBef>
-        <a:buClr>
-          <a:schemeClr val="tx2"/>
-        </a:buClr>
-        <a:buFont typeface="Wingdings" pitchFamily="2" charset="2"/>
-        <a:buChar char="§"/>
-        <a:defRPr sz="1800" kern="1200">
+        <a:buFont typeface="Arial" panose="02080604020202020204" pitchFamily="34" charset="0"/>
+        <a:buChar char="»"/>
+        <a:defRPr sz="2667" kern="1200">
           <a:solidFill>
             <a:schemeClr val="tx1"/>
           </a:solidFill>
@@ -3231,13 +2951,13 @@
           <a:cs typeface="+mn-cs"/>
         </a:defRPr>
       </a:lvl5pPr>
-      <a:lvl6pPr marL="2514600" indent="-228600" algn="l" defTabSz="914400" rtl="0" eaLnBrk="1" latinLnBrk="0" hangingPunct="1">
+      <a:lvl6pPr marL="3352716" indent="-304792" algn="l" defTabSz="1219170" rtl="0" eaLnBrk="1" latinLnBrk="0" hangingPunct="1">
         <a:spcBef>
           <a:spcPct val="20000"/>
         </a:spcBef>
-        <a:buFont typeface="Arial" pitchFamily="34" charset="0"/>
+        <a:buFont typeface="Arial" panose="02080604020202020204" pitchFamily="34" charset="0"/>
         <a:buChar char="•"/>
-        <a:defRPr sz="2000" kern="1200">
+        <a:defRPr sz="2667" kern="1200">
           <a:solidFill>
             <a:schemeClr val="tx1"/>
           </a:solidFill>
@@ -3246,13 +2966,13 @@
           <a:cs typeface="+mn-cs"/>
         </a:defRPr>
       </a:lvl6pPr>
-      <a:lvl7pPr marL="2971800" indent="-228600" algn="l" defTabSz="914400" rtl="0" eaLnBrk="1" latinLnBrk="0" hangingPunct="1">
+      <a:lvl7pPr marL="3962301" indent="-304792" algn="l" defTabSz="1219170" rtl="0" eaLnBrk="1" latinLnBrk="0" hangingPunct="1">
         <a:spcBef>
           <a:spcPct val="20000"/>
         </a:spcBef>
-        <a:buFont typeface="Arial" pitchFamily="34" charset="0"/>
+        <a:buFont typeface="Arial" panose="02080604020202020204" pitchFamily="34" charset="0"/>
         <a:buChar char="•"/>
-        <a:defRPr sz="2000" kern="1200">
+        <a:defRPr sz="2667" kern="1200">
           <a:solidFill>
             <a:schemeClr val="tx1"/>
           </a:solidFill>
@@ -3261,13 +2981,13 @@
           <a:cs typeface="+mn-cs"/>
         </a:defRPr>
       </a:lvl7pPr>
-      <a:lvl8pPr marL="3429000" indent="-228600" algn="l" defTabSz="914400" rtl="0" eaLnBrk="1" latinLnBrk="0" hangingPunct="1">
+      <a:lvl8pPr marL="4571886" indent="-304792" algn="l" defTabSz="1219170" rtl="0" eaLnBrk="1" latinLnBrk="0" hangingPunct="1">
         <a:spcBef>
           <a:spcPct val="20000"/>
         </a:spcBef>
-        <a:buFont typeface="Arial" pitchFamily="34" charset="0"/>
+        <a:buFont typeface="Arial" panose="02080604020202020204" pitchFamily="34" charset="0"/>
         <a:buChar char="•"/>
-        <a:defRPr sz="2000" kern="1200">
+        <a:defRPr sz="2667" kern="1200">
           <a:solidFill>
             <a:schemeClr val="tx1"/>
           </a:solidFill>
@@ -3276,13 +2996,13 @@
           <a:cs typeface="+mn-cs"/>
         </a:defRPr>
       </a:lvl8pPr>
-      <a:lvl9pPr marL="3886200" indent="-228600" algn="l" defTabSz="914400" rtl="0" eaLnBrk="1" latinLnBrk="0" hangingPunct="1">
+      <a:lvl9pPr marL="5181470" indent="-304792" algn="l" defTabSz="1219170" rtl="0" eaLnBrk="1" latinLnBrk="0" hangingPunct="1">
         <a:spcBef>
           <a:spcPct val="20000"/>
         </a:spcBef>
-        <a:buFont typeface="Arial" pitchFamily="34" charset="0"/>
+        <a:buFont typeface="Arial" panose="02080604020202020204" pitchFamily="34" charset="0"/>
         <a:buChar char="•"/>
-        <a:defRPr sz="2000" kern="1200">
+        <a:defRPr sz="2667" kern="1200">
           <a:solidFill>
             <a:schemeClr val="tx1"/>
           </a:solidFill>
@@ -3294,10 +3014,10 @@
     </p:bodyStyle>
     <p:otherStyle>
       <a:defPPr>
-        <a:defRPr lang="en-US"/>
+        <a:defRPr lang="zh-TW"/>
       </a:defPPr>
-      <a:lvl1pPr marL="0" algn="l" defTabSz="914400" rtl="0" eaLnBrk="1" latinLnBrk="0" hangingPunct="1">
-        <a:defRPr sz="1800" kern="1200">
+      <a:lvl1pPr marL="0" algn="l" defTabSz="1219170" rtl="0" eaLnBrk="1" latinLnBrk="0" hangingPunct="1">
+        <a:defRPr sz="2400" kern="1200">
           <a:solidFill>
             <a:schemeClr val="tx1"/>
           </a:solidFill>
@@ -3306,8 +3026,8 @@
           <a:cs typeface="+mn-cs"/>
         </a:defRPr>
       </a:lvl1pPr>
-      <a:lvl2pPr marL="457200" algn="l" defTabSz="914400" rtl="0" eaLnBrk="1" latinLnBrk="0" hangingPunct="1">
-        <a:defRPr sz="1800" kern="1200">
+      <a:lvl2pPr marL="609585" algn="l" defTabSz="1219170" rtl="0" eaLnBrk="1" latinLnBrk="0" hangingPunct="1">
+        <a:defRPr sz="2400" kern="1200">
           <a:solidFill>
             <a:schemeClr val="tx1"/>
           </a:solidFill>
@@ -3316,8 +3036,8 @@
           <a:cs typeface="+mn-cs"/>
         </a:defRPr>
       </a:lvl2pPr>
-      <a:lvl3pPr marL="914400" algn="l" defTabSz="914400" rtl="0" eaLnBrk="1" latinLnBrk="0" hangingPunct="1">
-        <a:defRPr sz="1800" kern="1200">
+      <a:lvl3pPr marL="1219170" algn="l" defTabSz="1219170" rtl="0" eaLnBrk="1" latinLnBrk="0" hangingPunct="1">
+        <a:defRPr sz="2400" kern="1200">
           <a:solidFill>
             <a:schemeClr val="tx1"/>
           </a:solidFill>
@@ -3326,8 +3046,8 @@
           <a:cs typeface="+mn-cs"/>
         </a:defRPr>
       </a:lvl3pPr>
-      <a:lvl4pPr marL="1371600" algn="l" defTabSz="914400" rtl="0" eaLnBrk="1" latinLnBrk="0" hangingPunct="1">
-        <a:defRPr sz="1800" kern="1200">
+      <a:lvl4pPr marL="1828754" algn="l" defTabSz="1219170" rtl="0" eaLnBrk="1" latinLnBrk="0" hangingPunct="1">
+        <a:defRPr sz="2400" kern="1200">
           <a:solidFill>
             <a:schemeClr val="tx1"/>
           </a:solidFill>
@@ -3336,8 +3056,8 @@
           <a:cs typeface="+mn-cs"/>
         </a:defRPr>
       </a:lvl4pPr>
-      <a:lvl5pPr marL="1828800" algn="l" defTabSz="914400" rtl="0" eaLnBrk="1" latinLnBrk="0" hangingPunct="1">
-        <a:defRPr sz="1800" kern="1200">
+      <a:lvl5pPr marL="2438339" algn="l" defTabSz="1219170" rtl="0" eaLnBrk="1" latinLnBrk="0" hangingPunct="1">
+        <a:defRPr sz="2400" kern="1200">
           <a:solidFill>
             <a:schemeClr val="tx1"/>
           </a:solidFill>
@@ -3346,8 +3066,8 @@
           <a:cs typeface="+mn-cs"/>
         </a:defRPr>
       </a:lvl5pPr>
-      <a:lvl6pPr marL="2286000" algn="l" defTabSz="914400" rtl="0" eaLnBrk="1" latinLnBrk="0" hangingPunct="1">
-        <a:defRPr sz="1800" kern="1200">
+      <a:lvl6pPr marL="3047924" algn="l" defTabSz="1219170" rtl="0" eaLnBrk="1" latinLnBrk="0" hangingPunct="1">
+        <a:defRPr sz="2400" kern="1200">
           <a:solidFill>
             <a:schemeClr val="tx1"/>
           </a:solidFill>
@@ -3356,8 +3076,8 @@
           <a:cs typeface="+mn-cs"/>
         </a:defRPr>
       </a:lvl6pPr>
-      <a:lvl7pPr marL="2743200" algn="l" defTabSz="914400" rtl="0" eaLnBrk="1" latinLnBrk="0" hangingPunct="1">
-        <a:defRPr sz="1800" kern="1200">
+      <a:lvl7pPr marL="3657509" algn="l" defTabSz="1219170" rtl="0" eaLnBrk="1" latinLnBrk="0" hangingPunct="1">
+        <a:defRPr sz="2400" kern="1200">
           <a:solidFill>
             <a:schemeClr val="tx1"/>
           </a:solidFill>
@@ -3366,8 +3086,8 @@
           <a:cs typeface="+mn-cs"/>
         </a:defRPr>
       </a:lvl7pPr>
-      <a:lvl8pPr marL="3200400" algn="l" defTabSz="914400" rtl="0" eaLnBrk="1" latinLnBrk="0" hangingPunct="1">
-        <a:defRPr sz="1800" kern="1200">
+      <a:lvl8pPr marL="4267093" algn="l" defTabSz="1219170" rtl="0" eaLnBrk="1" latinLnBrk="0" hangingPunct="1">
+        <a:defRPr sz="2400" kern="1200">
           <a:solidFill>
             <a:schemeClr val="tx1"/>
           </a:solidFill>
@@ -3376,8 +3096,8 @@
           <a:cs typeface="+mn-cs"/>
         </a:defRPr>
       </a:lvl8pPr>
-      <a:lvl9pPr marL="3657600" algn="l" defTabSz="914400" rtl="0" eaLnBrk="1" latinLnBrk="0" hangingPunct="1">
-        <a:defRPr sz="1800" kern="1200">
+      <a:lvl9pPr marL="4876678" algn="l" defTabSz="1219170" rtl="0" eaLnBrk="1" latinLnBrk="0" hangingPunct="1">
+        <a:defRPr sz="2400" kern="1200">
           <a:solidFill>
             <a:schemeClr val="tx1"/>
           </a:solidFill>
@@ -3418,108 +3138,75 @@
             <p:ph type="title"/>
           </p:nvPr>
         </p:nvSpPr>
-        <p:spPr/>
-        <p:txBody>
-          <a:bodyPr/>
-          <a:lstStyle/>
-          <a:p>
-            <a:r>
-              <a:rPr lang="zh-CN" altLang="en-US" dirty="0" smtClean="0">
-                <a:latin typeface="標楷體" pitchFamily="65" charset="-120"/>
-                <a:ea typeface="標楷體" pitchFamily="65" charset="-120"/>
-              </a:rPr>
-              <a:t>全能上主</a:t>
-            </a:r>
-            <a:endParaRPr lang="zh-TW" altLang="en-US" dirty="0">
-              <a:latin typeface="標楷體" pitchFamily="65" charset="-120"/>
-              <a:ea typeface="標楷體" pitchFamily="65" charset="-120"/>
+        <p:spPr>
+          <a:xfrm>
+            <a:off x="0" y="2660915"/>
+            <a:ext cx="12192000" cy="1143000"/>
+          </a:xfrm>
+        </p:spPr>
+        <p:txBody>
+          <a:bodyPr>
+            <a:noAutofit/>
+          </a:bodyPr>
+          <a:lstStyle/>
+          <a:p>
+            <a:r>
+              <a:rPr lang="zh-CN" altLang="en-US" sz="7200" b="1" i="1" dirty="0">
+                <a:solidFill>
+                  <a:srgbClr val="660033"/>
+                </a:solidFill>
+                <a:effectLst>
+                  <a:outerShdw blurRad="38100" dist="38100" dir="2700000" algn="tl">
+                    <a:srgbClr val="000000">
+                      <a:alpha val="43137"/>
+                    </a:srgbClr>
+                  </a:outerShdw>
+                </a:effectLst>
+                <a:latin typeface="微軟正黑體" pitchFamily="34" charset="-120"/>
+                <a:ea typeface="微軟正黑體" pitchFamily="34" charset="-120"/>
+              </a:rPr>
+              <a:t>全</a:t>
+            </a:r>
+            <a:r>
+              <a:rPr lang="zh-CN" altLang="en-US" sz="7200" b="1" i="1" dirty="0">
+                <a:solidFill>
+                  <a:srgbClr val="660033"/>
+                </a:solidFill>
+                <a:effectLst>
+                  <a:outerShdw blurRad="38100" dist="38100" dir="2700000" algn="tl">
+                    <a:srgbClr val="000000">
+                      <a:alpha val="43137"/>
+                    </a:srgbClr>
+                  </a:outerShdw>
+                </a:effectLst>
+                <a:latin typeface="微軟正黑體" pitchFamily="34" charset="-120"/>
+                <a:ea typeface="微軟正黑體" pitchFamily="34" charset="-120"/>
+              </a:rPr>
+              <a:t>能上主</a:t>
+            </a:r>
+            <a:endParaRPr lang="zh-TW" altLang="en-US" sz="7200" b="1" i="1" dirty="0">
+              <a:solidFill>
+                <a:srgbClr val="660033"/>
+              </a:solidFill>
+              <a:effectLst>
+                <a:outerShdw blurRad="38100" dist="38100" dir="2700000" algn="tl">
+                  <a:srgbClr val="000000">
+                    <a:alpha val="43137"/>
+                  </a:srgbClr>
+                </a:outerShdw>
+              </a:effectLst>
+              <a:latin typeface="微軟正黑體" pitchFamily="34" charset="-120"/>
+              <a:ea typeface="微軟正黑體" pitchFamily="34" charset="-120"/>
             </a:endParaRPr>
           </a:p>
         </p:txBody>
       </p:sp>
-      <p:sp>
-        <p:nvSpPr>
-          <p:cNvPr id="5" name="內容版面配置區 4"/>
-          <p:cNvSpPr>
-            <a:spLocks noGrp="1"/>
-          </p:cNvSpPr>
-          <p:nvPr>
-            <p:ph idx="1"/>
-          </p:nvPr>
-        </p:nvSpPr>
-        <p:spPr/>
-        <p:txBody>
-          <a:bodyPr>
-            <a:normAutofit/>
-          </a:bodyPr>
-          <a:lstStyle/>
-          <a:p>
-            <a:pPr algn="ctr">
-              <a:buNone/>
-            </a:pPr>
-            <a:r>
-              <a:rPr lang="zh-CN" altLang="en-US" sz="5400" dirty="0" smtClean="0">
-                <a:latin typeface="標楷體" pitchFamily="65" charset="-120"/>
-                <a:ea typeface="標楷體" pitchFamily="65" charset="-120"/>
-              </a:rPr>
-              <a:t>全能上主我父上帝</a:t>
-            </a:r>
-            <a:endParaRPr lang="en-US" altLang="zh-CN" sz="5400" dirty="0" smtClean="0">
-              <a:latin typeface="標楷體" pitchFamily="65" charset="-120"/>
-              <a:ea typeface="標楷體" pitchFamily="65" charset="-120"/>
-            </a:endParaRPr>
-          </a:p>
-          <a:p>
-            <a:pPr algn="ctr">
-              <a:buNone/>
-            </a:pPr>
-            <a:r>
-              <a:rPr lang="zh-CN" altLang="en-US" sz="5400" dirty="0" smtClean="0">
-                <a:latin typeface="標楷體" pitchFamily="65" charset="-120"/>
-                <a:ea typeface="標楷體" pitchFamily="65" charset="-120"/>
-              </a:rPr>
-              <a:t>蒙贈著我一切</a:t>
-            </a:r>
-            <a:endParaRPr lang="en-US" altLang="zh-CN" sz="5400" dirty="0" smtClean="0">
-              <a:latin typeface="標楷體" pitchFamily="65" charset="-120"/>
-              <a:ea typeface="標楷體" pitchFamily="65" charset="-120"/>
-            </a:endParaRPr>
-          </a:p>
-          <a:p>
-            <a:pPr algn="ctr">
-              <a:buNone/>
-            </a:pPr>
-            <a:r>
-              <a:rPr lang="zh-CN" altLang="en-US" sz="5400" dirty="0" smtClean="0">
-                <a:latin typeface="標楷體" pitchFamily="65" charset="-120"/>
-                <a:ea typeface="標楷體" pitchFamily="65" charset="-120"/>
-              </a:rPr>
-              <a:t>深知你愛我  艱苦與快慰</a:t>
-            </a:r>
-            <a:endParaRPr lang="en-US" altLang="zh-CN" sz="5400" dirty="0" smtClean="0">
-              <a:latin typeface="標楷體" pitchFamily="65" charset="-120"/>
-              <a:ea typeface="標楷體" pitchFamily="65" charset="-120"/>
-            </a:endParaRPr>
-          </a:p>
-          <a:p>
-            <a:pPr algn="ctr">
-              <a:buNone/>
-            </a:pPr>
-            <a:r>
-              <a:rPr lang="zh-CN" altLang="en-US" sz="5400" dirty="0" smtClean="0">
-                <a:latin typeface="標楷體" pitchFamily="65" charset="-120"/>
-                <a:ea typeface="標楷體" pitchFamily="65" charset="-120"/>
-              </a:rPr>
-              <a:t>信主一世是依歸</a:t>
-            </a:r>
-            <a:endParaRPr lang="zh-TW" altLang="en-US" sz="5400" dirty="0">
-              <a:latin typeface="標楷體" pitchFamily="65" charset="-120"/>
-              <a:ea typeface="標楷體" pitchFamily="65" charset="-120"/>
-            </a:endParaRPr>
-          </a:p>
-        </p:txBody>
-      </p:sp>
     </p:spTree>
+    <p:extLst>
+      <p:ext uri="{BB962C8B-B14F-4D97-AF65-F5344CB8AC3E}">
+        <p14:creationId xmlns:p14="http://schemas.microsoft.com/office/powerpoint/2010/main" val="3982057454"/>
+      </p:ext>
+    </p:extLst>
   </p:cSld>
   <p:clrMapOvr>
     <a:masterClrMapping/>
@@ -3546,35 +3233,6 @@
       </p:grpSpPr>
       <p:sp>
         <p:nvSpPr>
-          <p:cNvPr id="4" name="標題 3"/>
-          <p:cNvSpPr>
-            <a:spLocks noGrp="1"/>
-          </p:cNvSpPr>
-          <p:nvPr>
-            <p:ph type="title"/>
-          </p:nvPr>
-        </p:nvSpPr>
-        <p:spPr/>
-        <p:txBody>
-          <a:bodyPr/>
-          <a:lstStyle/>
-          <a:p>
-            <a:r>
-              <a:rPr lang="zh-CN" altLang="en-US" dirty="0" smtClean="0">
-                <a:latin typeface="標楷體" pitchFamily="65" charset="-120"/>
-                <a:ea typeface="標楷體" pitchFamily="65" charset="-120"/>
-              </a:rPr>
-              <a:t>全能上主</a:t>
-            </a:r>
-            <a:endParaRPr lang="zh-TW" altLang="en-US" dirty="0">
-              <a:latin typeface="標楷體" pitchFamily="65" charset="-120"/>
-              <a:ea typeface="標楷體" pitchFamily="65" charset="-120"/>
-            </a:endParaRPr>
-          </a:p>
-        </p:txBody>
-      </p:sp>
-      <p:sp>
-        <p:nvSpPr>
           <p:cNvPr id="5" name="內容版面配置區 4"/>
           <p:cNvSpPr>
             <a:spLocks noGrp="1"/>
@@ -3583,9 +3241,14 @@
             <p:ph idx="1"/>
           </p:nvPr>
         </p:nvSpPr>
-        <p:spPr/>
-        <p:txBody>
-          <a:bodyPr>
+        <p:spPr>
+          <a:xfrm>
+            <a:off x="0" y="2084851"/>
+            <a:ext cx="12192000" cy="2404863"/>
+          </a:xfrm>
+        </p:spPr>
+        <p:txBody>
+          <a:bodyPr anchor="ctr">
             <a:normAutofit/>
           </a:bodyPr>
           <a:lstStyle/>
@@ -3594,15 +3257,51 @@
               <a:buNone/>
             </a:pPr>
             <a:r>
-              <a:rPr lang="zh-CN" altLang="en-US" sz="5400" dirty="0" smtClean="0">
-                <a:latin typeface="標楷體" pitchFamily="65" charset="-120"/>
-                <a:ea typeface="標楷體" pitchFamily="65" charset="-120"/>
-              </a:rPr>
-              <a:t>原來上主我父上帝</a:t>
-            </a:r>
-            <a:endParaRPr lang="en-US" altLang="zh-CN" sz="5400" dirty="0" smtClean="0">
-              <a:latin typeface="標楷體" pitchFamily="65" charset="-120"/>
-              <a:ea typeface="標楷體" pitchFamily="65" charset="-120"/>
+              <a:rPr lang="zh-CN" altLang="en-US" sz="6400" b="1" dirty="0">
+                <a:solidFill>
+                  <a:srgbClr val="660033"/>
+                </a:solidFill>
+                <a:latin typeface="微軟正黑體" pitchFamily="34" charset="-120"/>
+                <a:ea typeface="微軟正黑體" pitchFamily="34" charset="-120"/>
+              </a:rPr>
+              <a:t>全</a:t>
+            </a:r>
+            <a:r>
+              <a:rPr lang="zh-CN" altLang="en-US" sz="6400" b="1" dirty="0">
+                <a:solidFill>
+                  <a:srgbClr val="660033"/>
+                </a:solidFill>
+                <a:latin typeface="微軟正黑體" pitchFamily="34" charset="-120"/>
+                <a:ea typeface="微軟正黑體" pitchFamily="34" charset="-120"/>
+              </a:rPr>
+              <a:t>能上</a:t>
+            </a:r>
+            <a:r>
+              <a:rPr lang="zh-CN" altLang="en-US" sz="6400" b="1" dirty="0">
+                <a:solidFill>
+                  <a:srgbClr val="660033"/>
+                </a:solidFill>
+                <a:latin typeface="微軟正黑體" pitchFamily="34" charset="-120"/>
+                <a:ea typeface="微軟正黑體" pitchFamily="34" charset="-120"/>
+              </a:rPr>
+              <a:t>主  我</a:t>
+            </a:r>
+            <a:r>
+              <a:rPr lang="zh-CN" altLang="en-US" sz="6400" b="1" dirty="0">
+                <a:solidFill>
+                  <a:srgbClr val="660033"/>
+                </a:solidFill>
+                <a:latin typeface="微軟正黑體" pitchFamily="34" charset="-120"/>
+                <a:ea typeface="微軟正黑體" pitchFamily="34" charset="-120"/>
+              </a:rPr>
+              <a:t>父上帝</a:t>
+            </a:r>
+            <a:endParaRPr lang="en-US" altLang="zh-CN" sz="6400" b="1" dirty="0">
+              <a:solidFill>
+                <a:srgbClr val="660033"/>
+              </a:solidFill>
+              <a:latin typeface="微軟正黑體" pitchFamily="34" charset="-120"/>
+              <a:ea typeface="微軟正黑體" pitchFamily="34" charset="-120"/>
             </a:endParaRPr>
           </a:p>
           <a:p>
@@ -3610,59 +3309,93 @@
               <a:buNone/>
             </a:pPr>
             <a:r>
-              <a:rPr lang="zh-CN" altLang="en-US" sz="5400" dirty="0" smtClean="0">
-                <a:latin typeface="標楷體" pitchFamily="65" charset="-120"/>
-                <a:ea typeface="標楷體" pitchFamily="65" charset="-120"/>
-              </a:rPr>
-              <a:t>陪伴著我一世</a:t>
-            </a:r>
-            <a:endParaRPr lang="en-US" altLang="zh-CN" sz="5400" dirty="0" smtClean="0">
-              <a:latin typeface="標楷體" pitchFamily="65" charset="-120"/>
-              <a:ea typeface="標楷體" pitchFamily="65" charset="-120"/>
+              <a:rPr lang="zh-CN" altLang="en-US" sz="6400" b="1" dirty="0">
+                <a:solidFill>
+                  <a:srgbClr val="660033"/>
+                </a:solidFill>
+                <a:latin typeface="微軟正黑體" pitchFamily="34" charset="-120"/>
+                <a:ea typeface="微軟正黑體" pitchFamily="34" charset="-120"/>
+              </a:rPr>
+              <a:t>蒙贈著我一切</a:t>
+            </a:r>
+            <a:endParaRPr lang="en-US" altLang="zh-CN" sz="6400" b="1" dirty="0">
+              <a:solidFill>
+                <a:srgbClr val="660033"/>
+              </a:solidFill>
+              <a:latin typeface="微軟正黑體" pitchFamily="34" charset="-120"/>
+              <a:ea typeface="微軟正黑體" pitchFamily="34" charset="-120"/>
             </a:endParaRPr>
           </a:p>
-          <a:p>
-            <a:pPr algn="ctr">
-              <a:buNone/>
-            </a:pPr>
-            <a:r>
-              <a:rPr lang="zh-CN" altLang="en-US" sz="5400" dirty="0">
-                <a:latin typeface="標楷體" pitchFamily="65" charset="-120"/>
-                <a:ea typeface="標楷體" pitchFamily="65" charset="-120"/>
-              </a:rPr>
-              <a:t>不</a:t>
-            </a:r>
-            <a:r>
-              <a:rPr lang="zh-CN" altLang="en-US" sz="5400" dirty="0" smtClean="0">
-                <a:latin typeface="標楷體" pitchFamily="65" charset="-120"/>
-                <a:ea typeface="標楷體" pitchFamily="65" charset="-120"/>
-              </a:rPr>
-              <a:t>聽你教誨  心中我有愧</a:t>
-            </a:r>
-            <a:endParaRPr lang="en-US" altLang="zh-CN" sz="5400" dirty="0" smtClean="0">
-              <a:latin typeface="標楷體" pitchFamily="65" charset="-120"/>
-              <a:ea typeface="標楷體" pitchFamily="65" charset="-120"/>
+        </p:txBody>
+      </p:sp>
+      <p:sp>
+        <p:nvSpPr>
+          <p:cNvPr id="3" name="TextBox 2"/>
+          <p:cNvSpPr txBox="1"/>
+          <p:nvPr/>
+        </p:nvSpPr>
+        <p:spPr>
+          <a:xfrm>
+            <a:off x="0" y="5157192"/>
+            <a:ext cx="12192000" cy="748988"/>
+          </a:xfrm>
+          <a:prstGeom prst="rect">
+            <a:avLst/>
+          </a:prstGeom>
+          <a:noFill/>
+        </p:spPr>
+        <p:txBody>
+          <a:bodyPr wrap="square" rtlCol="0">
+            <a:spAutoFit/>
+          </a:bodyPr>
+          <a:lstStyle/>
+          <a:p>
+            <a:pPr algn="ctr"/>
+            <a:r>
+              <a:rPr lang="en-US" sz="4267" b="1" dirty="0">
+                <a:solidFill>
+                  <a:srgbClr val="660033"/>
+                </a:solidFill>
+                <a:latin typeface="Microsoft JhengHei" panose="020B0604030504040204" pitchFamily="34" charset="-120"/>
+                <a:ea typeface="Microsoft JhengHei" panose="020B0604030504040204" pitchFamily="34" charset="-120"/>
+              </a:rPr>
+              <a:t>( </a:t>
+            </a:r>
+            <a:r>
+              <a:rPr lang="zh-CN" altLang="en-US" sz="4267" b="1" dirty="0">
+                <a:solidFill>
+                  <a:srgbClr val="660033"/>
+                </a:solidFill>
+                <a:latin typeface="Microsoft JhengHei" panose="020B0604030504040204" pitchFamily="34" charset="-120"/>
+                <a:ea typeface="Microsoft JhengHei" panose="020B0604030504040204" pitchFamily="34" charset="-120"/>
+              </a:rPr>
+              <a:t>正</a:t>
+            </a:r>
+            <a:r>
+              <a:rPr lang="en-US" sz="4267" b="1" dirty="0">
+                <a:solidFill>
+                  <a:srgbClr val="660033"/>
+                </a:solidFill>
+                <a:latin typeface="Microsoft JhengHei" panose="020B0604030504040204" pitchFamily="34" charset="-120"/>
+                <a:ea typeface="Microsoft JhengHei" panose="020B0604030504040204" pitchFamily="34" charset="-120"/>
+              </a:rPr>
+              <a:t> )</a:t>
+            </a:r>
+            <a:endParaRPr lang="vi-VN" sz="4267" b="1" dirty="0">
+              <a:solidFill>
+                <a:srgbClr val="660033"/>
+              </a:solidFill>
+              <a:ea typeface="Microsoft JhengHei" panose="020B0604030504040204" pitchFamily="34" charset="-120"/>
             </a:endParaRPr>
           </a:p>
-          <a:p>
-            <a:pPr algn="ctr">
-              <a:buNone/>
-            </a:pPr>
-            <a:r>
-              <a:rPr lang="zh-CN" altLang="en-US" sz="5400" dirty="0" smtClean="0">
-                <a:latin typeface="標楷體" pitchFamily="65" charset="-120"/>
-                <a:ea typeface="標楷體" pitchFamily="65" charset="-120"/>
-              </a:rPr>
-              <a:t>有主關懷是最寶貴</a:t>
-            </a:r>
-            <a:endParaRPr lang="zh-TW" altLang="en-US" sz="5400" dirty="0">
-              <a:latin typeface="標楷體" pitchFamily="65" charset="-120"/>
-              <a:ea typeface="標楷體" pitchFamily="65" charset="-120"/>
-            </a:endParaRPr>
-          </a:p>
         </p:txBody>
       </p:sp>
     </p:spTree>
+    <p:extLst>
+      <p:ext uri="{BB962C8B-B14F-4D97-AF65-F5344CB8AC3E}">
+        <p14:creationId xmlns:p14="http://schemas.microsoft.com/office/powerpoint/2010/main" val="1796793652"/>
+      </p:ext>
+    </p:extLst>
   </p:cSld>
   <p:clrMapOvr>
     <a:masterClrMapping/>
@@ -3689,139 +3422,159 @@
       </p:grpSpPr>
       <p:sp>
         <p:nvSpPr>
-          <p:cNvPr id="4" name="標題 3"/>
-          <p:cNvSpPr>
-            <a:spLocks noGrp="1"/>
-          </p:cNvSpPr>
-          <p:nvPr>
-            <p:ph type="title"/>
-          </p:nvPr>
-        </p:nvSpPr>
-        <p:spPr/>
-        <p:txBody>
-          <a:bodyPr>
+          <p:cNvPr id="5" name="內容版面配置區 4"/>
+          <p:cNvSpPr>
+            <a:spLocks noGrp="1"/>
+          </p:cNvSpPr>
+          <p:nvPr>
+            <p:ph idx="1"/>
+          </p:nvPr>
+        </p:nvSpPr>
+        <p:spPr>
+          <a:xfrm>
+            <a:off x="0" y="2084851"/>
+            <a:ext cx="12192000" cy="2404863"/>
+          </a:xfrm>
+        </p:spPr>
+        <p:txBody>
+          <a:bodyPr anchor="ctr">
             <a:normAutofit/>
           </a:bodyPr>
           <a:lstStyle/>
           <a:p>
-            <a:pPr marL="342900" indent="-342900">
-              <a:spcBef>
-                <a:spcPct val="20000"/>
-              </a:spcBef>
+            <a:pPr algn="ctr">
+              <a:buNone/>
             </a:pPr>
             <a:r>
-              <a:rPr lang="zh-CN" altLang="en-US" dirty="0">
-                <a:latin typeface="標楷體" pitchFamily="65" charset="-120"/>
-                <a:ea typeface="標楷體" pitchFamily="65" charset="-120"/>
-                <a:cs typeface="+mn-cs"/>
-              </a:rPr>
-              <a:t>全能上主</a:t>
-            </a:r>
-            <a:endParaRPr lang="zh-TW" altLang="en-US" dirty="0">
-              <a:latin typeface="標楷體" pitchFamily="65" charset="-120"/>
-              <a:ea typeface="標楷體" pitchFamily="65" charset="-120"/>
-              <a:cs typeface="+mn-cs"/>
+              <a:rPr lang="zh-CN" altLang="en-US" sz="6400" b="1" dirty="0">
+                <a:solidFill>
+                  <a:srgbClr val="660033"/>
+                </a:solidFill>
+                <a:latin typeface="微軟正黑體" pitchFamily="34" charset="-120"/>
+                <a:ea typeface="微軟正黑體" pitchFamily="34" charset="-120"/>
+              </a:rPr>
+              <a:t>深</a:t>
+            </a:r>
+            <a:r>
+              <a:rPr lang="zh-CN" altLang="en-US" sz="6400" b="1" dirty="0">
+                <a:solidFill>
+                  <a:srgbClr val="660033"/>
+                </a:solidFill>
+                <a:latin typeface="微軟正黑體" pitchFamily="34" charset="-120"/>
+                <a:ea typeface="微軟正黑體" pitchFamily="34" charset="-120"/>
+              </a:rPr>
+              <a:t>知袮愛我  艱</a:t>
+            </a:r>
+            <a:r>
+              <a:rPr lang="zh-CN" altLang="en-US" sz="6400" b="1" dirty="0">
+                <a:solidFill>
+                  <a:srgbClr val="660033"/>
+                </a:solidFill>
+                <a:latin typeface="微軟正黑體" pitchFamily="34" charset="-120"/>
+                <a:ea typeface="微軟正黑體" pitchFamily="34" charset="-120"/>
+              </a:rPr>
+              <a:t>苦與快慰</a:t>
+            </a:r>
+            <a:endParaRPr lang="en-US" altLang="zh-CN" sz="6400" b="1" dirty="0">
+              <a:solidFill>
+                <a:srgbClr val="660033"/>
+              </a:solidFill>
+              <a:latin typeface="微軟正黑體" pitchFamily="34" charset="-120"/>
+              <a:ea typeface="微軟正黑體" pitchFamily="34" charset="-120"/>
             </a:endParaRPr>
           </a:p>
-        </p:txBody>
-      </p:sp>
-      <p:sp>
-        <p:nvSpPr>
-          <p:cNvPr id="5" name="內容版面配置區 4"/>
-          <p:cNvSpPr>
-            <a:spLocks noGrp="1"/>
-          </p:cNvSpPr>
-          <p:nvPr>
-            <p:ph idx="1"/>
-          </p:nvPr>
-        </p:nvSpPr>
-        <p:spPr/>
-        <p:txBody>
-          <a:bodyPr>
-            <a:normAutofit/>
+          <a:p>
+            <a:pPr algn="ctr">
+              <a:buNone/>
+            </a:pPr>
+            <a:r>
+              <a:rPr lang="zh-CN" altLang="en-US" sz="6400" b="1" dirty="0">
+                <a:solidFill>
+                  <a:srgbClr val="660033"/>
+                </a:solidFill>
+                <a:latin typeface="微軟正黑體" pitchFamily="34" charset="-120"/>
+                <a:ea typeface="微軟正黑體" pitchFamily="34" charset="-120"/>
+              </a:rPr>
+              <a:t>信主一世是依歸</a:t>
+            </a:r>
+            <a:endParaRPr lang="zh-TW" altLang="en-US" sz="6400" b="1" dirty="0">
+              <a:solidFill>
+                <a:srgbClr val="660033"/>
+              </a:solidFill>
+              <a:latin typeface="微軟正黑體" pitchFamily="34" charset="-120"/>
+              <a:ea typeface="微軟正黑體" pitchFamily="34" charset="-120"/>
+            </a:endParaRPr>
+          </a:p>
+        </p:txBody>
+      </p:sp>
+      <p:sp>
+        <p:nvSpPr>
+          <p:cNvPr id="3" name="TextBox 2"/>
+          <p:cNvSpPr txBox="1"/>
+          <p:nvPr/>
+        </p:nvSpPr>
+        <p:spPr>
+          <a:xfrm>
+            <a:off x="0" y="5157192"/>
+            <a:ext cx="12192000" cy="748988"/>
+          </a:xfrm>
+          <a:prstGeom prst="rect">
+            <a:avLst/>
+          </a:prstGeom>
+          <a:noFill/>
+        </p:spPr>
+        <p:txBody>
+          <a:bodyPr wrap="square" rtlCol="0">
+            <a:spAutoFit/>
           </a:bodyPr>
           <a:lstStyle/>
           <a:p>
-            <a:pPr algn="ctr">
-              <a:buNone/>
-            </a:pPr>
-            <a:r>
-              <a:rPr lang="zh-CN" altLang="en-US" sz="5400" dirty="0">
-                <a:latin typeface="標楷體" pitchFamily="65" charset="-120"/>
-                <a:ea typeface="標楷體" pitchFamily="65" charset="-120"/>
-              </a:rPr>
-              <a:t>得失我</a:t>
-            </a:r>
-            <a:r>
-              <a:rPr lang="zh-TW" altLang="en-US" sz="5400" dirty="0">
-                <a:latin typeface="標楷體" pitchFamily="65" charset="-120"/>
-                <a:ea typeface="標楷體" pitchFamily="65" charset="-120"/>
-              </a:rPr>
-              <a:t>冇</a:t>
-            </a:r>
-            <a:r>
-              <a:rPr lang="zh-CN" altLang="en-US" sz="5400" dirty="0">
-                <a:latin typeface="標楷體" pitchFamily="65" charset="-120"/>
-                <a:ea typeface="標楷體" pitchFamily="65" charset="-120"/>
-              </a:rPr>
-              <a:t>所謂</a:t>
-            </a:r>
-            <a:endParaRPr lang="en-US" altLang="zh-CN" sz="5400" dirty="0">
-              <a:latin typeface="標楷體" pitchFamily="65" charset="-120"/>
-              <a:ea typeface="標楷體" pitchFamily="65" charset="-120"/>
+            <a:pPr algn="ctr"/>
+            <a:r>
+              <a:rPr lang="en-US" sz="4267" b="1" dirty="0">
+                <a:solidFill>
+                  <a:srgbClr val="660033"/>
+                </a:solidFill>
+                <a:latin typeface="Microsoft JhengHei" panose="020B0604030504040204" pitchFamily="34" charset="-120"/>
+                <a:ea typeface="Microsoft JhengHei" panose="020B0604030504040204" pitchFamily="34" charset="-120"/>
+              </a:rPr>
+              <a:t>( </a:t>
+            </a:r>
+            <a:r>
+              <a:rPr lang="zh-CN" altLang="en-US" sz="4267" b="1" dirty="0">
+                <a:solidFill>
+                  <a:srgbClr val="660033"/>
+                </a:solidFill>
+                <a:latin typeface="Microsoft JhengHei" panose="020B0604030504040204" pitchFamily="34" charset="-120"/>
+                <a:ea typeface="Microsoft JhengHei" panose="020B0604030504040204" pitchFamily="34" charset="-120"/>
+              </a:rPr>
+              <a:t>正</a:t>
+            </a:r>
+            <a:r>
+              <a:rPr lang="en-US" sz="4267" b="1" dirty="0">
+                <a:solidFill>
+                  <a:srgbClr val="660033"/>
+                </a:solidFill>
+                <a:latin typeface="Microsoft JhengHei" panose="020B0604030504040204" pitchFamily="34" charset="-120"/>
+                <a:ea typeface="Microsoft JhengHei" panose="020B0604030504040204" pitchFamily="34" charset="-120"/>
+              </a:rPr>
+              <a:t> )</a:t>
+            </a:r>
+            <a:endParaRPr lang="vi-VN" sz="4267" b="1" dirty="0">
+              <a:solidFill>
+                <a:srgbClr val="660033"/>
+              </a:solidFill>
+              <a:ea typeface="Microsoft JhengHei" panose="020B0604030504040204" pitchFamily="34" charset="-120"/>
             </a:endParaRPr>
           </a:p>
-          <a:p>
-            <a:pPr algn="ctr">
-              <a:buNone/>
-            </a:pPr>
-            <a:r>
-              <a:rPr lang="zh-CN" altLang="en-US" sz="5400" dirty="0">
-                <a:latin typeface="標楷體" pitchFamily="65" charset="-120"/>
-                <a:ea typeface="標楷體" pitchFamily="65" charset="-120"/>
-              </a:rPr>
-              <a:t>遇挫敗別放唔抵</a:t>
-            </a:r>
-            <a:endParaRPr lang="en-US" altLang="zh-CN" sz="5400" dirty="0">
-              <a:latin typeface="標楷體" pitchFamily="65" charset="-120"/>
-              <a:ea typeface="標楷體" pitchFamily="65" charset="-120"/>
-            </a:endParaRPr>
-          </a:p>
-          <a:p>
-            <a:pPr algn="ctr">
-              <a:buNone/>
-            </a:pPr>
-            <a:r>
-              <a:rPr lang="zh-CN" altLang="en-US" sz="5400" dirty="0">
-                <a:latin typeface="標楷體" pitchFamily="65" charset="-120"/>
-                <a:ea typeface="標楷體" pitchFamily="65" charset="-120"/>
-              </a:rPr>
-              <a:t>得主袮賜堅毅</a:t>
-            </a:r>
-            <a:endParaRPr lang="en-US" altLang="zh-CN" sz="5400" dirty="0">
-              <a:latin typeface="標楷體" pitchFamily="65" charset="-120"/>
-              <a:ea typeface="標楷體" pitchFamily="65" charset="-120"/>
-            </a:endParaRPr>
-          </a:p>
-          <a:p>
-            <a:pPr algn="ctr">
-              <a:buNone/>
-            </a:pPr>
-            <a:r>
-              <a:rPr lang="zh-CN" altLang="en-US" sz="5400" dirty="0">
-                <a:latin typeface="標楷體" pitchFamily="65" charset="-120"/>
-                <a:ea typeface="標楷體" pitchFamily="65" charset="-120"/>
-              </a:rPr>
-              <a:t>能像袮最覺光輝</a:t>
-            </a:r>
-            <a:endParaRPr lang="zh-TW" altLang="en-US" sz="5400" dirty="0">
-              <a:latin typeface="標楷體" pitchFamily="65" charset="-120"/>
-              <a:ea typeface="標楷體" pitchFamily="65" charset="-120"/>
-            </a:endParaRPr>
-          </a:p>
         </p:txBody>
       </p:sp>
     </p:spTree>
+    <p:extLst>
+      <p:ext uri="{BB962C8B-B14F-4D97-AF65-F5344CB8AC3E}">
+        <p14:creationId xmlns:p14="http://schemas.microsoft.com/office/powerpoint/2010/main" val="114587512"/>
+      </p:ext>
+    </p:extLst>
   </p:cSld>
   <p:clrMapOvr>
     <a:masterClrMapping/>
@@ -3848,35 +3601,6 @@
       </p:grpSpPr>
       <p:sp>
         <p:nvSpPr>
-          <p:cNvPr id="4" name="標題 3"/>
-          <p:cNvSpPr>
-            <a:spLocks noGrp="1"/>
-          </p:cNvSpPr>
-          <p:nvPr>
-            <p:ph type="title"/>
-          </p:nvPr>
-        </p:nvSpPr>
-        <p:spPr/>
-        <p:txBody>
-          <a:bodyPr/>
-          <a:lstStyle/>
-          <a:p>
-            <a:r>
-              <a:rPr lang="zh-CN" altLang="en-US" dirty="0" smtClean="0">
-                <a:latin typeface="標楷體" pitchFamily="65" charset="-120"/>
-                <a:ea typeface="標楷體" pitchFamily="65" charset="-120"/>
-              </a:rPr>
-              <a:t>全能上主</a:t>
-            </a:r>
-            <a:endParaRPr lang="zh-TW" altLang="en-US" dirty="0">
-              <a:latin typeface="標楷體" pitchFamily="65" charset="-120"/>
-              <a:ea typeface="標楷體" pitchFamily="65" charset="-120"/>
-            </a:endParaRPr>
-          </a:p>
-        </p:txBody>
-      </p:sp>
-      <p:sp>
-        <p:nvSpPr>
           <p:cNvPr id="5" name="內容版面配置區 4"/>
           <p:cNvSpPr>
             <a:spLocks noGrp="1"/>
@@ -3885,9 +3609,14 @@
             <p:ph idx="1"/>
           </p:nvPr>
         </p:nvSpPr>
-        <p:spPr/>
-        <p:txBody>
-          <a:bodyPr>
+        <p:spPr>
+          <a:xfrm>
+            <a:off x="0" y="2084851"/>
+            <a:ext cx="12192000" cy="2404863"/>
+          </a:xfrm>
+        </p:spPr>
+        <p:txBody>
+          <a:bodyPr anchor="ctr">
             <a:normAutofit/>
           </a:bodyPr>
           <a:lstStyle/>
@@ -3896,15 +3625,717 @@
               <a:buNone/>
             </a:pPr>
             <a:r>
-              <a:rPr lang="zh-CN" altLang="en-US" sz="5400" dirty="0" smtClean="0">
-                <a:latin typeface="標楷體" pitchFamily="65" charset="-120"/>
-                <a:ea typeface="標楷體" pitchFamily="65" charset="-120"/>
+              <a:rPr lang="zh-CN" altLang="en-US" sz="6400" b="1" dirty="0">
+                <a:solidFill>
+                  <a:srgbClr val="660033"/>
+                </a:solidFill>
+                <a:latin typeface="微軟正黑體" pitchFamily="34" charset="-120"/>
+                <a:ea typeface="微軟正黑體" pitchFamily="34" charset="-120"/>
+              </a:rPr>
+              <a:t>原來上</a:t>
+            </a:r>
+            <a:r>
+              <a:rPr lang="zh-CN" altLang="en-US" sz="6400" b="1" dirty="0">
+                <a:solidFill>
+                  <a:srgbClr val="660033"/>
+                </a:solidFill>
+                <a:latin typeface="微軟正黑體" pitchFamily="34" charset="-120"/>
+                <a:ea typeface="微軟正黑體" pitchFamily="34" charset="-120"/>
+              </a:rPr>
+              <a:t>主  我</a:t>
+            </a:r>
+            <a:r>
+              <a:rPr lang="zh-CN" altLang="en-US" sz="6400" b="1" dirty="0">
+                <a:solidFill>
+                  <a:srgbClr val="660033"/>
+                </a:solidFill>
+                <a:latin typeface="微軟正黑體" pitchFamily="34" charset="-120"/>
+                <a:ea typeface="微軟正黑體" pitchFamily="34" charset="-120"/>
+              </a:rPr>
+              <a:t>父上帝</a:t>
+            </a:r>
+            <a:endParaRPr lang="en-US" altLang="zh-CN" sz="6400" b="1" dirty="0">
+              <a:solidFill>
+                <a:srgbClr val="660033"/>
+              </a:solidFill>
+              <a:latin typeface="微軟正黑體" pitchFamily="34" charset="-120"/>
+              <a:ea typeface="微軟正黑體" pitchFamily="34" charset="-120"/>
+            </a:endParaRPr>
+          </a:p>
+          <a:p>
+            <a:pPr algn="ctr">
+              <a:buNone/>
+            </a:pPr>
+            <a:r>
+              <a:rPr lang="zh-CN" altLang="en-US" sz="6400" b="1" dirty="0">
+                <a:solidFill>
+                  <a:srgbClr val="660033"/>
+                </a:solidFill>
+                <a:latin typeface="微軟正黑體" pitchFamily="34" charset="-120"/>
+                <a:ea typeface="微軟正黑體" pitchFamily="34" charset="-120"/>
+              </a:rPr>
+              <a:t>陪伴著我一世</a:t>
+            </a:r>
+            <a:endParaRPr lang="en-US" altLang="zh-CN" sz="6400" b="1" dirty="0">
+              <a:solidFill>
+                <a:srgbClr val="660033"/>
+              </a:solidFill>
+              <a:latin typeface="微軟正黑體" pitchFamily="34" charset="-120"/>
+              <a:ea typeface="微軟正黑體" pitchFamily="34" charset="-120"/>
+            </a:endParaRPr>
+          </a:p>
+        </p:txBody>
+      </p:sp>
+      <p:sp>
+        <p:nvSpPr>
+          <p:cNvPr id="3" name="TextBox 2"/>
+          <p:cNvSpPr txBox="1"/>
+          <p:nvPr/>
+        </p:nvSpPr>
+        <p:spPr>
+          <a:xfrm>
+            <a:off x="0" y="5157192"/>
+            <a:ext cx="12192000" cy="748988"/>
+          </a:xfrm>
+          <a:prstGeom prst="rect">
+            <a:avLst/>
+          </a:prstGeom>
+          <a:noFill/>
+        </p:spPr>
+        <p:txBody>
+          <a:bodyPr wrap="square" rtlCol="0">
+            <a:spAutoFit/>
+          </a:bodyPr>
+          <a:lstStyle/>
+          <a:p>
+            <a:pPr algn="ctr"/>
+            <a:r>
+              <a:rPr lang="en-US" sz="4267" b="1" dirty="0">
+                <a:solidFill>
+                  <a:srgbClr val="660033"/>
+                </a:solidFill>
+                <a:latin typeface="Microsoft JhengHei" panose="020B0604030504040204" pitchFamily="34" charset="-120"/>
+                <a:ea typeface="Microsoft JhengHei" panose="020B0604030504040204" pitchFamily="34" charset="-120"/>
+              </a:rPr>
+              <a:t>( </a:t>
+            </a:r>
+            <a:r>
+              <a:rPr lang="zh-CN" altLang="en-US" sz="4267" b="1" dirty="0">
+                <a:solidFill>
+                  <a:srgbClr val="660033"/>
+                </a:solidFill>
+                <a:latin typeface="Microsoft JhengHei" panose="020B0604030504040204" pitchFamily="34" charset="-120"/>
+                <a:ea typeface="Microsoft JhengHei" panose="020B0604030504040204" pitchFamily="34" charset="-120"/>
+              </a:rPr>
+              <a:t>正</a:t>
+            </a:r>
+            <a:r>
+              <a:rPr lang="en-US" sz="4267" b="1" dirty="0">
+                <a:solidFill>
+                  <a:srgbClr val="660033"/>
+                </a:solidFill>
+                <a:latin typeface="Microsoft JhengHei" panose="020B0604030504040204" pitchFamily="34" charset="-120"/>
+                <a:ea typeface="Microsoft JhengHei" panose="020B0604030504040204" pitchFamily="34" charset="-120"/>
+              </a:rPr>
+              <a:t> )</a:t>
+            </a:r>
+            <a:endParaRPr lang="vi-VN" sz="4267" b="1" dirty="0">
+              <a:solidFill>
+                <a:srgbClr val="660033"/>
+              </a:solidFill>
+              <a:ea typeface="Microsoft JhengHei" panose="020B0604030504040204" pitchFamily="34" charset="-120"/>
+            </a:endParaRPr>
+          </a:p>
+        </p:txBody>
+      </p:sp>
+    </p:spTree>
+    <p:extLst>
+      <p:ext uri="{BB962C8B-B14F-4D97-AF65-F5344CB8AC3E}">
+        <p14:creationId xmlns:p14="http://schemas.microsoft.com/office/powerpoint/2010/main" val="789093879"/>
+      </p:ext>
+    </p:extLst>
+  </p:cSld>
+  <p:clrMapOvr>
+    <a:masterClrMapping/>
+  </p:clrMapOvr>
+</p:sld>
+</file>
+
+<file path=ppt/slides/slide5.xml><?xml version="1.0" encoding="utf-8"?>
+<p:sld xmlns:a="http://schemas.openxmlformats.org/drawingml/2006/main" xmlns:r="http://schemas.openxmlformats.org/officeDocument/2006/relationships" xmlns:p="http://schemas.openxmlformats.org/presentationml/2006/main">
+  <p:cSld>
+    <p:spTree>
+      <p:nvGrpSpPr>
+        <p:cNvPr id="1" name=""/>
+        <p:cNvGrpSpPr/>
+        <p:nvPr/>
+      </p:nvGrpSpPr>
+      <p:grpSpPr>
+        <a:xfrm>
+          <a:off x="0" y="0"/>
+          <a:ext cx="0" cy="0"/>
+          <a:chOff x="0" y="0"/>
+          <a:chExt cx="0" cy="0"/>
+        </a:xfrm>
+      </p:grpSpPr>
+      <p:sp>
+        <p:nvSpPr>
+          <p:cNvPr id="5" name="內容版面配置區 4"/>
+          <p:cNvSpPr>
+            <a:spLocks noGrp="1"/>
+          </p:cNvSpPr>
+          <p:nvPr>
+            <p:ph idx="1"/>
+          </p:nvPr>
+        </p:nvSpPr>
+        <p:spPr>
+          <a:xfrm>
+            <a:off x="0" y="2084851"/>
+            <a:ext cx="12192000" cy="2404863"/>
+          </a:xfrm>
+        </p:spPr>
+        <p:txBody>
+          <a:bodyPr anchor="ctr">
+            <a:normAutofit/>
+          </a:bodyPr>
+          <a:lstStyle/>
+          <a:p>
+            <a:pPr algn="ctr">
+              <a:buNone/>
+            </a:pPr>
+            <a:r>
+              <a:rPr lang="zh-CN" altLang="en-US" sz="6400" b="1" dirty="0">
+                <a:solidFill>
+                  <a:srgbClr val="660033"/>
+                </a:solidFill>
+                <a:latin typeface="微軟正黑體" pitchFamily="34" charset="-120"/>
+                <a:ea typeface="微軟正黑體" pitchFamily="34" charset="-120"/>
+              </a:rPr>
+              <a:t>不</a:t>
+            </a:r>
+            <a:r>
+              <a:rPr lang="zh-CN" altLang="en-US" sz="6400" b="1" dirty="0">
+                <a:solidFill>
+                  <a:srgbClr val="660033"/>
+                </a:solidFill>
+                <a:latin typeface="微軟正黑體" pitchFamily="34" charset="-120"/>
+                <a:ea typeface="微軟正黑體" pitchFamily="34" charset="-120"/>
+              </a:rPr>
+              <a:t>聽袮教誨  心</a:t>
+            </a:r>
+            <a:r>
+              <a:rPr lang="zh-CN" altLang="en-US" sz="6400" b="1" dirty="0">
+                <a:solidFill>
+                  <a:srgbClr val="660033"/>
+                </a:solidFill>
+                <a:latin typeface="微軟正黑體" pitchFamily="34" charset="-120"/>
+                <a:ea typeface="微軟正黑體" pitchFamily="34" charset="-120"/>
+              </a:rPr>
+              <a:t>中我有愧</a:t>
+            </a:r>
+            <a:endParaRPr lang="en-US" altLang="zh-CN" sz="6400" b="1" dirty="0">
+              <a:solidFill>
+                <a:srgbClr val="660033"/>
+              </a:solidFill>
+              <a:latin typeface="微軟正黑體" pitchFamily="34" charset="-120"/>
+              <a:ea typeface="微軟正黑體" pitchFamily="34" charset="-120"/>
+            </a:endParaRPr>
+          </a:p>
+          <a:p>
+            <a:pPr algn="ctr">
+              <a:buNone/>
+            </a:pPr>
+            <a:r>
+              <a:rPr lang="zh-CN" altLang="en-US" sz="6400" b="1" dirty="0">
+                <a:solidFill>
+                  <a:srgbClr val="660033"/>
+                </a:solidFill>
+                <a:latin typeface="微軟正黑體" pitchFamily="34" charset="-120"/>
+                <a:ea typeface="微軟正黑體" pitchFamily="34" charset="-120"/>
+              </a:rPr>
+              <a:t>有主關懷是最寶貴</a:t>
+            </a:r>
+            <a:endParaRPr lang="zh-TW" altLang="en-US" sz="6400" b="1" dirty="0">
+              <a:solidFill>
+                <a:srgbClr val="660033"/>
+              </a:solidFill>
+              <a:latin typeface="微軟正黑體" pitchFamily="34" charset="-120"/>
+              <a:ea typeface="微軟正黑體" pitchFamily="34" charset="-120"/>
+            </a:endParaRPr>
+          </a:p>
+        </p:txBody>
+      </p:sp>
+      <p:sp>
+        <p:nvSpPr>
+          <p:cNvPr id="3" name="TextBox 2"/>
+          <p:cNvSpPr txBox="1"/>
+          <p:nvPr/>
+        </p:nvSpPr>
+        <p:spPr>
+          <a:xfrm>
+            <a:off x="0" y="5157192"/>
+            <a:ext cx="12192000" cy="748988"/>
+          </a:xfrm>
+          <a:prstGeom prst="rect">
+            <a:avLst/>
+          </a:prstGeom>
+          <a:noFill/>
+        </p:spPr>
+        <p:txBody>
+          <a:bodyPr wrap="square" rtlCol="0">
+            <a:spAutoFit/>
+          </a:bodyPr>
+          <a:lstStyle/>
+          <a:p>
+            <a:pPr algn="ctr"/>
+            <a:r>
+              <a:rPr lang="en-US" sz="4267" b="1" dirty="0">
+                <a:solidFill>
+                  <a:srgbClr val="660033"/>
+                </a:solidFill>
+                <a:latin typeface="Microsoft JhengHei" panose="020B0604030504040204" pitchFamily="34" charset="-120"/>
+                <a:ea typeface="Microsoft JhengHei" panose="020B0604030504040204" pitchFamily="34" charset="-120"/>
+              </a:rPr>
+              <a:t>( </a:t>
+            </a:r>
+            <a:r>
+              <a:rPr lang="zh-CN" altLang="en-US" sz="4267" b="1" dirty="0">
+                <a:solidFill>
+                  <a:srgbClr val="660033"/>
+                </a:solidFill>
+                <a:latin typeface="Microsoft JhengHei" panose="020B0604030504040204" pitchFamily="34" charset="-120"/>
+                <a:ea typeface="Microsoft JhengHei" panose="020B0604030504040204" pitchFamily="34" charset="-120"/>
+              </a:rPr>
+              <a:t>正</a:t>
+            </a:r>
+            <a:r>
+              <a:rPr lang="en-US" sz="4267" b="1" dirty="0">
+                <a:solidFill>
+                  <a:srgbClr val="660033"/>
+                </a:solidFill>
+                <a:latin typeface="Microsoft JhengHei" panose="020B0604030504040204" pitchFamily="34" charset="-120"/>
+                <a:ea typeface="Microsoft JhengHei" panose="020B0604030504040204" pitchFamily="34" charset="-120"/>
+              </a:rPr>
+              <a:t> )</a:t>
+            </a:r>
+            <a:endParaRPr lang="vi-VN" sz="4267" b="1" dirty="0">
+              <a:solidFill>
+                <a:srgbClr val="660033"/>
+              </a:solidFill>
+              <a:ea typeface="Microsoft JhengHei" panose="020B0604030504040204" pitchFamily="34" charset="-120"/>
+            </a:endParaRPr>
+          </a:p>
+        </p:txBody>
+      </p:sp>
+    </p:spTree>
+    <p:extLst>
+      <p:ext uri="{BB962C8B-B14F-4D97-AF65-F5344CB8AC3E}">
+        <p14:creationId xmlns:p14="http://schemas.microsoft.com/office/powerpoint/2010/main" val="2368615727"/>
+      </p:ext>
+    </p:extLst>
+  </p:cSld>
+  <p:clrMapOvr>
+    <a:masterClrMapping/>
+  </p:clrMapOvr>
+</p:sld>
+</file>
+
+<file path=ppt/slides/slide6.xml><?xml version="1.0" encoding="utf-8"?>
+<p:sld xmlns:a="http://schemas.openxmlformats.org/drawingml/2006/main" xmlns:r="http://schemas.openxmlformats.org/officeDocument/2006/relationships" xmlns:p="http://schemas.openxmlformats.org/presentationml/2006/main">
+  <p:cSld>
+    <p:spTree>
+      <p:nvGrpSpPr>
+        <p:cNvPr id="1" name=""/>
+        <p:cNvGrpSpPr/>
+        <p:nvPr/>
+      </p:nvGrpSpPr>
+      <p:grpSpPr>
+        <a:xfrm>
+          <a:off x="0" y="0"/>
+          <a:ext cx="0" cy="0"/>
+          <a:chOff x="0" y="0"/>
+          <a:chExt cx="0" cy="0"/>
+        </a:xfrm>
+      </p:grpSpPr>
+      <p:sp>
+        <p:nvSpPr>
+          <p:cNvPr id="5" name="內容版面配置區 4"/>
+          <p:cNvSpPr>
+            <a:spLocks noGrp="1"/>
+          </p:cNvSpPr>
+          <p:nvPr>
+            <p:ph idx="1"/>
+          </p:nvPr>
+        </p:nvSpPr>
+        <p:spPr>
+          <a:xfrm>
+            <a:off x="0" y="2084851"/>
+            <a:ext cx="12192000" cy="2404863"/>
+          </a:xfrm>
+        </p:spPr>
+        <p:txBody>
+          <a:bodyPr anchor="ctr">
+            <a:normAutofit/>
+          </a:bodyPr>
+          <a:lstStyle/>
+          <a:p>
+            <a:pPr algn="ctr">
+              <a:buNone/>
+            </a:pPr>
+            <a:r>
+              <a:rPr lang="zh-CN" altLang="en-US" sz="6400" b="1" dirty="0">
+                <a:solidFill>
+                  <a:srgbClr val="660033"/>
+                </a:solidFill>
+                <a:latin typeface="微軟正黑體" pitchFamily="34" charset="-120"/>
+                <a:ea typeface="微軟正黑體" pitchFamily="34" charset="-120"/>
+              </a:rPr>
+              <a:t>得失我</a:t>
+            </a:r>
+            <a:r>
+              <a:rPr lang="zh-TW" altLang="en-US" sz="6400" b="1" dirty="0">
+                <a:solidFill>
+                  <a:srgbClr val="660033"/>
+                </a:solidFill>
+                <a:latin typeface="微軟正黑體" pitchFamily="34" charset="-120"/>
+                <a:ea typeface="微軟正黑體" pitchFamily="34" charset="-120"/>
+              </a:rPr>
+              <a:t>冇</a:t>
+            </a:r>
+            <a:r>
+              <a:rPr lang="zh-CN" altLang="en-US" sz="6400" b="1" dirty="0">
+                <a:solidFill>
+                  <a:srgbClr val="660033"/>
+                </a:solidFill>
+                <a:latin typeface="微軟正黑體" pitchFamily="34" charset="-120"/>
+                <a:ea typeface="微軟正黑體" pitchFamily="34" charset="-120"/>
+              </a:rPr>
+              <a:t>所謂</a:t>
+            </a:r>
+            <a:endParaRPr lang="en-US" altLang="zh-CN" sz="6400" b="1" dirty="0">
+              <a:solidFill>
+                <a:srgbClr val="660033"/>
+              </a:solidFill>
+              <a:latin typeface="微軟正黑體" pitchFamily="34" charset="-120"/>
+              <a:ea typeface="微軟正黑體" pitchFamily="34" charset="-120"/>
+            </a:endParaRPr>
+          </a:p>
+          <a:p>
+            <a:pPr algn="ctr">
+              <a:buNone/>
+            </a:pPr>
+            <a:r>
+              <a:rPr lang="zh-CN" altLang="en-US" sz="6400" b="1" dirty="0">
+                <a:solidFill>
+                  <a:srgbClr val="660033"/>
+                </a:solidFill>
+                <a:latin typeface="微軟正黑體" pitchFamily="34" charset="-120"/>
+                <a:ea typeface="微軟正黑體" pitchFamily="34" charset="-120"/>
+              </a:rPr>
+              <a:t>遇挫敗別放唔抵</a:t>
+            </a:r>
+            <a:endParaRPr lang="en-US" altLang="zh-CN" sz="6400" b="1" dirty="0">
+              <a:solidFill>
+                <a:srgbClr val="660033"/>
+              </a:solidFill>
+              <a:latin typeface="微軟正黑體" pitchFamily="34" charset="-120"/>
+              <a:ea typeface="微軟正黑體" pitchFamily="34" charset="-120"/>
+            </a:endParaRPr>
+          </a:p>
+        </p:txBody>
+      </p:sp>
+      <p:sp>
+        <p:nvSpPr>
+          <p:cNvPr id="3" name="TextBox 2"/>
+          <p:cNvSpPr txBox="1"/>
+          <p:nvPr/>
+        </p:nvSpPr>
+        <p:spPr>
+          <a:xfrm>
+            <a:off x="0" y="5157192"/>
+            <a:ext cx="12192000" cy="748988"/>
+          </a:xfrm>
+          <a:prstGeom prst="rect">
+            <a:avLst/>
+          </a:prstGeom>
+          <a:noFill/>
+        </p:spPr>
+        <p:txBody>
+          <a:bodyPr wrap="square" rtlCol="0">
+            <a:spAutoFit/>
+          </a:bodyPr>
+          <a:lstStyle/>
+          <a:p>
+            <a:pPr algn="ctr"/>
+            <a:r>
+              <a:rPr lang="en-US" sz="4267" b="1" dirty="0">
+                <a:solidFill>
+                  <a:srgbClr val="660033"/>
+                </a:solidFill>
+                <a:latin typeface="Microsoft JhengHei" panose="020B0604030504040204" pitchFamily="34" charset="-120"/>
+                <a:ea typeface="Microsoft JhengHei" panose="020B0604030504040204" pitchFamily="34" charset="-120"/>
+              </a:rPr>
+              <a:t>( </a:t>
+            </a:r>
+            <a:r>
+              <a:rPr lang="zh-CN" altLang="en-US" sz="4267" b="1" dirty="0">
+                <a:solidFill>
+                  <a:srgbClr val="660033"/>
+                </a:solidFill>
+                <a:latin typeface="Microsoft JhengHei" panose="020B0604030504040204" pitchFamily="34" charset="-120"/>
+                <a:ea typeface="Microsoft JhengHei" panose="020B0604030504040204" pitchFamily="34" charset="-120"/>
+              </a:rPr>
+              <a:t>副</a:t>
+            </a:r>
+            <a:r>
+              <a:rPr lang="en-US" sz="4267" b="1" dirty="0">
+                <a:solidFill>
+                  <a:srgbClr val="660033"/>
+                </a:solidFill>
+                <a:latin typeface="Microsoft JhengHei" panose="020B0604030504040204" pitchFamily="34" charset="-120"/>
+                <a:ea typeface="Microsoft JhengHei" panose="020B0604030504040204" pitchFamily="34" charset="-120"/>
+              </a:rPr>
+              <a:t> )</a:t>
+            </a:r>
+            <a:endParaRPr lang="vi-VN" sz="4267" b="1" dirty="0">
+              <a:solidFill>
+                <a:srgbClr val="660033"/>
+              </a:solidFill>
+              <a:ea typeface="Microsoft JhengHei" panose="020B0604030504040204" pitchFamily="34" charset="-120"/>
+            </a:endParaRPr>
+          </a:p>
+        </p:txBody>
+      </p:sp>
+    </p:spTree>
+    <p:extLst>
+      <p:ext uri="{BB962C8B-B14F-4D97-AF65-F5344CB8AC3E}">
+        <p14:creationId xmlns:p14="http://schemas.microsoft.com/office/powerpoint/2010/main" val="3957898560"/>
+      </p:ext>
+    </p:extLst>
+  </p:cSld>
+  <p:clrMapOvr>
+    <a:masterClrMapping/>
+  </p:clrMapOvr>
+</p:sld>
+</file>
+
+<file path=ppt/slides/slide7.xml><?xml version="1.0" encoding="utf-8"?>
+<p:sld xmlns:a="http://schemas.openxmlformats.org/drawingml/2006/main" xmlns:r="http://schemas.openxmlformats.org/officeDocument/2006/relationships" xmlns:p="http://schemas.openxmlformats.org/presentationml/2006/main">
+  <p:cSld>
+    <p:spTree>
+      <p:nvGrpSpPr>
+        <p:cNvPr id="1" name=""/>
+        <p:cNvGrpSpPr/>
+        <p:nvPr/>
+      </p:nvGrpSpPr>
+      <p:grpSpPr>
+        <a:xfrm>
+          <a:off x="0" y="0"/>
+          <a:ext cx="0" cy="0"/>
+          <a:chOff x="0" y="0"/>
+          <a:chExt cx="0" cy="0"/>
+        </a:xfrm>
+      </p:grpSpPr>
+      <p:sp>
+        <p:nvSpPr>
+          <p:cNvPr id="5" name="內容版面配置區 4"/>
+          <p:cNvSpPr>
+            <a:spLocks noGrp="1"/>
+          </p:cNvSpPr>
+          <p:nvPr>
+            <p:ph idx="1"/>
+          </p:nvPr>
+        </p:nvSpPr>
+        <p:spPr>
+          <a:xfrm>
+            <a:off x="0" y="2084851"/>
+            <a:ext cx="12192000" cy="2404863"/>
+          </a:xfrm>
+        </p:spPr>
+        <p:txBody>
+          <a:bodyPr anchor="ctr">
+            <a:normAutofit/>
+          </a:bodyPr>
+          <a:lstStyle/>
+          <a:p>
+            <a:pPr algn="ctr">
+              <a:buNone/>
+            </a:pPr>
+            <a:r>
+              <a:rPr lang="zh-CN" altLang="en-US" sz="6400" b="1" dirty="0">
+                <a:solidFill>
+                  <a:srgbClr val="660033"/>
+                </a:solidFill>
+                <a:latin typeface="微軟正黑體" pitchFamily="34" charset="-120"/>
+                <a:ea typeface="微軟正黑體" pitchFamily="34" charset="-120"/>
+              </a:rPr>
+              <a:t>得主袮賜堅毅</a:t>
+            </a:r>
+            <a:endParaRPr lang="en-US" altLang="zh-CN" sz="6400" b="1" dirty="0">
+              <a:solidFill>
+                <a:srgbClr val="660033"/>
+              </a:solidFill>
+              <a:latin typeface="微軟正黑體" pitchFamily="34" charset="-120"/>
+              <a:ea typeface="微軟正黑體" pitchFamily="34" charset="-120"/>
+            </a:endParaRPr>
+          </a:p>
+          <a:p>
+            <a:pPr algn="ctr">
+              <a:buNone/>
+            </a:pPr>
+            <a:r>
+              <a:rPr lang="zh-CN" altLang="en-US" sz="6400" b="1" dirty="0">
+                <a:solidFill>
+                  <a:srgbClr val="660033"/>
+                </a:solidFill>
+                <a:latin typeface="微軟正黑體" pitchFamily="34" charset="-120"/>
+                <a:ea typeface="微軟正黑體" pitchFamily="34" charset="-120"/>
+              </a:rPr>
+              <a:t>能像袮最覺光輝</a:t>
+            </a:r>
+            <a:endParaRPr lang="zh-TW" altLang="en-US" sz="6400" b="1" dirty="0">
+              <a:solidFill>
+                <a:srgbClr val="660033"/>
+              </a:solidFill>
+              <a:latin typeface="微軟正黑體" pitchFamily="34" charset="-120"/>
+              <a:ea typeface="微軟正黑體" pitchFamily="34" charset="-120"/>
+            </a:endParaRPr>
+          </a:p>
+        </p:txBody>
+      </p:sp>
+      <p:sp>
+        <p:nvSpPr>
+          <p:cNvPr id="3" name="TextBox 2"/>
+          <p:cNvSpPr txBox="1"/>
+          <p:nvPr/>
+        </p:nvSpPr>
+        <p:spPr>
+          <a:xfrm>
+            <a:off x="0" y="5157192"/>
+            <a:ext cx="12192000" cy="748988"/>
+          </a:xfrm>
+          <a:prstGeom prst="rect">
+            <a:avLst/>
+          </a:prstGeom>
+          <a:noFill/>
+        </p:spPr>
+        <p:txBody>
+          <a:bodyPr wrap="square" rtlCol="0">
+            <a:spAutoFit/>
+          </a:bodyPr>
+          <a:lstStyle/>
+          <a:p>
+            <a:pPr algn="ctr"/>
+            <a:r>
+              <a:rPr lang="en-US" sz="4267" b="1" dirty="0">
+                <a:solidFill>
+                  <a:srgbClr val="660033"/>
+                </a:solidFill>
+                <a:latin typeface="Microsoft JhengHei" panose="020B0604030504040204" pitchFamily="34" charset="-120"/>
+                <a:ea typeface="Microsoft JhengHei" panose="020B0604030504040204" pitchFamily="34" charset="-120"/>
+              </a:rPr>
+              <a:t>( </a:t>
+            </a:r>
+            <a:r>
+              <a:rPr lang="zh-CN" altLang="en-US" sz="4267" b="1" dirty="0">
+                <a:solidFill>
+                  <a:srgbClr val="660033"/>
+                </a:solidFill>
+                <a:latin typeface="Microsoft JhengHei" panose="020B0604030504040204" pitchFamily="34" charset="-120"/>
+                <a:ea typeface="Microsoft JhengHei" panose="020B0604030504040204" pitchFamily="34" charset="-120"/>
+              </a:rPr>
+              <a:t>副</a:t>
+            </a:r>
+            <a:r>
+              <a:rPr lang="en-US" sz="4267" b="1" dirty="0">
+                <a:solidFill>
+                  <a:srgbClr val="660033"/>
+                </a:solidFill>
+                <a:latin typeface="Microsoft JhengHei" panose="020B0604030504040204" pitchFamily="34" charset="-120"/>
+                <a:ea typeface="Microsoft JhengHei" panose="020B0604030504040204" pitchFamily="34" charset="-120"/>
+              </a:rPr>
+              <a:t> )</a:t>
+            </a:r>
+            <a:endParaRPr lang="vi-VN" sz="4267" b="1" dirty="0">
+              <a:solidFill>
+                <a:srgbClr val="660033"/>
+              </a:solidFill>
+              <a:ea typeface="Microsoft JhengHei" panose="020B0604030504040204" pitchFamily="34" charset="-120"/>
+            </a:endParaRPr>
+          </a:p>
+        </p:txBody>
+      </p:sp>
+    </p:spTree>
+    <p:extLst>
+      <p:ext uri="{BB962C8B-B14F-4D97-AF65-F5344CB8AC3E}">
+        <p14:creationId xmlns:p14="http://schemas.microsoft.com/office/powerpoint/2010/main" val="2912931052"/>
+      </p:ext>
+    </p:extLst>
+  </p:cSld>
+  <p:clrMapOvr>
+    <a:masterClrMapping/>
+  </p:clrMapOvr>
+</p:sld>
+</file>
+
+<file path=ppt/slides/slide8.xml><?xml version="1.0" encoding="utf-8"?>
+<p:sld xmlns:a="http://schemas.openxmlformats.org/drawingml/2006/main" xmlns:r="http://schemas.openxmlformats.org/officeDocument/2006/relationships" xmlns:p="http://schemas.openxmlformats.org/presentationml/2006/main">
+  <p:cSld>
+    <p:spTree>
+      <p:nvGrpSpPr>
+        <p:cNvPr id="1" name=""/>
+        <p:cNvGrpSpPr/>
+        <p:nvPr/>
+      </p:nvGrpSpPr>
+      <p:grpSpPr>
+        <a:xfrm>
+          <a:off x="0" y="0"/>
+          <a:ext cx="0" cy="0"/>
+          <a:chOff x="0" y="0"/>
+          <a:chExt cx="0" cy="0"/>
+        </a:xfrm>
+      </p:grpSpPr>
+      <p:sp>
+        <p:nvSpPr>
+          <p:cNvPr id="5" name="內容版面配置區 4"/>
+          <p:cNvSpPr>
+            <a:spLocks noGrp="1"/>
+          </p:cNvSpPr>
+          <p:nvPr>
+            <p:ph idx="1"/>
+          </p:nvPr>
+        </p:nvSpPr>
+        <p:spPr>
+          <a:xfrm>
+            <a:off x="0" y="2084851"/>
+            <a:ext cx="12192000" cy="2404863"/>
+          </a:xfrm>
+        </p:spPr>
+        <p:txBody>
+          <a:bodyPr anchor="ctr">
+            <a:normAutofit/>
+          </a:bodyPr>
+          <a:lstStyle/>
+          <a:p>
+            <a:pPr algn="ctr">
+              <a:buNone/>
+            </a:pPr>
+            <a:r>
+              <a:rPr lang="zh-CN" altLang="en-US" sz="6400" b="1" dirty="0">
+                <a:solidFill>
+                  <a:srgbClr val="660033"/>
+                </a:solidFill>
+                <a:latin typeface="微軟正黑體" pitchFamily="34" charset="-120"/>
+                <a:ea typeface="微軟正黑體" pitchFamily="34" charset="-120"/>
               </a:rPr>
               <a:t>祈求上主我父上帝</a:t>
             </a:r>
-            <a:endParaRPr lang="en-US" altLang="zh-CN" sz="5400" dirty="0" smtClean="0">
-              <a:latin typeface="標楷體" pitchFamily="65" charset="-120"/>
-              <a:ea typeface="標楷體" pitchFamily="65" charset="-120"/>
+            <a:endParaRPr lang="en-US" altLang="zh-CN" sz="6400" b="1" dirty="0">
+              <a:solidFill>
+                <a:srgbClr val="660033"/>
+              </a:solidFill>
+              <a:latin typeface="微軟正黑體" pitchFamily="34" charset="-120"/>
+              <a:ea typeface="微軟正黑體" pitchFamily="34" charset="-120"/>
             </a:endParaRPr>
           </a:p>
           <a:p>
@@ -3912,31 +4343,178 @@
               <a:buNone/>
             </a:pPr>
             <a:r>
-              <a:rPr lang="zh-CN" altLang="en-US" sz="5400" dirty="0" smtClean="0">
-                <a:latin typeface="標楷體" pitchFamily="65" charset="-120"/>
-                <a:ea typeface="標楷體" pitchFamily="65" charset="-120"/>
+              <a:rPr lang="zh-CN" altLang="en-US" sz="6400" b="1" dirty="0">
+                <a:solidFill>
+                  <a:srgbClr val="660033"/>
+                </a:solidFill>
+                <a:latin typeface="微軟正黑體" pitchFamily="34" charset="-120"/>
+                <a:ea typeface="微軟正黑體" pitchFamily="34" charset="-120"/>
               </a:rPr>
               <a:t>原諒罪過不計</a:t>
             </a:r>
-            <a:endParaRPr lang="en-US" altLang="zh-CN" sz="5400" dirty="0" smtClean="0">
-              <a:latin typeface="標楷體" pitchFamily="65" charset="-120"/>
-              <a:ea typeface="標楷體" pitchFamily="65" charset="-120"/>
+            <a:endParaRPr lang="en-US" altLang="zh-CN" sz="6400" b="1" dirty="0">
+              <a:solidFill>
+                <a:srgbClr val="660033"/>
+              </a:solidFill>
+              <a:latin typeface="微軟正黑體" pitchFamily="34" charset="-120"/>
+              <a:ea typeface="微軟正黑體" pitchFamily="34" charset="-120"/>
             </a:endParaRPr>
           </a:p>
+        </p:txBody>
+      </p:sp>
+      <p:sp>
+        <p:nvSpPr>
+          <p:cNvPr id="3" name="TextBox 2"/>
+          <p:cNvSpPr txBox="1"/>
+          <p:nvPr/>
+        </p:nvSpPr>
+        <p:spPr>
+          <a:xfrm>
+            <a:off x="0" y="5157192"/>
+            <a:ext cx="12192000" cy="748988"/>
+          </a:xfrm>
+          <a:prstGeom prst="rect">
+            <a:avLst/>
+          </a:prstGeom>
+          <a:noFill/>
+        </p:spPr>
+        <p:txBody>
+          <a:bodyPr wrap="square" rtlCol="0">
+            <a:spAutoFit/>
+          </a:bodyPr>
+          <a:lstStyle/>
+          <a:p>
+            <a:pPr algn="ctr"/>
+            <a:r>
+              <a:rPr lang="en-US" sz="4267" b="1" dirty="0">
+                <a:solidFill>
+                  <a:srgbClr val="660033"/>
+                </a:solidFill>
+                <a:latin typeface="Microsoft JhengHei" panose="020B0604030504040204" pitchFamily="34" charset="-120"/>
+                <a:ea typeface="Microsoft JhengHei" panose="020B0604030504040204" pitchFamily="34" charset="-120"/>
+              </a:rPr>
+              <a:t>( </a:t>
+            </a:r>
+            <a:r>
+              <a:rPr lang="zh-CN" altLang="en-US" sz="4267" b="1" dirty="0">
+                <a:solidFill>
+                  <a:srgbClr val="660033"/>
+                </a:solidFill>
+                <a:latin typeface="Microsoft JhengHei" panose="020B0604030504040204" pitchFamily="34" charset="-120"/>
+                <a:ea typeface="Microsoft JhengHei" panose="020B0604030504040204" pitchFamily="34" charset="-120"/>
+              </a:rPr>
+              <a:t>副</a:t>
+            </a:r>
+            <a:r>
+              <a:rPr lang="en-US" sz="4267" b="1" dirty="0">
+                <a:solidFill>
+                  <a:srgbClr val="660033"/>
+                </a:solidFill>
+                <a:latin typeface="Microsoft JhengHei" panose="020B0604030504040204" pitchFamily="34" charset="-120"/>
+                <a:ea typeface="Microsoft JhengHei" panose="020B0604030504040204" pitchFamily="34" charset="-120"/>
+              </a:rPr>
+              <a:t> )</a:t>
+            </a:r>
+            <a:endParaRPr lang="vi-VN" sz="4267" b="1" dirty="0">
+              <a:solidFill>
+                <a:srgbClr val="660033"/>
+              </a:solidFill>
+              <a:ea typeface="Microsoft JhengHei" panose="020B0604030504040204" pitchFamily="34" charset="-120"/>
+            </a:endParaRPr>
+          </a:p>
+        </p:txBody>
+      </p:sp>
+    </p:spTree>
+    <p:extLst>
+      <p:ext uri="{BB962C8B-B14F-4D97-AF65-F5344CB8AC3E}">
+        <p14:creationId xmlns:p14="http://schemas.microsoft.com/office/powerpoint/2010/main" val="1639467396"/>
+      </p:ext>
+    </p:extLst>
+  </p:cSld>
+  <p:clrMapOvr>
+    <a:masterClrMapping/>
+  </p:clrMapOvr>
+</p:sld>
+</file>
+
+<file path=ppt/slides/slide9.xml><?xml version="1.0" encoding="utf-8"?>
+<p:sld xmlns:a="http://schemas.openxmlformats.org/drawingml/2006/main" xmlns:r="http://schemas.openxmlformats.org/officeDocument/2006/relationships" xmlns:p="http://schemas.openxmlformats.org/presentationml/2006/main">
+  <p:cSld>
+    <p:spTree>
+      <p:nvGrpSpPr>
+        <p:cNvPr id="1" name=""/>
+        <p:cNvGrpSpPr/>
+        <p:nvPr/>
+      </p:nvGrpSpPr>
+      <p:grpSpPr>
+        <a:xfrm>
+          <a:off x="0" y="0"/>
+          <a:ext cx="0" cy="0"/>
+          <a:chOff x="0" y="0"/>
+          <a:chExt cx="0" cy="0"/>
+        </a:xfrm>
+      </p:grpSpPr>
+      <p:sp>
+        <p:nvSpPr>
+          <p:cNvPr id="5" name="內容版面配置區 4"/>
+          <p:cNvSpPr>
+            <a:spLocks noGrp="1"/>
+          </p:cNvSpPr>
+          <p:nvPr>
+            <p:ph idx="1"/>
+          </p:nvPr>
+        </p:nvSpPr>
+        <p:spPr>
+          <a:xfrm>
+            <a:off x="0" y="2084851"/>
+            <a:ext cx="12192000" cy="2404863"/>
+          </a:xfrm>
+        </p:spPr>
+        <p:txBody>
+          <a:bodyPr anchor="ctr">
+            <a:normAutofit/>
+          </a:bodyPr>
+          <a:lstStyle/>
           <a:p>
             <a:pPr algn="ctr">
               <a:buNone/>
             </a:pPr>
             <a:r>
-              <a:rPr lang="zh-CN" altLang="en-US" sz="5400" dirty="0" smtClean="0">
-                <a:latin typeface="標楷體" pitchFamily="65" charset="-120"/>
-                <a:ea typeface="標楷體" pitchFamily="65" charset="-120"/>
-              </a:rPr>
-              <a:t>即使有挫折  天天賜智慧</a:t>
-            </a:r>
-            <a:endParaRPr lang="en-US" altLang="zh-CN" sz="5400" dirty="0" smtClean="0">
-              <a:latin typeface="標楷體" pitchFamily="65" charset="-120"/>
-              <a:ea typeface="標楷體" pitchFamily="65" charset="-120"/>
+              <a:rPr lang="zh-CN" altLang="en-US" sz="6400" b="1" dirty="0">
+                <a:solidFill>
+                  <a:srgbClr val="660033"/>
+                </a:solidFill>
+                <a:latin typeface="微軟正黑體" pitchFamily="34" charset="-120"/>
+                <a:ea typeface="微軟正黑體" pitchFamily="34" charset="-120"/>
+              </a:rPr>
+              <a:t>即使有挫</a:t>
+            </a:r>
+            <a:r>
+              <a:rPr lang="zh-CN" altLang="en-US" sz="6400" b="1" dirty="0">
+                <a:solidFill>
+                  <a:srgbClr val="660033"/>
+                </a:solidFill>
+                <a:latin typeface="微軟正黑體" pitchFamily="34" charset="-120"/>
+                <a:ea typeface="微軟正黑體" pitchFamily="34" charset="-120"/>
+              </a:rPr>
+              <a:t>折  天</a:t>
+            </a:r>
+            <a:r>
+              <a:rPr lang="zh-CN" altLang="en-US" sz="6400" b="1" dirty="0">
+                <a:solidFill>
+                  <a:srgbClr val="660033"/>
+                </a:solidFill>
+                <a:latin typeface="微軟正黑體" pitchFamily="34" charset="-120"/>
+                <a:ea typeface="微軟正黑體" pitchFamily="34" charset="-120"/>
+              </a:rPr>
+              <a:t>天賜智慧</a:t>
+            </a:r>
+            <a:endParaRPr lang="en-US" altLang="zh-CN" sz="6400" b="1" dirty="0">
+              <a:solidFill>
+                <a:srgbClr val="660033"/>
+              </a:solidFill>
+              <a:latin typeface="微軟正黑體" pitchFamily="34" charset="-120"/>
+              <a:ea typeface="微軟正黑體" pitchFamily="34" charset="-120"/>
             </a:endParaRPr>
           </a:p>
           <a:p>
@@ -3944,34 +4522,113 @@
               <a:buNone/>
             </a:pPr>
             <a:r>
-              <a:rPr lang="zh-CN" altLang="en-US" sz="5400" dirty="0" smtClean="0">
-                <a:latin typeface="標楷體" pitchFamily="65" charset="-120"/>
-                <a:ea typeface="標楷體" pitchFamily="65" charset="-120"/>
+              <a:rPr lang="zh-CN" altLang="en-US" sz="6400" b="1" dirty="0">
+                <a:solidFill>
+                  <a:srgbClr val="660033"/>
+                </a:solidFill>
+                <a:latin typeface="微軟正黑體" pitchFamily="34" charset="-120"/>
+                <a:ea typeface="微軟正黑體" pitchFamily="34" charset="-120"/>
               </a:rPr>
               <a:t>信主生命實</a:t>
             </a:r>
             <a:r>
-              <a:rPr lang="zh-TW" altLang="en-US" sz="5400" dirty="0" smtClean="0">
-                <a:latin typeface="標楷體" pitchFamily="65" charset="-120"/>
-                <a:ea typeface="標楷體" pitchFamily="65" charset="-120"/>
+              <a:rPr lang="zh-TW" altLang="en-US" sz="6400" b="1" dirty="0">
+                <a:solidFill>
+                  <a:srgbClr val="660033"/>
+                </a:solidFill>
+                <a:latin typeface="微軟正黑體" pitchFamily="34" charset="-120"/>
+                <a:ea typeface="微軟正黑體" pitchFamily="34" charset="-120"/>
               </a:rPr>
               <a:t>冇</a:t>
             </a:r>
             <a:r>
-              <a:rPr lang="zh-CN" altLang="en-US" sz="5400" dirty="0" smtClean="0">
-                <a:latin typeface="標楷體" pitchFamily="65" charset="-120"/>
-                <a:ea typeface="標楷體" pitchFamily="65" charset="-120"/>
+              <a:rPr lang="zh-CN" altLang="en-US" sz="6400" b="1" dirty="0">
+                <a:solidFill>
+                  <a:srgbClr val="660033"/>
+                </a:solidFill>
+                <a:latin typeface="微軟正黑體" pitchFamily="34" charset="-120"/>
+                <a:ea typeface="微軟正黑體" pitchFamily="34" charset="-120"/>
               </a:rPr>
               <a:t>荒廢</a:t>
             </a:r>
-            <a:endParaRPr lang="zh-TW" altLang="en-US" sz="5400" dirty="0">
-              <a:latin typeface="標楷體" pitchFamily="65" charset="-120"/>
-              <a:ea typeface="標楷體" pitchFamily="65" charset="-120"/>
+            <a:endParaRPr lang="zh-TW" altLang="en-US" sz="6400" b="1" dirty="0">
+              <a:solidFill>
+                <a:srgbClr val="660033"/>
+              </a:solidFill>
+              <a:latin typeface="微軟正黑體" pitchFamily="34" charset="-120"/>
+              <a:ea typeface="微軟正黑體" pitchFamily="34" charset="-120"/>
             </a:endParaRPr>
           </a:p>
         </p:txBody>
       </p:sp>
+      <p:sp>
+        <p:nvSpPr>
+          <p:cNvPr id="3" name="TextBox 2"/>
+          <p:cNvSpPr txBox="1"/>
+          <p:nvPr/>
+        </p:nvSpPr>
+        <p:spPr>
+          <a:xfrm>
+            <a:off x="0" y="5157192"/>
+            <a:ext cx="12192000" cy="748988"/>
+          </a:xfrm>
+          <a:prstGeom prst="rect">
+            <a:avLst/>
+          </a:prstGeom>
+          <a:noFill/>
+        </p:spPr>
+        <p:txBody>
+          <a:bodyPr wrap="square" rtlCol="0">
+            <a:spAutoFit/>
+          </a:bodyPr>
+          <a:lstStyle/>
+          <a:p>
+            <a:pPr algn="ctr"/>
+            <a:r>
+              <a:rPr lang="en-US" sz="4267" b="1" dirty="0">
+                <a:solidFill>
+                  <a:srgbClr val="660033"/>
+                </a:solidFill>
+                <a:latin typeface="Microsoft JhengHei" panose="020B0604030504040204" pitchFamily="34" charset="-120"/>
+                <a:ea typeface="Microsoft JhengHei" panose="020B0604030504040204" pitchFamily="34" charset="-120"/>
+              </a:rPr>
+              <a:t>( </a:t>
+            </a:r>
+            <a:r>
+              <a:rPr lang="zh-CN" altLang="en-US" sz="4267" b="1" dirty="0">
+                <a:solidFill>
+                  <a:srgbClr val="660033"/>
+                </a:solidFill>
+                <a:latin typeface="Microsoft JhengHei" panose="020B0604030504040204" pitchFamily="34" charset="-120"/>
+                <a:ea typeface="Microsoft JhengHei" panose="020B0604030504040204" pitchFamily="34" charset="-120"/>
+              </a:rPr>
+              <a:t>副</a:t>
+            </a:r>
+            <a:r>
+              <a:rPr lang="en-US" sz="4267" b="1" dirty="0">
+                <a:solidFill>
+                  <a:srgbClr val="660033"/>
+                </a:solidFill>
+                <a:latin typeface="Microsoft JhengHei" panose="020B0604030504040204" pitchFamily="34" charset="-120"/>
+                <a:ea typeface="Microsoft JhengHei" panose="020B0604030504040204" pitchFamily="34" charset="-120"/>
+              </a:rPr>
+              <a:t> )</a:t>
+            </a:r>
+            <a:endParaRPr lang="vi-VN" sz="4267" b="1" dirty="0">
+              <a:solidFill>
+                <a:srgbClr val="660033"/>
+              </a:solidFill>
+              <a:ea typeface="Microsoft JhengHei" panose="020B0604030504040204" pitchFamily="34" charset="-120"/>
+            </a:endParaRPr>
+          </a:p>
+        </p:txBody>
+      </p:sp>
     </p:spTree>
+    <p:extLst>
+      <p:ext uri="{BB962C8B-B14F-4D97-AF65-F5344CB8AC3E}">
+        <p14:creationId xmlns:p14="http://schemas.microsoft.com/office/powerpoint/2010/main" val="2026201057"/>
+      </p:ext>
+    </p:extLst>
   </p:cSld>
   <p:clrMapOvr>
     <a:masterClrMapping/>
@@ -3980,62 +4637,62 @@
 </file>
 
 <file path=ppt/theme/theme1.xml><?xml version="1.0" encoding="utf-8"?>
-<a:theme xmlns:a="http://schemas.openxmlformats.org/drawingml/2006/main" name="佈景主題2">
+<a:theme xmlns:a="http://schemas.openxmlformats.org/drawingml/2006/main" name="Theme1">
   <a:themeElements>
-    <a:clrScheme name="Slik-1">
+    <a:clrScheme name="Office">
       <a:dk1>
-        <a:srgbClr val="000000"/>
+        <a:sysClr val="windowText" lastClr="000000"/>
       </a:dk1>
       <a:lt1>
-        <a:srgbClr val="FFFFFF"/>
+        <a:sysClr val="window" lastClr="FFFFFF"/>
       </a:lt1>
       <a:dk2>
-        <a:srgbClr val="043988"/>
+        <a:srgbClr val="1F497D"/>
       </a:dk2>
       <a:lt2>
-        <a:srgbClr val="92C2EB"/>
+        <a:srgbClr val="EEECE1"/>
       </a:lt2>
       <a:accent1>
-        <a:srgbClr val="836AAE"/>
+        <a:srgbClr val="4F81BD"/>
       </a:accent1>
       <a:accent2>
-        <a:srgbClr val="5DA577"/>
+        <a:srgbClr val="C0504D"/>
       </a:accent2>
       <a:accent3>
-        <a:srgbClr val="678EB9"/>
+        <a:srgbClr val="9BBB59"/>
       </a:accent3>
       <a:accent4>
-        <a:srgbClr val="F7A611"/>
+        <a:srgbClr val="8064A2"/>
       </a:accent4>
       <a:accent5>
-        <a:srgbClr val="A1AB38"/>
+        <a:srgbClr val="4BACC6"/>
       </a:accent5>
       <a:accent6>
-        <a:srgbClr val="C17790"/>
+        <a:srgbClr val="F79646"/>
       </a:accent6>
       <a:hlink>
-        <a:srgbClr val="DA5723"/>
+        <a:srgbClr val="0000FF"/>
       </a:hlink>
       <a:folHlink>
-        <a:srgbClr val="226CA5"/>
+        <a:srgbClr val="800080"/>
       </a:folHlink>
     </a:clrScheme>
-    <a:fontScheme name="Slik-1">
+    <a:fontScheme name="Office">
       <a:majorFont>
-        <a:latin typeface="Arial"/>
+        <a:latin typeface="Calibri"/>
         <a:ea typeface=""/>
         <a:cs typeface=""/>
         <a:font script="Jpan" typeface="ＭＳ Ｐゴシック"/>
-        <a:font script="Hang" typeface="돋음"/>
-        <a:font script="Hans" typeface="方正姚体"/>
+        <a:font script="Hang" typeface="맑은 고딕"/>
+        <a:font script="Hans" typeface="宋体"/>
         <a:font script="Hant" typeface="新細明體"/>
-        <a:font script="Arab" typeface="Arial"/>
-        <a:font script="Hebr" typeface="Arial"/>
-        <a:font script="Thai" typeface="Cordia New"/>
+        <a:font script="Arab" typeface="Times New Roman"/>
+        <a:font script="Hebr" typeface="Times New Roman"/>
+        <a:font script="Thai" typeface="Angsana New"/>
         <a:font script="Ethi" typeface="Nyala"/>
         <a:font script="Beng" typeface="Vrinda"/>
         <a:font script="Gujr" typeface="Shruti"/>
-        <a:font script="Khmr" typeface="DaunPenh"/>
+        <a:font script="Khmr" typeface="MoolBoran"/>
         <a:font script="Knda" typeface="Tunga"/>
         <a:font script="Guru" typeface="Raavi"/>
         <a:font script="Cans" typeface="Euphemia"/>
@@ -4052,15 +4709,15 @@
         <a:font script="Laoo" typeface="DokChampa"/>
         <a:font script="Sinh" typeface="Iskoola Pota"/>
         <a:font script="Mong" typeface="Mongolian Baiti"/>
-        <a:font script="Viet" typeface="Arial"/>
+        <a:font script="Viet" typeface="Times New Roman"/>
         <a:font script="Uigh" typeface="Microsoft Uighur"/>
       </a:majorFont>
       <a:minorFont>
-        <a:latin typeface="Arial"/>
+        <a:latin typeface="Calibri"/>
         <a:ea typeface=""/>
         <a:cs typeface=""/>
         <a:font script="Jpan" typeface="ＭＳ Ｐゴシック"/>
-        <a:font script="Hang" typeface="돋음"/>
+        <a:font script="Hang" typeface="맑은 고딕"/>
         <a:font script="Hans" typeface="宋体"/>
         <a:font script="Hant" typeface="新細明體"/>
         <a:font script="Arab" typeface="Arial"/>
@@ -4090,7 +4747,7 @@
         <a:font script="Uigh" typeface="Microsoft Uighur"/>
       </a:minorFont>
     </a:fontScheme>
-    <a:fmtScheme name="Slik-1">
+    <a:fmtScheme name="Office">
       <a:fillStyleLst>
         <a:solidFill>
           <a:schemeClr val="phClr"/>
@@ -4099,71 +4756,56 @@
           <a:gsLst>
             <a:gs pos="0">
               <a:schemeClr val="phClr">
-                <a:tint val="20000"/>
-                <a:satMod val="250000"/>
+                <a:tint val="50000"/>
+                <a:satMod val="300000"/>
               </a:schemeClr>
             </a:gs>
-            <a:gs pos="30000">
+            <a:gs pos="35000">
               <a:schemeClr val="phClr">
-                <a:tint val="60000"/>
-                <a:satMod val="250000"/>
-              </a:schemeClr>
-            </a:gs>
-            <a:gs pos="50000">
-              <a:schemeClr val="phClr">
-                <a:tint val="57000"/>
-                <a:satMod val="250000"/>
+                <a:tint val="37000"/>
+                <a:satMod val="300000"/>
               </a:schemeClr>
             </a:gs>
             <a:gs pos="100000">
               <a:schemeClr val="phClr">
-                <a:tint val="28000"/>
-                <a:satMod val="250000"/>
+                <a:tint val="15000"/>
+                <a:satMod val="350000"/>
               </a:schemeClr>
             </a:gs>
           </a:gsLst>
-          <a:lin ang="6960000" scaled="1"/>
+          <a:lin ang="16200000" scaled="1"/>
         </a:gradFill>
         <a:gradFill rotWithShape="1">
           <a:gsLst>
             <a:gs pos="0">
               <a:schemeClr val="phClr">
-                <a:shade val="80000"/>
-                <a:satMod val="200000"/>
+                <a:shade val="51000"/>
+                <a:satMod val="130000"/>
               </a:schemeClr>
             </a:gs>
-            <a:gs pos="30000">
+            <a:gs pos="80000">
               <a:schemeClr val="phClr">
-                <a:shade val="20000"/>
-                <a:satMod val="250000"/>
-              </a:schemeClr>
-            </a:gs>
-            <a:gs pos="50000">
-              <a:schemeClr val="phClr">
-                <a:shade val="23000"/>
-                <a:satMod val="250000"/>
-              </a:schemeClr>
-            </a:gs>
-            <a:gs pos="60000">
-              <a:schemeClr val="phClr">
-                <a:shade val="29000"/>
-                <a:satMod val="230000"/>
+                <a:shade val="93000"/>
+                <a:satMod val="130000"/>
               </a:schemeClr>
             </a:gs>
             <a:gs pos="100000">
               <a:schemeClr val="phClr">
-                <a:shade val="70000"/>
-                <a:satMod val="200000"/>
+                <a:shade val="94000"/>
+                <a:satMod val="135000"/>
               </a:schemeClr>
             </a:gs>
           </a:gsLst>
-          <a:lin ang="6960000" scaled="1"/>
+          <a:lin ang="16200000" scaled="0"/>
         </a:gradFill>
       </a:fillStyleLst>
       <a:lnStyleLst>
-        <a:ln w="12700" cap="flat" cmpd="sng" algn="ctr">
+        <a:ln w="9525" cap="flat" cmpd="sng" algn="ctr">
           <a:solidFill>
-            <a:schemeClr val="phClr"/>
+            <a:schemeClr val="phClr">
+              <a:shade val="95000"/>
+              <a:satMod val="105000"/>
+            </a:schemeClr>
           </a:solidFill>
           <a:prstDash val="solid"/>
         </a:ln>
@@ -4173,7 +4815,7 @@
           </a:solidFill>
           <a:prstDash val="solid"/>
         </a:ln>
-        <a:ln w="31750" cap="flat" cmpd="sng" algn="ctr">
+        <a:ln w="38100" cap="flat" cmpd="sng" algn="ctr">
           <a:solidFill>
             <a:schemeClr val="phClr"/>
           </a:solidFill>
@@ -4183,7 +4825,16 @@
       <a:effectStyleLst>
         <a:effectStyle>
           <a:effectLst>
-            <a:outerShdw blurRad="63500" dist="50800" dir="5400000" algn="tl" rotWithShape="0">
+            <a:outerShdw blurRad="40000" dist="20000" dir="5400000" rotWithShape="0">
+              <a:srgbClr val="000000">
+                <a:alpha val="38000"/>
+              </a:srgbClr>
+            </a:outerShdw>
+          </a:effectLst>
+        </a:effectStyle>
+        <a:effectStyle>
+          <a:effectLst>
+            <a:outerShdw blurRad="40000" dist="23000" dir="5400000" rotWithShape="0">
               <a:srgbClr val="000000">
                 <a:alpha val="35000"/>
               </a:srgbClr>
@@ -4192,7 +4843,7 @@
         </a:effectStyle>
         <a:effectStyle>
           <a:effectLst>
-            <a:outerShdw blurRad="63500" dist="50800" dir="5400000" algn="tl" rotWithShape="0">
+            <a:outerShdw blurRad="40000" dist="23000" dir="5400000" rotWithShape="0">
               <a:srgbClr val="000000">
                 <a:alpha val="35000"/>
               </a:srgbClr>
@@ -4202,28 +4853,12 @@
             <a:camera prst="orthographicFront">
               <a:rot lat="0" lon="0" rev="0"/>
             </a:camera>
-            <a:lightRig rig="soft" dir="t"/>
+            <a:lightRig rig="threePt" dir="t">
+              <a:rot lat="0" lon="0" rev="1200000"/>
+            </a:lightRig>
           </a:scene3d>
           <a:sp3d>
-            <a:bevelT w="127000" h="12700"/>
-          </a:sp3d>
-        </a:effectStyle>
-        <a:effectStyle>
-          <a:effectLst>
-            <a:outerShdw blurRad="63500" dist="50800" dir="5400000" algn="tl" rotWithShape="0">
-              <a:srgbClr val="000000">
-                <a:alpha val="35000"/>
-              </a:srgbClr>
-            </a:outerShdw>
-          </a:effectLst>
-          <a:scene3d>
-            <a:camera prst="orthographicFront">
-              <a:rot lat="0" lon="0" rev="0"/>
-            </a:camera>
-            <a:lightRig rig="soft" dir="t"/>
-          </a:scene3d>
-          <a:sp3d>
-            <a:bevelT w="152400" h="25400"/>
+            <a:bevelT w="63500" h="25400"/>
           </a:sp3d>
         </a:effectStyle>
       </a:effectStyleLst>
@@ -4235,46 +4870,56 @@
           <a:gsLst>
             <a:gs pos="0">
               <a:schemeClr val="phClr">
-                <a:tint val="100000"/>
-                <a:shade val="50000"/>
-                <a:satMod val="150000"/>
+                <a:tint val="40000"/>
+                <a:satMod val="350000"/>
               </a:schemeClr>
             </a:gs>
-            <a:gs pos="50000">
+            <a:gs pos="40000">
               <a:schemeClr val="phClr">
-                <a:tint val="85000"/>
-                <a:shade val="100000"/>
-                <a:satMod val="140000"/>
+                <a:tint val="45000"/>
+                <a:shade val="99000"/>
+                <a:satMod val="350000"/>
               </a:schemeClr>
             </a:gs>
             <a:gs pos="100000">
               <a:schemeClr val="phClr">
-                <a:shade val="50000"/>
-                <a:satMod val="150000"/>
+                <a:shade val="20000"/>
+                <a:satMod val="255000"/>
               </a:schemeClr>
             </a:gs>
           </a:gsLst>
-          <a:lin ang="5400000" scaled="1"/>
+          <a:path path="circle">
+            <a:fillToRect l="50000" t="-80000" r="50000" b="180000"/>
+          </a:path>
         </a:gradFill>
-        <a:blipFill>
-          <a:blip xmlns:r="http://schemas.openxmlformats.org/officeDocument/2006/relationships" r:embed="rId1">
-            <a:duotone>
+        <a:gradFill rotWithShape="1">
+          <a:gsLst>
+            <a:gs pos="0">
               <a:schemeClr val="phClr">
-                <a:shade val="55000"/>
-                <a:satMod val="150000"/>
+                <a:tint val="80000"/>
+                <a:satMod val="300000"/>
               </a:schemeClr>
+            </a:gs>
+            <a:gs pos="100000">
               <a:schemeClr val="phClr">
-                <a:tint val="0"/>
-                <a:satMod val="150000"/>
+                <a:shade val="30000"/>
+                <a:satMod val="200000"/>
               </a:schemeClr>
-            </a:duotone>
-          </a:blip>
-          <a:stretch/>
-        </a:blipFill>
+            </a:gs>
+          </a:gsLst>
+          <a:path path="circle">
+            <a:fillToRect l="50000" t="50000" r="50000" b="50000"/>
+          </a:path>
+        </a:gradFill>
       </a:bgFillStyleLst>
     </a:fmtScheme>
   </a:themeElements>
   <a:objectDefaults/>
   <a:extraClrSchemeLst/>
+  <a:extLst>
+    <a:ext uri="{05A4C25C-085E-4340-85A3-A5531E510DB2}">
+      <thm15:themeFamily xmlns:thm15="http://schemas.microsoft.com/office/thememl/2012/main" name="Theme1" id="{4DE8FE50-4117-462D-9201-EDB57F086D9C}" vid="{AFF313EB-5300-4EDF-B8E8-B08305447E9E}"/>
+    </a:ext>
+  </a:extLst>
 </a:theme>
 </file>